--- a/figure/Figure.pptx
+++ b/figure/Figure.pptx
@@ -197,7 +197,7 @@
           <a:p>
             <a:fld id="{B6D7F721-EF68-45A4-AEE1-CD106ED5A4D2}" type="datetimeFigureOut">
               <a:rPr lang="zh-CN" altLang="en-US" smtClean="0"/>
-              <a:t>2020/2/15</a:t>
+              <a:t>2020/2/16</a:t>
             </a:fld>
             <a:endParaRPr lang="zh-CN" altLang="en-US"/>
           </a:p>
@@ -695,7 +695,7 @@
           <a:p>
             <a:fld id="{2663B19F-8D96-4829-B9D3-BFACF3E27451}" type="datetimeFigureOut">
               <a:rPr lang="zh-CN" altLang="en-US" smtClean="0"/>
-              <a:t>2020/2/15</a:t>
+              <a:t>2020/2/16</a:t>
             </a:fld>
             <a:endParaRPr lang="zh-CN" altLang="en-US"/>
           </a:p>
@@ -893,7 +893,7 @@
           <a:p>
             <a:fld id="{2663B19F-8D96-4829-B9D3-BFACF3E27451}" type="datetimeFigureOut">
               <a:rPr lang="zh-CN" altLang="en-US" smtClean="0"/>
-              <a:t>2020/2/15</a:t>
+              <a:t>2020/2/16</a:t>
             </a:fld>
             <a:endParaRPr lang="zh-CN" altLang="en-US"/>
           </a:p>
@@ -1101,7 +1101,7 @@
           <a:p>
             <a:fld id="{2663B19F-8D96-4829-B9D3-BFACF3E27451}" type="datetimeFigureOut">
               <a:rPr lang="zh-CN" altLang="en-US" smtClean="0"/>
-              <a:t>2020/2/15</a:t>
+              <a:t>2020/2/16</a:t>
             </a:fld>
             <a:endParaRPr lang="zh-CN" altLang="en-US"/>
           </a:p>
@@ -1299,7 +1299,7 @@
           <a:p>
             <a:fld id="{2663B19F-8D96-4829-B9D3-BFACF3E27451}" type="datetimeFigureOut">
               <a:rPr lang="zh-CN" altLang="en-US" smtClean="0"/>
-              <a:t>2020/2/15</a:t>
+              <a:t>2020/2/16</a:t>
             </a:fld>
             <a:endParaRPr lang="zh-CN" altLang="en-US"/>
           </a:p>
@@ -1574,7 +1574,7 @@
           <a:p>
             <a:fld id="{2663B19F-8D96-4829-B9D3-BFACF3E27451}" type="datetimeFigureOut">
               <a:rPr lang="zh-CN" altLang="en-US" smtClean="0"/>
-              <a:t>2020/2/15</a:t>
+              <a:t>2020/2/16</a:t>
             </a:fld>
             <a:endParaRPr lang="zh-CN" altLang="en-US"/>
           </a:p>
@@ -1839,7 +1839,7 @@
           <a:p>
             <a:fld id="{2663B19F-8D96-4829-B9D3-BFACF3E27451}" type="datetimeFigureOut">
               <a:rPr lang="zh-CN" altLang="en-US" smtClean="0"/>
-              <a:t>2020/2/15</a:t>
+              <a:t>2020/2/16</a:t>
             </a:fld>
             <a:endParaRPr lang="zh-CN" altLang="en-US"/>
           </a:p>
@@ -2251,7 +2251,7 @@
           <a:p>
             <a:fld id="{2663B19F-8D96-4829-B9D3-BFACF3E27451}" type="datetimeFigureOut">
               <a:rPr lang="zh-CN" altLang="en-US" smtClean="0"/>
-              <a:t>2020/2/15</a:t>
+              <a:t>2020/2/16</a:t>
             </a:fld>
             <a:endParaRPr lang="zh-CN" altLang="en-US"/>
           </a:p>
@@ -2392,7 +2392,7 @@
           <a:p>
             <a:fld id="{2663B19F-8D96-4829-B9D3-BFACF3E27451}" type="datetimeFigureOut">
               <a:rPr lang="zh-CN" altLang="en-US" smtClean="0"/>
-              <a:t>2020/2/15</a:t>
+              <a:t>2020/2/16</a:t>
             </a:fld>
             <a:endParaRPr lang="zh-CN" altLang="en-US"/>
           </a:p>
@@ -2505,7 +2505,7 @@
           <a:p>
             <a:fld id="{2663B19F-8D96-4829-B9D3-BFACF3E27451}" type="datetimeFigureOut">
               <a:rPr lang="zh-CN" altLang="en-US" smtClean="0"/>
-              <a:t>2020/2/15</a:t>
+              <a:t>2020/2/16</a:t>
             </a:fld>
             <a:endParaRPr lang="zh-CN" altLang="en-US"/>
           </a:p>
@@ -2816,7 +2816,7 @@
           <a:p>
             <a:fld id="{2663B19F-8D96-4829-B9D3-BFACF3E27451}" type="datetimeFigureOut">
               <a:rPr lang="zh-CN" altLang="en-US" smtClean="0"/>
-              <a:t>2020/2/15</a:t>
+              <a:t>2020/2/16</a:t>
             </a:fld>
             <a:endParaRPr lang="zh-CN" altLang="en-US"/>
           </a:p>
@@ -3104,7 +3104,7 @@
           <a:p>
             <a:fld id="{2663B19F-8D96-4829-B9D3-BFACF3E27451}" type="datetimeFigureOut">
               <a:rPr lang="zh-CN" altLang="en-US" smtClean="0"/>
-              <a:t>2020/2/15</a:t>
+              <a:t>2020/2/16</a:t>
             </a:fld>
             <a:endParaRPr lang="zh-CN" altLang="en-US"/>
           </a:p>
@@ -3345,7 +3345,7 @@
           <a:p>
             <a:fld id="{2663B19F-8D96-4829-B9D3-BFACF3E27451}" type="datetimeFigureOut">
               <a:rPr lang="zh-CN" altLang="en-US" smtClean="0"/>
-              <a:t>2020/2/15</a:t>
+              <a:t>2020/2/16</a:t>
             </a:fld>
             <a:endParaRPr lang="zh-CN" altLang="en-US"/>
           </a:p>
@@ -3764,10 +3764,10 @@
       </p:grpSpPr>
       <p:grpSp>
         <p:nvGrpSpPr>
-          <p:cNvPr id="29" name="组合 28">
+          <p:cNvPr id="5" name="组合 4">
             <a:extLst>
               <a:ext uri="{FF2B5EF4-FFF2-40B4-BE49-F238E27FC236}">
-                <a16:creationId xmlns:a16="http://schemas.microsoft.com/office/drawing/2014/main" id="{C5CEEBFF-54CB-450D-8570-C05803BCC439}"/>
+                <a16:creationId xmlns:a16="http://schemas.microsoft.com/office/drawing/2014/main" id="{4D14E142-EC39-4A60-82E8-BFB8F413FB24}"/>
               </a:ext>
             </a:extLst>
           </p:cNvPr>
@@ -3776,10 +3776,10 @@
         </p:nvGrpSpPr>
         <p:grpSpPr>
           <a:xfrm>
-            <a:off x="355584" y="576755"/>
-            <a:ext cx="11135886" cy="6132052"/>
-            <a:chOff x="355584" y="576755"/>
-            <a:chExt cx="11135886" cy="6132052"/>
+            <a:off x="527366" y="377073"/>
+            <a:ext cx="11137268" cy="6299176"/>
+            <a:chOff x="965913" y="727683"/>
+            <a:chExt cx="10534037" cy="5957992"/>
           </a:xfrm>
         </p:grpSpPr>
         <p:sp>
@@ -3796,8 +3796,8 @@
           </p:nvSpPr>
           <p:spPr>
             <a:xfrm>
-              <a:off x="355584" y="4383366"/>
-              <a:ext cx="5231437" cy="1454208"/>
+              <a:off x="965913" y="4566873"/>
+              <a:ext cx="4722435" cy="1118391"/>
             </a:xfrm>
             <a:prstGeom prst="rect">
               <a:avLst/>
@@ -3932,812 +3932,699 @@
             </a:p>
           </p:txBody>
         </p:sp>
-        <p:grpSp>
-          <p:nvGrpSpPr>
-            <p:cNvPr id="45" name="组合 44">
-              <a:extLst>
-                <a:ext uri="{FF2B5EF4-FFF2-40B4-BE49-F238E27FC236}">
-                  <a16:creationId xmlns:a16="http://schemas.microsoft.com/office/drawing/2014/main" id="{5BADB822-1307-4B24-BD16-088659E5AEC3}"/>
-                </a:ext>
-              </a:extLst>
-            </p:cNvPr>
-            <p:cNvGrpSpPr/>
-            <p:nvPr/>
-          </p:nvGrpSpPr>
-          <p:grpSpPr>
-            <a:xfrm>
-              <a:off x="3917715" y="3002771"/>
-              <a:ext cx="1916091" cy="1324581"/>
-              <a:chOff x="601198" y="1704755"/>
-              <a:chExt cx="1585339" cy="1169944"/>
-            </a:xfrm>
-          </p:grpSpPr>
-          <p:sp>
-            <p:nvSpPr>
-              <p:cNvPr id="86" name="ValueText">
-                <a:extLst>
-                  <a:ext uri="{FF2B5EF4-FFF2-40B4-BE49-F238E27FC236}">
-                    <a16:creationId xmlns:a16="http://schemas.microsoft.com/office/drawing/2014/main" id="{1544654F-E95A-4BC7-8ED9-8B2BF1408484}"/>
-                  </a:ext>
-                </a:extLst>
-              </p:cNvPr>
-              <p:cNvSpPr txBox="1"/>
-              <p:nvPr/>
-            </p:nvSpPr>
-            <p:spPr>
-              <a:xfrm>
-                <a:off x="601198" y="1704755"/>
-                <a:ext cx="1276365" cy="765002"/>
-              </a:xfrm>
-              <a:prstGeom prst="rect">
-                <a:avLst/>
-              </a:prstGeom>
-            </p:spPr>
-            <p:txBody>
-              <a:bodyPr wrap="none" lIns="0" tIns="0" rIns="0" bIns="0" numCol="1">
-                <a:prstTxWarp prst="textPlain">
+        <mc:AlternateContent xmlns:mc="http://schemas.openxmlformats.org/markup-compatibility/2006">
+          <mc:Choice xmlns:a14="http://schemas.microsoft.com/office/drawing/2010/main" Requires="a14">
+            <p:sp>
+              <p:nvSpPr>
+                <p:cNvPr id="88" name="CustomText">
+                  <a:extLst>
+                    <a:ext uri="{FF2B5EF4-FFF2-40B4-BE49-F238E27FC236}">
+                      <a16:creationId xmlns:a16="http://schemas.microsoft.com/office/drawing/2014/main" id="{9A90EE71-3152-4A89-B8A2-C6044462E5AD}"/>
+                    </a:ext>
+                  </a:extLst>
+                </p:cNvPr>
+                <p:cNvSpPr txBox="1"/>
+                <p:nvPr/>
+              </p:nvSpPr>
+              <p:spPr>
+                <a:xfrm flipH="1">
+                  <a:off x="3006516" y="3858422"/>
+                  <a:ext cx="2611301" cy="730058"/>
+                </a:xfrm>
+                <a:prstGeom prst="rect">
                   <a:avLst/>
-                </a:prstTxWarp>
-                <a:normAutofit/>
-              </a:bodyPr>
-              <a:lstStyle>
-                <a:defPPr>
-                  <a:defRPr lang="zh-CN"/>
-                </a:defPPr>
-                <a:lvl1pPr marL="0" algn="l" defTabSz="914400" rtl="0" eaLnBrk="1" latinLnBrk="0" hangingPunct="1">
-                  <a:defRPr sz="1800" kern="1200">
+                </a:prstGeom>
+                <a:noFill/>
+              </p:spPr>
+              <p:txBody>
+                <a:bodyPr wrap="square" lIns="0" tIns="0" rIns="0" bIns="0" anchor="ctr" anchorCtr="0">
+                  <a:noAutofit/>
+                </a:bodyPr>
+                <a:lstStyle>
+                  <a:defPPr>
+                    <a:defRPr lang="zh-CN"/>
+                  </a:defPPr>
+                  <a:lvl1pPr marL="0" algn="l" defTabSz="914400" rtl="0" eaLnBrk="1" latinLnBrk="0" hangingPunct="1">
+                    <a:defRPr sz="1800" kern="1200">
+                      <a:solidFill>
+                        <a:schemeClr val="tx1"/>
+                      </a:solidFill>
+                      <a:latin typeface="+mn-lt"/>
+                      <a:ea typeface="+mn-ea"/>
+                      <a:cs typeface="+mn-cs"/>
+                    </a:defRPr>
+                  </a:lvl1pPr>
+                  <a:lvl2pPr marL="457200" algn="l" defTabSz="914400" rtl="0" eaLnBrk="1" latinLnBrk="0" hangingPunct="1">
+                    <a:defRPr sz="1800" kern="1200">
+                      <a:solidFill>
+                        <a:schemeClr val="tx1"/>
+                      </a:solidFill>
+                      <a:latin typeface="+mn-lt"/>
+                      <a:ea typeface="+mn-ea"/>
+                      <a:cs typeface="+mn-cs"/>
+                    </a:defRPr>
+                  </a:lvl2pPr>
+                  <a:lvl3pPr marL="914400" algn="l" defTabSz="914400" rtl="0" eaLnBrk="1" latinLnBrk="0" hangingPunct="1">
+                    <a:defRPr sz="1800" kern="1200">
+                      <a:solidFill>
+                        <a:schemeClr val="tx1"/>
+                      </a:solidFill>
+                      <a:latin typeface="+mn-lt"/>
+                      <a:ea typeface="+mn-ea"/>
+                      <a:cs typeface="+mn-cs"/>
+                    </a:defRPr>
+                  </a:lvl3pPr>
+                  <a:lvl4pPr marL="1371600" algn="l" defTabSz="914400" rtl="0" eaLnBrk="1" latinLnBrk="0" hangingPunct="1">
+                    <a:defRPr sz="1800" kern="1200">
+                      <a:solidFill>
+                        <a:schemeClr val="tx1"/>
+                      </a:solidFill>
+                      <a:latin typeface="+mn-lt"/>
+                      <a:ea typeface="+mn-ea"/>
+                      <a:cs typeface="+mn-cs"/>
+                    </a:defRPr>
+                  </a:lvl4pPr>
+                  <a:lvl5pPr marL="1828800" algn="l" defTabSz="914400" rtl="0" eaLnBrk="1" latinLnBrk="0" hangingPunct="1">
+                    <a:defRPr sz="1800" kern="1200">
+                      <a:solidFill>
+                        <a:schemeClr val="tx1"/>
+                      </a:solidFill>
+                      <a:latin typeface="+mn-lt"/>
+                      <a:ea typeface="+mn-ea"/>
+                      <a:cs typeface="+mn-cs"/>
+                    </a:defRPr>
+                  </a:lvl5pPr>
+                  <a:lvl6pPr marL="2286000" algn="l" defTabSz="914400" rtl="0" eaLnBrk="1" latinLnBrk="0" hangingPunct="1">
+                    <a:defRPr sz="1800" kern="1200">
+                      <a:solidFill>
+                        <a:schemeClr val="tx1"/>
+                      </a:solidFill>
+                      <a:latin typeface="+mn-lt"/>
+                      <a:ea typeface="+mn-ea"/>
+                      <a:cs typeface="+mn-cs"/>
+                    </a:defRPr>
+                  </a:lvl6pPr>
+                  <a:lvl7pPr marL="2743200" algn="l" defTabSz="914400" rtl="0" eaLnBrk="1" latinLnBrk="0" hangingPunct="1">
+                    <a:defRPr sz="1800" kern="1200">
+                      <a:solidFill>
+                        <a:schemeClr val="tx1"/>
+                      </a:solidFill>
+                      <a:latin typeface="+mn-lt"/>
+                      <a:ea typeface="+mn-ea"/>
+                      <a:cs typeface="+mn-cs"/>
+                    </a:defRPr>
+                  </a:lvl7pPr>
+                  <a:lvl8pPr marL="3200400" algn="l" defTabSz="914400" rtl="0" eaLnBrk="1" latinLnBrk="0" hangingPunct="1">
+                    <a:defRPr sz="1800" kern="1200">
+                      <a:solidFill>
+                        <a:schemeClr val="tx1"/>
+                      </a:solidFill>
+                      <a:latin typeface="+mn-lt"/>
+                      <a:ea typeface="+mn-ea"/>
+                      <a:cs typeface="+mn-cs"/>
+                    </a:defRPr>
+                  </a:lvl8pPr>
+                  <a:lvl9pPr marL="3657600" algn="l" defTabSz="914400" rtl="0" eaLnBrk="1" latinLnBrk="0" hangingPunct="1">
+                    <a:defRPr sz="1800" kern="1200">
+                      <a:solidFill>
+                        <a:schemeClr val="tx1"/>
+                      </a:solidFill>
+                      <a:latin typeface="+mn-lt"/>
+                      <a:ea typeface="+mn-ea"/>
+                      <a:cs typeface="+mn-cs"/>
+                    </a:defRPr>
+                  </a:lvl9pPr>
+                </a:lstStyle>
+                <a:p>
+                  <a:pPr lvl="0"/>
+                  <a14:m>
+                    <m:oMathPara xmlns:m="http://schemas.openxmlformats.org/officeDocument/2006/math">
+                      <m:oMathParaPr>
+                        <m:jc m:val="centerGroup"/>
+                      </m:oMathParaPr>
+                      <m:oMath xmlns:m="http://schemas.openxmlformats.org/officeDocument/2006/math">
+                        <m:sSub>
+                          <m:sSubPr>
+                            <m:ctrlPr>
+                              <a:rPr lang="en-US" altLang="zh-CN" sz="2800" b="1" i="1" smtClean="0">
+                                <a:solidFill>
+                                  <a:schemeClr val="tx1">
+                                    <a:lumMod val="85000"/>
+                                    <a:lumOff val="15000"/>
+                                  </a:schemeClr>
+                                </a:solidFill>
+                                <a:latin typeface="Cambria Math" panose="02040503050406030204" pitchFamily="18" charset="0"/>
+                              </a:rPr>
+                            </m:ctrlPr>
+                          </m:sSubPr>
+                          <m:e>
+                            <m:r>
+                              <a:rPr lang="en-US" altLang="zh-CN" sz="2800" b="1" i="1" smtClean="0">
+                                <a:solidFill>
+                                  <a:schemeClr val="tx1">
+                                    <a:lumMod val="85000"/>
+                                    <a:lumOff val="15000"/>
+                                  </a:schemeClr>
+                                </a:solidFill>
+                                <a:latin typeface="Cambria Math" panose="02040503050406030204" pitchFamily="18" charset="0"/>
+                              </a:rPr>
+                              <m:t>𝒀</m:t>
+                            </m:r>
+                          </m:e>
+                          <m:sub>
+                            <m:r>
+                              <a:rPr lang="en-US" altLang="zh-CN" sz="2800" b="1" i="1" smtClean="0">
+                                <a:solidFill>
+                                  <a:schemeClr val="tx1">
+                                    <a:lumMod val="85000"/>
+                                    <a:lumOff val="15000"/>
+                                  </a:schemeClr>
+                                </a:solidFill>
+                                <a:latin typeface="Cambria Math" panose="02040503050406030204" pitchFamily="18" charset="0"/>
+                              </a:rPr>
+                              <m:t>𝑵𝑪</m:t>
+                            </m:r>
+                          </m:sub>
+                        </m:sSub>
+                        <m:r>
+                          <a:rPr lang="en-US" altLang="zh-CN" sz="2800" b="1" i="1" smtClean="0">
+                            <a:solidFill>
+                              <a:schemeClr val="tx1">
+                                <a:lumMod val="85000"/>
+                                <a:lumOff val="15000"/>
+                              </a:schemeClr>
+                            </a:solidFill>
+                            <a:latin typeface="Cambria Math" panose="02040503050406030204" pitchFamily="18" charset="0"/>
+                          </a:rPr>
+                          <m:t>=</m:t>
+                        </m:r>
+                        <m:r>
+                          <a:rPr lang="en-US" altLang="zh-CN" sz="2800" b="1" i="1" smtClean="0">
+                            <a:solidFill>
+                              <a:schemeClr val="tx1">
+                                <a:lumMod val="85000"/>
+                                <a:lumOff val="15000"/>
+                              </a:schemeClr>
+                            </a:solidFill>
+                            <a:latin typeface="Cambria Math" panose="02040503050406030204" pitchFamily="18" charset="0"/>
+                          </a:rPr>
+                          <m:t>𝒀</m:t>
+                        </m:r>
+                        <m:r>
+                          <a:rPr lang="en-US" altLang="zh-CN" sz="2800" b="1" i="1" smtClean="0">
+                            <a:solidFill>
+                              <a:schemeClr val="tx1">
+                                <a:lumMod val="85000"/>
+                                <a:lumOff val="15000"/>
+                              </a:schemeClr>
+                            </a:solidFill>
+                            <a:latin typeface="Cambria Math" panose="02040503050406030204" pitchFamily="18" charset="0"/>
+                          </a:rPr>
+                          <m:t>(</m:t>
+                        </m:r>
+                        <m:r>
+                          <a:rPr lang="en-US" altLang="zh-CN" sz="2800" b="1" i="1" smtClean="0">
+                            <a:solidFill>
+                              <a:schemeClr val="tx1">
+                                <a:lumMod val="85000"/>
+                                <a:lumOff val="15000"/>
+                              </a:schemeClr>
+                            </a:solidFill>
+                            <a:latin typeface="Cambria Math" panose="02040503050406030204" pitchFamily="18" charset="0"/>
+                          </a:rPr>
+                          <m:t>𝟏</m:t>
+                        </m:r>
+                        <m:r>
+                          <a:rPr lang="en-US" altLang="zh-CN" sz="2800" b="1" i="1" smtClean="0">
+                            <a:solidFill>
+                              <a:schemeClr val="tx1">
+                                <a:lumMod val="85000"/>
+                                <a:lumOff val="15000"/>
+                              </a:schemeClr>
+                            </a:solidFill>
+                            <a:latin typeface="Cambria Math" panose="02040503050406030204" pitchFamily="18" charset="0"/>
+                          </a:rPr>
+                          <m:t>−</m:t>
+                        </m:r>
+                        <m:sSub>
+                          <m:sSubPr>
+                            <m:ctrlPr>
+                              <a:rPr lang="en-US" altLang="zh-CN" sz="2800" b="1" i="1" smtClean="0">
+                                <a:solidFill>
+                                  <a:schemeClr val="tx1">
+                                    <a:lumMod val="85000"/>
+                                    <a:lumOff val="15000"/>
+                                  </a:schemeClr>
+                                </a:solidFill>
+                                <a:latin typeface="Cambria Math" panose="02040503050406030204" pitchFamily="18" charset="0"/>
+                              </a:rPr>
+                            </m:ctrlPr>
+                          </m:sSubPr>
+                          <m:e>
+                            <m:r>
+                              <a:rPr lang="en-US" altLang="zh-CN" sz="2800" b="1" i="1" smtClean="0">
+                                <a:solidFill>
+                                  <a:schemeClr val="tx1">
+                                    <a:lumMod val="85000"/>
+                                    <a:lumOff val="15000"/>
+                                  </a:schemeClr>
+                                </a:solidFill>
+                                <a:latin typeface="Cambria Math" panose="02040503050406030204" pitchFamily="18" charset="0"/>
+                              </a:rPr>
+                              <m:t>𝒓</m:t>
+                            </m:r>
+                          </m:e>
+                          <m:sub>
+                            <m:r>
+                              <a:rPr lang="en-US" altLang="zh-CN" sz="2800" b="1" i="1" smtClean="0">
+                                <a:solidFill>
+                                  <a:schemeClr val="tx1">
+                                    <a:lumMod val="85000"/>
+                                    <a:lumOff val="15000"/>
+                                  </a:schemeClr>
+                                </a:solidFill>
+                                <a:latin typeface="Cambria Math" panose="02040503050406030204" pitchFamily="18" charset="0"/>
+                              </a:rPr>
+                              <m:t>𝒄</m:t>
+                            </m:r>
+                          </m:sub>
+                        </m:sSub>
+                        <m:r>
+                          <a:rPr lang="en-US" altLang="zh-CN" sz="2800" b="1" i="1" smtClean="0">
+                            <a:solidFill>
+                              <a:schemeClr val="tx1">
+                                <a:lumMod val="85000"/>
+                                <a:lumOff val="15000"/>
+                              </a:schemeClr>
+                            </a:solidFill>
+                            <a:latin typeface="Cambria Math" panose="02040503050406030204" pitchFamily="18" charset="0"/>
+                          </a:rPr>
+                          <m:t>)</m:t>
+                        </m:r>
+                      </m:oMath>
+                    </m:oMathPara>
+                  </a14:m>
+                  <a:endParaRPr lang="en-US" altLang="zh-CN" sz="2800" b="1" dirty="0">
                     <a:solidFill>
-                      <a:schemeClr val="tx1"/>
-                    </a:solidFill>
-                    <a:latin typeface="+mn-lt"/>
-                    <a:ea typeface="+mn-ea"/>
-                    <a:cs typeface="+mn-cs"/>
-                  </a:defRPr>
-                </a:lvl1pPr>
-                <a:lvl2pPr marL="457200" algn="l" defTabSz="914400" rtl="0" eaLnBrk="1" latinLnBrk="0" hangingPunct="1">
-                  <a:defRPr sz="1800" kern="1200">
-                    <a:solidFill>
-                      <a:schemeClr val="tx1"/>
-                    </a:solidFill>
-                    <a:latin typeface="+mn-lt"/>
-                    <a:ea typeface="+mn-ea"/>
-                    <a:cs typeface="+mn-cs"/>
-                  </a:defRPr>
-                </a:lvl2pPr>
-                <a:lvl3pPr marL="914400" algn="l" defTabSz="914400" rtl="0" eaLnBrk="1" latinLnBrk="0" hangingPunct="1">
-                  <a:defRPr sz="1800" kern="1200">
-                    <a:solidFill>
-                      <a:schemeClr val="tx1"/>
-                    </a:solidFill>
-                    <a:latin typeface="+mn-lt"/>
-                    <a:ea typeface="+mn-ea"/>
-                    <a:cs typeface="+mn-cs"/>
-                  </a:defRPr>
-                </a:lvl3pPr>
-                <a:lvl4pPr marL="1371600" algn="l" defTabSz="914400" rtl="0" eaLnBrk="1" latinLnBrk="0" hangingPunct="1">
-                  <a:defRPr sz="1800" kern="1200">
-                    <a:solidFill>
-                      <a:schemeClr val="tx1"/>
-                    </a:solidFill>
-                    <a:latin typeface="+mn-lt"/>
-                    <a:ea typeface="+mn-ea"/>
-                    <a:cs typeface="+mn-cs"/>
-                  </a:defRPr>
-                </a:lvl4pPr>
-                <a:lvl5pPr marL="1828800" algn="l" defTabSz="914400" rtl="0" eaLnBrk="1" latinLnBrk="0" hangingPunct="1">
-                  <a:defRPr sz="1800" kern="1200">
-                    <a:solidFill>
-                      <a:schemeClr val="tx1"/>
-                    </a:solidFill>
-                    <a:latin typeface="+mn-lt"/>
-                    <a:ea typeface="+mn-ea"/>
-                    <a:cs typeface="+mn-cs"/>
-                  </a:defRPr>
-                </a:lvl5pPr>
-                <a:lvl6pPr marL="2286000" algn="l" defTabSz="914400" rtl="0" eaLnBrk="1" latinLnBrk="0" hangingPunct="1">
-                  <a:defRPr sz="1800" kern="1200">
-                    <a:solidFill>
-                      <a:schemeClr val="tx1"/>
-                    </a:solidFill>
-                    <a:latin typeface="+mn-lt"/>
-                    <a:ea typeface="+mn-ea"/>
-                    <a:cs typeface="+mn-cs"/>
-                  </a:defRPr>
-                </a:lvl6pPr>
-                <a:lvl7pPr marL="2743200" algn="l" defTabSz="914400" rtl="0" eaLnBrk="1" latinLnBrk="0" hangingPunct="1">
-                  <a:defRPr sz="1800" kern="1200">
-                    <a:solidFill>
-                      <a:schemeClr val="tx1"/>
-                    </a:solidFill>
-                    <a:latin typeface="+mn-lt"/>
-                    <a:ea typeface="+mn-ea"/>
-                    <a:cs typeface="+mn-cs"/>
-                  </a:defRPr>
-                </a:lvl7pPr>
-                <a:lvl8pPr marL="3200400" algn="l" defTabSz="914400" rtl="0" eaLnBrk="1" latinLnBrk="0" hangingPunct="1">
-                  <a:defRPr sz="1800" kern="1200">
-                    <a:solidFill>
-                      <a:schemeClr val="tx1"/>
-                    </a:solidFill>
-                    <a:latin typeface="+mn-lt"/>
-                    <a:ea typeface="+mn-ea"/>
-                    <a:cs typeface="+mn-cs"/>
-                  </a:defRPr>
-                </a:lvl8pPr>
-                <a:lvl9pPr marL="3657600" algn="l" defTabSz="914400" rtl="0" eaLnBrk="1" latinLnBrk="0" hangingPunct="1">
-                  <a:defRPr sz="1800" kern="1200">
-                    <a:solidFill>
-                      <a:schemeClr val="tx1"/>
-                    </a:solidFill>
-                    <a:latin typeface="+mn-lt"/>
-                    <a:ea typeface="+mn-ea"/>
-                    <a:cs typeface="+mn-cs"/>
-                  </a:defRPr>
-                </a:lvl9pPr>
-              </a:lstStyle>
-              <a:p>
-                <a:r>
-                  <a:rPr lang="en-US" altLang="zh-CN" sz="1600" dirty="0">
-                    <a:solidFill>
-                      <a:srgbClr val="8A0000"/>
-                    </a:solidFill>
-                    <a:latin typeface="Impact" panose="020B0806030902050204" pitchFamily="34" charset="0"/>
-                  </a:rPr>
-                  <a:t>~11</a:t>
-                </a:r>
-                <a:r>
-                  <a:rPr lang="en-US" sz="1600" dirty="0">
-                    <a:solidFill>
-                      <a:srgbClr val="8A0000"/>
-                    </a:solidFill>
-                    <a:latin typeface="Impact" panose="020B0806030902050204" pitchFamily="34" charset="0"/>
-                  </a:rPr>
-                  <a:t>%</a:t>
-                </a:r>
-              </a:p>
-            </p:txBody>
-          </p:sp>
-          <mc:AlternateContent xmlns:mc="http://schemas.openxmlformats.org/markup-compatibility/2006">
-            <mc:Choice xmlns:a14="http://schemas.microsoft.com/office/drawing/2010/main" Requires="a14">
-              <p:sp>
-                <p:nvSpPr>
-                  <p:cNvPr id="88" name="CustomText">
-                    <a:extLst>
-                      <a:ext uri="{FF2B5EF4-FFF2-40B4-BE49-F238E27FC236}">
-                        <a16:creationId xmlns:a16="http://schemas.microsoft.com/office/drawing/2014/main" id="{9A90EE71-3152-4A89-B8A2-C6044462E5AD}"/>
-                      </a:ext>
-                    </a:extLst>
-                  </p:cNvPr>
-                  <p:cNvSpPr txBox="1"/>
-                  <p:nvPr/>
-                </p:nvSpPr>
-                <p:spPr>
-                  <a:xfrm flipH="1">
-                    <a:off x="601198" y="2457537"/>
-                    <a:ext cx="1585339" cy="417162"/>
-                  </a:xfrm>
-                  <a:prstGeom prst="rect">
-                    <a:avLst/>
-                  </a:prstGeom>
-                  <a:noFill/>
-                </p:spPr>
-                <p:txBody>
-                  <a:bodyPr wrap="square" lIns="0" tIns="0" rIns="0" bIns="0" anchor="ctr" anchorCtr="0">
-                    <a:normAutofit/>
-                  </a:bodyPr>
-                  <a:lstStyle>
-                    <a:defPPr>
-                      <a:defRPr lang="zh-CN"/>
-                    </a:defPPr>
-                    <a:lvl1pPr marL="0" algn="l" defTabSz="914400" rtl="0" eaLnBrk="1" latinLnBrk="0" hangingPunct="1">
-                      <a:defRPr sz="1800" kern="1200">
-                        <a:solidFill>
-                          <a:schemeClr val="tx1"/>
-                        </a:solidFill>
-                        <a:latin typeface="+mn-lt"/>
-                        <a:ea typeface="+mn-ea"/>
-                        <a:cs typeface="+mn-cs"/>
-                      </a:defRPr>
-                    </a:lvl1pPr>
-                    <a:lvl2pPr marL="457200" algn="l" defTabSz="914400" rtl="0" eaLnBrk="1" latinLnBrk="0" hangingPunct="1">
-                      <a:defRPr sz="1800" kern="1200">
-                        <a:solidFill>
-                          <a:schemeClr val="tx1"/>
-                        </a:solidFill>
-                        <a:latin typeface="+mn-lt"/>
-                        <a:ea typeface="+mn-ea"/>
-                        <a:cs typeface="+mn-cs"/>
-                      </a:defRPr>
-                    </a:lvl2pPr>
-                    <a:lvl3pPr marL="914400" algn="l" defTabSz="914400" rtl="0" eaLnBrk="1" latinLnBrk="0" hangingPunct="1">
-                      <a:defRPr sz="1800" kern="1200">
-                        <a:solidFill>
-                          <a:schemeClr val="tx1"/>
-                        </a:solidFill>
-                        <a:latin typeface="+mn-lt"/>
-                        <a:ea typeface="+mn-ea"/>
-                        <a:cs typeface="+mn-cs"/>
-                      </a:defRPr>
-                    </a:lvl3pPr>
-                    <a:lvl4pPr marL="1371600" algn="l" defTabSz="914400" rtl="0" eaLnBrk="1" latinLnBrk="0" hangingPunct="1">
-                      <a:defRPr sz="1800" kern="1200">
-                        <a:solidFill>
-                          <a:schemeClr val="tx1"/>
-                        </a:solidFill>
-                        <a:latin typeface="+mn-lt"/>
-                        <a:ea typeface="+mn-ea"/>
-                        <a:cs typeface="+mn-cs"/>
-                      </a:defRPr>
-                    </a:lvl4pPr>
-                    <a:lvl5pPr marL="1828800" algn="l" defTabSz="914400" rtl="0" eaLnBrk="1" latinLnBrk="0" hangingPunct="1">
-                      <a:defRPr sz="1800" kern="1200">
-                        <a:solidFill>
-                          <a:schemeClr val="tx1"/>
-                        </a:solidFill>
-                        <a:latin typeface="+mn-lt"/>
-                        <a:ea typeface="+mn-ea"/>
-                        <a:cs typeface="+mn-cs"/>
-                      </a:defRPr>
-                    </a:lvl5pPr>
-                    <a:lvl6pPr marL="2286000" algn="l" defTabSz="914400" rtl="0" eaLnBrk="1" latinLnBrk="0" hangingPunct="1">
-                      <a:defRPr sz="1800" kern="1200">
-                        <a:solidFill>
-                          <a:schemeClr val="tx1"/>
-                        </a:solidFill>
-                        <a:latin typeface="+mn-lt"/>
-                        <a:ea typeface="+mn-ea"/>
-                        <a:cs typeface="+mn-cs"/>
-                      </a:defRPr>
-                    </a:lvl6pPr>
-                    <a:lvl7pPr marL="2743200" algn="l" defTabSz="914400" rtl="0" eaLnBrk="1" latinLnBrk="0" hangingPunct="1">
-                      <a:defRPr sz="1800" kern="1200">
-                        <a:solidFill>
-                          <a:schemeClr val="tx1"/>
-                        </a:solidFill>
-                        <a:latin typeface="+mn-lt"/>
-                        <a:ea typeface="+mn-ea"/>
-                        <a:cs typeface="+mn-cs"/>
-                      </a:defRPr>
-                    </a:lvl7pPr>
-                    <a:lvl8pPr marL="3200400" algn="l" defTabSz="914400" rtl="0" eaLnBrk="1" latinLnBrk="0" hangingPunct="1">
-                      <a:defRPr sz="1800" kern="1200">
-                        <a:solidFill>
-                          <a:schemeClr val="tx1"/>
-                        </a:solidFill>
-                        <a:latin typeface="+mn-lt"/>
-                        <a:ea typeface="+mn-ea"/>
-                        <a:cs typeface="+mn-cs"/>
-                      </a:defRPr>
-                    </a:lvl8pPr>
-                    <a:lvl9pPr marL="3657600" algn="l" defTabSz="914400" rtl="0" eaLnBrk="1" latinLnBrk="0" hangingPunct="1">
-                      <a:defRPr sz="1800" kern="1200">
-                        <a:solidFill>
-                          <a:schemeClr val="tx1"/>
-                        </a:solidFill>
-                        <a:latin typeface="+mn-lt"/>
-                        <a:ea typeface="+mn-ea"/>
-                        <a:cs typeface="+mn-cs"/>
-                      </a:defRPr>
-                    </a:lvl9pPr>
-                  </a:lstStyle>
-                  <a:p>
-                    <a:pPr lvl="0"/>
-                    <a14:m>
-                      <m:oMathPara xmlns:m="http://schemas.openxmlformats.org/officeDocument/2006/math">
-                        <m:oMathParaPr>
-                          <m:jc m:val="centerGroup"/>
-                        </m:oMathParaPr>
-                        <m:oMath xmlns:m="http://schemas.openxmlformats.org/officeDocument/2006/math">
-                          <m:sSub>
-                            <m:sSubPr>
-                              <m:ctrlPr>
-                                <a:rPr lang="en-US" altLang="zh-CN" sz="2800" b="1" i="1" dirty="0" smtClean="0">
-                                  <a:solidFill>
-                                    <a:schemeClr val="tx1"/>
-                                  </a:solidFill>
-                                  <a:latin typeface="Cambria Math" panose="02040503050406030204" pitchFamily="18" charset="0"/>
-                                </a:rPr>
-                              </m:ctrlPr>
-                            </m:sSubPr>
-                            <m:e>
-                              <m:r>
-                                <a:rPr lang="en-US" altLang="zh-CN" sz="2800" b="1" i="1" dirty="0" smtClean="0">
-                                  <a:solidFill>
-                                    <a:schemeClr val="tx1"/>
-                                  </a:solidFill>
-                                  <a:latin typeface="Cambria Math" panose="02040503050406030204" pitchFamily="18" charset="0"/>
-                                </a:rPr>
-                                <m:t>𝒀</m:t>
-                              </m:r>
-                            </m:e>
-                            <m:sub>
-                              <m:r>
-                                <a:rPr lang="en-US" altLang="zh-CN" sz="2800" b="1" i="1" dirty="0" smtClean="0">
-                                  <a:solidFill>
-                                    <a:schemeClr val="tx1"/>
-                                  </a:solidFill>
-                                  <a:latin typeface="Cambria Math" panose="02040503050406030204" pitchFamily="18" charset="0"/>
-                                </a:rPr>
-                                <m:t>𝑵</m:t>
-                              </m:r>
-                              <m:r>
-                                <m:rPr>
-                                  <m:sty m:val="p"/>
-                                </m:rPr>
-                                <a:rPr lang="en-US" altLang="zh-CN" sz="2800" b="1" i="1" dirty="0">
-                                  <a:latin typeface="Cambria Math" panose="02040503050406030204" pitchFamily="18" charset="0"/>
-                                </a:rPr>
-                                <m:t>C</m:t>
-                              </m:r>
-                            </m:sub>
-                          </m:sSub>
-                        </m:oMath>
-                      </m:oMathPara>
-                    </a14:m>
-                    <a:endParaRPr lang="en-US" altLang="zh-CN" sz="2400" b="1" dirty="0">
-                      <a:solidFill>
-                        <a:schemeClr val="tx1">
-                          <a:lumMod val="85000"/>
-                          <a:lumOff val="15000"/>
-                        </a:schemeClr>
-                      </a:solidFill>
-                    </a:endParaRPr>
-                  </a:p>
-                </p:txBody>
-              </p:sp>
-            </mc:Choice>
-            <mc:Fallback>
-              <p:sp>
-                <p:nvSpPr>
-                  <p:cNvPr id="88" name="CustomText">
-                    <a:extLst>
-                      <a:ext uri="{FF2B5EF4-FFF2-40B4-BE49-F238E27FC236}">
-                        <a16:creationId xmlns:a16="http://schemas.microsoft.com/office/drawing/2014/main" id="{9A90EE71-3152-4A89-B8A2-C6044462E5AD}"/>
-                      </a:ext>
-                    </a:extLst>
-                  </p:cNvPr>
-                  <p:cNvSpPr txBox="1">
-                    <a:spLocks noRot="1" noChangeAspect="1" noMove="1" noResize="1" noEditPoints="1" noAdjustHandles="1" noChangeArrowheads="1" noChangeShapeType="1" noTextEdit="1"/>
-                  </p:cNvSpPr>
-                  <p:nvPr/>
-                </p:nvSpPr>
-                <p:spPr>
-                  <a:xfrm flipH="1">
-                    <a:off x="601198" y="2457537"/>
-                    <a:ext cx="1585339" cy="417162"/>
-                  </a:xfrm>
-                  <a:prstGeom prst="rect">
-                    <a:avLst/>
-                  </a:prstGeom>
-                  <a:blipFill>
-                    <a:blip r:embed="rId3"/>
-                    <a:stretch>
-                      <a:fillRect/>
-                    </a:stretch>
-                  </a:blipFill>
-                </p:spPr>
-                <p:txBody>
-                  <a:bodyPr/>
-                  <a:lstStyle/>
-                  <a:p>
-                    <a:r>
-                      <a:rPr lang="zh-CN" altLang="en-US">
-                        <a:noFill/>
-                      </a:rPr>
-                      <a:t> </a:t>
-                    </a:r>
-                  </a:p>
-                </p:txBody>
-              </p:sp>
-            </mc:Fallback>
-          </mc:AlternateContent>
-        </p:grpSp>
-        <p:grpSp>
-          <p:nvGrpSpPr>
-            <p:cNvPr id="46" name="组合 45">
-              <a:extLst>
-                <a:ext uri="{FF2B5EF4-FFF2-40B4-BE49-F238E27FC236}">
-                  <a16:creationId xmlns:a16="http://schemas.microsoft.com/office/drawing/2014/main" id="{5A7B210B-E00A-40E4-8785-293D83F91F86}"/>
-                </a:ext>
-              </a:extLst>
-            </p:cNvPr>
-            <p:cNvGrpSpPr/>
-            <p:nvPr/>
-          </p:nvGrpSpPr>
-          <p:grpSpPr>
-            <a:xfrm>
-              <a:off x="378902" y="2967424"/>
-              <a:ext cx="1923054" cy="1318627"/>
-              <a:chOff x="636623" y="1833475"/>
-              <a:chExt cx="1591100" cy="1111276"/>
-            </a:xfrm>
-          </p:grpSpPr>
-          <p:sp>
-            <p:nvSpPr>
-              <p:cNvPr id="82" name="ValueText">
-                <a:extLst>
-                  <a:ext uri="{FF2B5EF4-FFF2-40B4-BE49-F238E27FC236}">
-                    <a16:creationId xmlns:a16="http://schemas.microsoft.com/office/drawing/2014/main" id="{F8A3E4D8-5BA8-43DC-90E3-F0E74095765D}"/>
-                  </a:ext>
-                </a:extLst>
-              </p:cNvPr>
-              <p:cNvSpPr txBox="1"/>
-              <p:nvPr/>
-            </p:nvSpPr>
-            <p:spPr>
-              <a:xfrm>
-                <a:off x="680945" y="1833475"/>
-                <a:ext cx="1276365" cy="729868"/>
-              </a:xfrm>
-              <a:prstGeom prst="rect">
-                <a:avLst/>
-              </a:prstGeom>
-            </p:spPr>
-            <p:txBody>
-              <a:bodyPr wrap="none" lIns="0" tIns="0" rIns="0" bIns="0" numCol="1">
-                <a:prstTxWarp prst="textPlain">
-                  <a:avLst/>
-                </a:prstTxWarp>
-                <a:normAutofit/>
-              </a:bodyPr>
-              <a:lstStyle>
-                <a:defPPr>
-                  <a:defRPr lang="zh-CN"/>
-                </a:defPPr>
-                <a:lvl1pPr marL="0" algn="l" defTabSz="914400" rtl="0" eaLnBrk="1" latinLnBrk="0" hangingPunct="1">
-                  <a:defRPr sz="1800" kern="1200">
-                    <a:solidFill>
-                      <a:schemeClr val="tx1"/>
-                    </a:solidFill>
-                    <a:latin typeface="+mn-lt"/>
-                    <a:ea typeface="+mn-ea"/>
-                    <a:cs typeface="+mn-cs"/>
-                  </a:defRPr>
-                </a:lvl1pPr>
-                <a:lvl2pPr marL="457200" algn="l" defTabSz="914400" rtl="0" eaLnBrk="1" latinLnBrk="0" hangingPunct="1">
-                  <a:defRPr sz="1800" kern="1200">
-                    <a:solidFill>
-                      <a:schemeClr val="tx1"/>
-                    </a:solidFill>
-                    <a:latin typeface="+mn-lt"/>
-                    <a:ea typeface="+mn-ea"/>
-                    <a:cs typeface="+mn-cs"/>
-                  </a:defRPr>
-                </a:lvl2pPr>
-                <a:lvl3pPr marL="914400" algn="l" defTabSz="914400" rtl="0" eaLnBrk="1" latinLnBrk="0" hangingPunct="1">
-                  <a:defRPr sz="1800" kern="1200">
-                    <a:solidFill>
-                      <a:schemeClr val="tx1"/>
-                    </a:solidFill>
-                    <a:latin typeface="+mn-lt"/>
-                    <a:ea typeface="+mn-ea"/>
-                    <a:cs typeface="+mn-cs"/>
-                  </a:defRPr>
-                </a:lvl3pPr>
-                <a:lvl4pPr marL="1371600" algn="l" defTabSz="914400" rtl="0" eaLnBrk="1" latinLnBrk="0" hangingPunct="1">
-                  <a:defRPr sz="1800" kern="1200">
-                    <a:solidFill>
-                      <a:schemeClr val="tx1"/>
-                    </a:solidFill>
-                    <a:latin typeface="+mn-lt"/>
-                    <a:ea typeface="+mn-ea"/>
-                    <a:cs typeface="+mn-cs"/>
-                  </a:defRPr>
-                </a:lvl4pPr>
-                <a:lvl5pPr marL="1828800" algn="l" defTabSz="914400" rtl="0" eaLnBrk="1" latinLnBrk="0" hangingPunct="1">
-                  <a:defRPr sz="1800" kern="1200">
-                    <a:solidFill>
-                      <a:schemeClr val="tx1"/>
-                    </a:solidFill>
-                    <a:latin typeface="+mn-lt"/>
-                    <a:ea typeface="+mn-ea"/>
-                    <a:cs typeface="+mn-cs"/>
-                  </a:defRPr>
-                </a:lvl5pPr>
-                <a:lvl6pPr marL="2286000" algn="l" defTabSz="914400" rtl="0" eaLnBrk="1" latinLnBrk="0" hangingPunct="1">
-                  <a:defRPr sz="1800" kern="1200">
-                    <a:solidFill>
-                      <a:schemeClr val="tx1"/>
-                    </a:solidFill>
-                    <a:latin typeface="+mn-lt"/>
-                    <a:ea typeface="+mn-ea"/>
-                    <a:cs typeface="+mn-cs"/>
-                  </a:defRPr>
-                </a:lvl6pPr>
-                <a:lvl7pPr marL="2743200" algn="l" defTabSz="914400" rtl="0" eaLnBrk="1" latinLnBrk="0" hangingPunct="1">
-                  <a:defRPr sz="1800" kern="1200">
-                    <a:solidFill>
-                      <a:schemeClr val="tx1"/>
-                    </a:solidFill>
-                    <a:latin typeface="+mn-lt"/>
-                    <a:ea typeface="+mn-ea"/>
-                    <a:cs typeface="+mn-cs"/>
-                  </a:defRPr>
-                </a:lvl7pPr>
-                <a:lvl8pPr marL="3200400" algn="l" defTabSz="914400" rtl="0" eaLnBrk="1" latinLnBrk="0" hangingPunct="1">
-                  <a:defRPr sz="1800" kern="1200">
-                    <a:solidFill>
-                      <a:schemeClr val="tx1"/>
-                    </a:solidFill>
-                    <a:latin typeface="+mn-lt"/>
-                    <a:ea typeface="+mn-ea"/>
-                    <a:cs typeface="+mn-cs"/>
-                  </a:defRPr>
-                </a:lvl8pPr>
-                <a:lvl9pPr marL="3657600" algn="l" defTabSz="914400" rtl="0" eaLnBrk="1" latinLnBrk="0" hangingPunct="1">
-                  <a:defRPr sz="1800" kern="1200">
-                    <a:solidFill>
-                      <a:schemeClr val="tx1"/>
-                    </a:solidFill>
-                    <a:latin typeface="+mn-lt"/>
-                    <a:ea typeface="+mn-ea"/>
-                    <a:cs typeface="+mn-cs"/>
-                  </a:defRPr>
-                </a:lvl9pPr>
-              </a:lstStyle>
-              <a:p>
-                <a:r>
-                  <a:rPr lang="en-US" altLang="zh-CN" sz="1600" dirty="0">
-                    <a:solidFill>
-                      <a:schemeClr val="accent6">
-                        <a:lumMod val="60000"/>
-                        <a:lumOff val="40000"/>
+                      <a:schemeClr val="tx1">
+                        <a:lumMod val="85000"/>
+                        <a:lumOff val="15000"/>
                       </a:schemeClr>
                     </a:solidFill>
-                    <a:latin typeface="Impact" panose="020B0806030902050204" pitchFamily="34" charset="0"/>
-                  </a:rPr>
-                  <a:t>~63</a:t>
-                </a:r>
-                <a:r>
-                  <a:rPr lang="en-US" sz="1600" dirty="0">
+                  </a:endParaRPr>
+                </a:p>
+              </p:txBody>
+            </p:sp>
+          </mc:Choice>
+          <mc:Fallback>
+            <p:sp>
+              <p:nvSpPr>
+                <p:cNvPr id="88" name="CustomText">
+                  <a:extLst>
+                    <a:ext uri="{FF2B5EF4-FFF2-40B4-BE49-F238E27FC236}">
+                      <a16:creationId xmlns:a16="http://schemas.microsoft.com/office/drawing/2014/main" id="{9A90EE71-3152-4A89-B8A2-C6044462E5AD}"/>
+                    </a:ext>
+                  </a:extLst>
+                </p:cNvPr>
+                <p:cNvSpPr txBox="1">
+                  <a:spLocks noRot="1" noChangeAspect="1" noMove="1" noResize="1" noEditPoints="1" noAdjustHandles="1" noChangeArrowheads="1" noChangeShapeType="1" noTextEdit="1"/>
+                </p:cNvSpPr>
+                <p:nvPr/>
+              </p:nvSpPr>
+              <p:spPr>
+                <a:xfrm flipH="1">
+                  <a:off x="3006516" y="3858422"/>
+                  <a:ext cx="2611301" cy="730058"/>
+                </a:xfrm>
+                <a:prstGeom prst="rect">
+                  <a:avLst/>
+                </a:prstGeom>
+                <a:blipFill>
+                  <a:blip r:embed="rId3"/>
+                  <a:stretch>
+                    <a:fillRect/>
+                  </a:stretch>
+                </a:blipFill>
+              </p:spPr>
+              <p:txBody>
+                <a:bodyPr/>
+                <a:lstStyle/>
+                <a:p>
+                  <a:r>
+                    <a:rPr lang="zh-CN" altLang="en-US">
+                      <a:noFill/>
+                    </a:rPr>
+                    <a:t> </a:t>
+                  </a:r>
+                </a:p>
+              </p:txBody>
+            </p:sp>
+          </mc:Fallback>
+        </mc:AlternateContent>
+        <mc:AlternateContent xmlns:mc="http://schemas.openxmlformats.org/markup-compatibility/2006">
+          <mc:Choice xmlns:a14="http://schemas.microsoft.com/office/drawing/2010/main" Requires="a14">
+            <p:sp>
+              <p:nvSpPr>
+                <p:cNvPr id="83" name="CustomText">
+                  <a:extLst>
+                    <a:ext uri="{FF2B5EF4-FFF2-40B4-BE49-F238E27FC236}">
+                      <a16:creationId xmlns:a16="http://schemas.microsoft.com/office/drawing/2014/main" id="{465D01DA-97CC-4A6A-96FA-33F2F43C87BE}"/>
+                    </a:ext>
+                  </a:extLst>
+                </p:cNvPr>
+                <p:cNvSpPr txBox="1"/>
+                <p:nvPr/>
+              </p:nvSpPr>
+              <p:spPr>
+                <a:xfrm flipH="1">
+                  <a:off x="1059781" y="3415615"/>
+                  <a:ext cx="1923054" cy="476743"/>
+                </a:xfrm>
+                <a:prstGeom prst="rect">
+                  <a:avLst/>
+                </a:prstGeom>
+                <a:noFill/>
+              </p:spPr>
+              <p:txBody>
+                <a:bodyPr wrap="square" lIns="0" tIns="0" rIns="0" bIns="0" anchor="ctr" anchorCtr="0">
+                  <a:normAutofit/>
+                </a:bodyPr>
+                <a:lstStyle>
+                  <a:defPPr>
+                    <a:defRPr lang="zh-CN"/>
+                  </a:defPPr>
+                  <a:lvl1pPr marL="0" algn="l" defTabSz="914400" rtl="0" eaLnBrk="1" latinLnBrk="0" hangingPunct="1">
+                    <a:defRPr sz="1800" kern="1200">
+                      <a:solidFill>
+                        <a:schemeClr val="tx1"/>
+                      </a:solidFill>
+                      <a:latin typeface="+mn-lt"/>
+                      <a:ea typeface="+mn-ea"/>
+                      <a:cs typeface="+mn-cs"/>
+                    </a:defRPr>
+                  </a:lvl1pPr>
+                  <a:lvl2pPr marL="457200" algn="l" defTabSz="914400" rtl="0" eaLnBrk="1" latinLnBrk="0" hangingPunct="1">
+                    <a:defRPr sz="1800" kern="1200">
+                      <a:solidFill>
+                        <a:schemeClr val="tx1"/>
+                      </a:solidFill>
+                      <a:latin typeface="+mn-lt"/>
+                      <a:ea typeface="+mn-ea"/>
+                      <a:cs typeface="+mn-cs"/>
+                    </a:defRPr>
+                  </a:lvl2pPr>
+                  <a:lvl3pPr marL="914400" algn="l" defTabSz="914400" rtl="0" eaLnBrk="1" latinLnBrk="0" hangingPunct="1">
+                    <a:defRPr sz="1800" kern="1200">
+                      <a:solidFill>
+                        <a:schemeClr val="tx1"/>
+                      </a:solidFill>
+                      <a:latin typeface="+mn-lt"/>
+                      <a:ea typeface="+mn-ea"/>
+                      <a:cs typeface="+mn-cs"/>
+                    </a:defRPr>
+                  </a:lvl3pPr>
+                  <a:lvl4pPr marL="1371600" algn="l" defTabSz="914400" rtl="0" eaLnBrk="1" latinLnBrk="0" hangingPunct="1">
+                    <a:defRPr sz="1800" kern="1200">
+                      <a:solidFill>
+                        <a:schemeClr val="tx1"/>
+                      </a:solidFill>
+                      <a:latin typeface="+mn-lt"/>
+                      <a:ea typeface="+mn-ea"/>
+                      <a:cs typeface="+mn-cs"/>
+                    </a:defRPr>
+                  </a:lvl4pPr>
+                  <a:lvl5pPr marL="1828800" algn="l" defTabSz="914400" rtl="0" eaLnBrk="1" latinLnBrk="0" hangingPunct="1">
+                    <a:defRPr sz="1800" kern="1200">
+                      <a:solidFill>
+                        <a:schemeClr val="tx1"/>
+                      </a:solidFill>
+                      <a:latin typeface="+mn-lt"/>
+                      <a:ea typeface="+mn-ea"/>
+                      <a:cs typeface="+mn-cs"/>
+                    </a:defRPr>
+                  </a:lvl5pPr>
+                  <a:lvl6pPr marL="2286000" algn="l" defTabSz="914400" rtl="0" eaLnBrk="1" latinLnBrk="0" hangingPunct="1">
+                    <a:defRPr sz="1800" kern="1200">
+                      <a:solidFill>
+                        <a:schemeClr val="tx1"/>
+                      </a:solidFill>
+                      <a:latin typeface="+mn-lt"/>
+                      <a:ea typeface="+mn-ea"/>
+                      <a:cs typeface="+mn-cs"/>
+                    </a:defRPr>
+                  </a:lvl6pPr>
+                  <a:lvl7pPr marL="2743200" algn="l" defTabSz="914400" rtl="0" eaLnBrk="1" latinLnBrk="0" hangingPunct="1">
+                    <a:defRPr sz="1800" kern="1200">
+                      <a:solidFill>
+                        <a:schemeClr val="tx1"/>
+                      </a:solidFill>
+                      <a:latin typeface="+mn-lt"/>
+                      <a:ea typeface="+mn-ea"/>
+                      <a:cs typeface="+mn-cs"/>
+                    </a:defRPr>
+                  </a:lvl7pPr>
+                  <a:lvl8pPr marL="3200400" algn="l" defTabSz="914400" rtl="0" eaLnBrk="1" latinLnBrk="0" hangingPunct="1">
+                    <a:defRPr sz="1800" kern="1200">
+                      <a:solidFill>
+                        <a:schemeClr val="tx1"/>
+                      </a:solidFill>
+                      <a:latin typeface="+mn-lt"/>
+                      <a:ea typeface="+mn-ea"/>
+                      <a:cs typeface="+mn-cs"/>
+                    </a:defRPr>
+                  </a:lvl8pPr>
+                  <a:lvl9pPr marL="3657600" algn="l" defTabSz="914400" rtl="0" eaLnBrk="1" latinLnBrk="0" hangingPunct="1">
+                    <a:defRPr sz="1800" kern="1200">
+                      <a:solidFill>
+                        <a:schemeClr val="tx1"/>
+                      </a:solidFill>
+                      <a:latin typeface="+mn-lt"/>
+                      <a:ea typeface="+mn-ea"/>
+                      <a:cs typeface="+mn-cs"/>
+                    </a:defRPr>
+                  </a:lvl9pPr>
+                </a:lstStyle>
+                <a:p>
+                  <a:pPr lvl="0"/>
+                  <a14:m>
+                    <m:oMathPara xmlns:m="http://schemas.openxmlformats.org/officeDocument/2006/math">
+                      <m:oMathParaPr>
+                        <m:jc m:val="centerGroup"/>
+                      </m:oMathParaPr>
+                      <m:oMath xmlns:m="http://schemas.openxmlformats.org/officeDocument/2006/math">
+                        <m:sSub>
+                          <m:sSubPr>
+                            <m:ctrlPr>
+                              <a:rPr lang="en-US" altLang="zh-CN" sz="2800" b="1" i="1" smtClean="0">
+                                <a:solidFill>
+                                  <a:schemeClr val="tx1">
+                                    <a:lumMod val="85000"/>
+                                    <a:lumOff val="15000"/>
+                                  </a:schemeClr>
+                                </a:solidFill>
+                                <a:latin typeface="Cambria Math" panose="02040503050406030204" pitchFamily="18" charset="0"/>
+                              </a:rPr>
+                            </m:ctrlPr>
+                          </m:sSubPr>
+                          <m:e>
+                            <m:r>
+                              <a:rPr lang="en-US" altLang="zh-CN" sz="2800" b="1" i="1" smtClean="0">
+                                <a:solidFill>
+                                  <a:schemeClr val="tx1">
+                                    <a:lumMod val="85000"/>
+                                    <a:lumOff val="15000"/>
+                                  </a:schemeClr>
+                                </a:solidFill>
+                                <a:latin typeface="Cambria Math" panose="02040503050406030204" pitchFamily="18" charset="0"/>
+                              </a:rPr>
+                              <m:t>𝒀</m:t>
+                            </m:r>
+                          </m:e>
+                          <m:sub>
+                            <m:r>
+                              <a:rPr lang="en-US" altLang="zh-CN" sz="2800" b="1" i="1" smtClean="0">
+                                <a:solidFill>
+                                  <a:schemeClr val="tx1">
+                                    <a:lumMod val="85000"/>
+                                    <a:lumOff val="15000"/>
+                                  </a:schemeClr>
+                                </a:solidFill>
+                                <a:latin typeface="Cambria Math" panose="02040503050406030204" pitchFamily="18" charset="0"/>
+                              </a:rPr>
+                              <m:t>𝑷</m:t>
+                            </m:r>
+                          </m:sub>
+                        </m:sSub>
+                        <m:r>
+                          <a:rPr lang="en-US" altLang="zh-CN" sz="2800" b="1" i="1" smtClean="0">
+                            <a:solidFill>
+                              <a:schemeClr val="tx1">
+                                <a:lumMod val="85000"/>
+                                <a:lumOff val="15000"/>
+                              </a:schemeClr>
+                            </a:solidFill>
+                            <a:latin typeface="Cambria Math" panose="02040503050406030204" pitchFamily="18" charset="0"/>
+                          </a:rPr>
+                          <m:t>=</m:t>
+                        </m:r>
+                        <m:r>
+                          <a:rPr lang="en-US" altLang="zh-CN" sz="2800" b="1" i="1" smtClean="0">
+                            <a:solidFill>
+                              <a:schemeClr val="tx1">
+                                <a:lumMod val="85000"/>
+                                <a:lumOff val="15000"/>
+                              </a:schemeClr>
+                            </a:solidFill>
+                            <a:latin typeface="Cambria Math" panose="02040503050406030204" pitchFamily="18" charset="0"/>
+                          </a:rPr>
+                          <m:t>𝒀</m:t>
+                        </m:r>
+                        <m:sSub>
+                          <m:sSubPr>
+                            <m:ctrlPr>
+                              <a:rPr lang="en-US" altLang="zh-CN" sz="2800" b="1" i="1" smtClean="0">
+                                <a:solidFill>
+                                  <a:schemeClr val="tx1">
+                                    <a:lumMod val="85000"/>
+                                    <a:lumOff val="15000"/>
+                                  </a:schemeClr>
+                                </a:solidFill>
+                                <a:latin typeface="Cambria Math" panose="02040503050406030204" pitchFamily="18" charset="0"/>
+                              </a:rPr>
+                            </m:ctrlPr>
+                          </m:sSubPr>
+                          <m:e>
+                            <m:r>
+                              <a:rPr lang="en-US" altLang="zh-CN" sz="2800" b="1" i="1" smtClean="0">
+                                <a:solidFill>
+                                  <a:schemeClr val="tx1">
+                                    <a:lumMod val="85000"/>
+                                    <a:lumOff val="15000"/>
+                                  </a:schemeClr>
+                                </a:solidFill>
+                                <a:latin typeface="Cambria Math" panose="02040503050406030204" pitchFamily="18" charset="0"/>
+                              </a:rPr>
+                              <m:t>𝒓</m:t>
+                            </m:r>
+                          </m:e>
+                          <m:sub>
+                            <m:r>
+                              <a:rPr lang="en-US" altLang="zh-CN" sz="2800" b="1" i="1" smtClean="0">
+                                <a:solidFill>
+                                  <a:schemeClr val="tx1">
+                                    <a:lumMod val="85000"/>
+                                    <a:lumOff val="15000"/>
+                                  </a:schemeClr>
+                                </a:solidFill>
+                                <a:latin typeface="Cambria Math" panose="02040503050406030204" pitchFamily="18" charset="0"/>
+                              </a:rPr>
+                              <m:t>𝒄</m:t>
+                            </m:r>
+                          </m:sub>
+                        </m:sSub>
+                        <m:sSub>
+                          <m:sSubPr>
+                            <m:ctrlPr>
+                              <a:rPr lang="en-US" altLang="zh-CN" sz="2800" b="1" i="1" smtClean="0">
+                                <a:solidFill>
+                                  <a:schemeClr val="tx1">
+                                    <a:lumMod val="85000"/>
+                                    <a:lumOff val="15000"/>
+                                  </a:schemeClr>
+                                </a:solidFill>
+                                <a:latin typeface="Cambria Math" panose="02040503050406030204" pitchFamily="18" charset="0"/>
+                              </a:rPr>
+                            </m:ctrlPr>
+                          </m:sSubPr>
+                          <m:e>
+                            <m:r>
+                              <a:rPr lang="en-US" altLang="zh-CN" sz="2800" b="1" i="1" smtClean="0">
+                                <a:solidFill>
+                                  <a:schemeClr val="tx1">
+                                    <a:lumMod val="85000"/>
+                                    <a:lumOff val="15000"/>
+                                  </a:schemeClr>
+                                </a:solidFill>
+                                <a:latin typeface="Cambria Math" panose="02040503050406030204" pitchFamily="18" charset="0"/>
+                              </a:rPr>
+                              <m:t>𝒓</m:t>
+                            </m:r>
+                          </m:e>
+                          <m:sub>
+                            <m:r>
+                              <a:rPr lang="en-US" altLang="zh-CN" sz="2800" b="1" i="1" smtClean="0">
+                                <a:solidFill>
+                                  <a:schemeClr val="tx1">
+                                    <a:lumMod val="85000"/>
+                                    <a:lumOff val="15000"/>
+                                  </a:schemeClr>
+                                </a:solidFill>
+                                <a:latin typeface="Cambria Math" panose="02040503050406030204" pitchFamily="18" charset="0"/>
+                              </a:rPr>
+                              <m:t>𝒑</m:t>
+                            </m:r>
+                          </m:sub>
+                        </m:sSub>
+                      </m:oMath>
+                    </m:oMathPara>
+                  </a14:m>
+                  <a:endParaRPr lang="en-US" altLang="zh-CN" sz="2800" b="1" dirty="0">
                     <a:solidFill>
-                      <a:schemeClr val="accent6">
-                        <a:lumMod val="60000"/>
-                        <a:lumOff val="40000"/>
+                      <a:schemeClr val="tx1">
+                        <a:lumMod val="85000"/>
+                        <a:lumOff val="15000"/>
                       </a:schemeClr>
                     </a:solidFill>
-                    <a:latin typeface="Impact" panose="020B0806030902050204" pitchFamily="34" charset="0"/>
-                  </a:rPr>
-                  <a:t>%</a:t>
-                </a:r>
-              </a:p>
-            </p:txBody>
-          </p:sp>
-          <mc:AlternateContent xmlns:mc="http://schemas.openxmlformats.org/markup-compatibility/2006">
-            <mc:Choice xmlns:a14="http://schemas.microsoft.com/office/drawing/2010/main" Requires="a14">
-              <p:sp>
-                <p:nvSpPr>
-                  <p:cNvPr id="83" name="CustomText">
-                    <a:extLst>
-                      <a:ext uri="{FF2B5EF4-FFF2-40B4-BE49-F238E27FC236}">
-                        <a16:creationId xmlns:a16="http://schemas.microsoft.com/office/drawing/2014/main" id="{465D01DA-97CC-4A6A-96FA-33F2F43C87BE}"/>
-                      </a:ext>
-                    </a:extLst>
-                  </p:cNvPr>
-                  <p:cNvSpPr txBox="1"/>
-                  <p:nvPr/>
-                </p:nvSpPr>
-                <p:spPr>
-                  <a:xfrm flipH="1">
-                    <a:off x="636623" y="2542975"/>
-                    <a:ext cx="1591100" cy="401776"/>
-                  </a:xfrm>
-                  <a:prstGeom prst="rect">
-                    <a:avLst/>
-                  </a:prstGeom>
-                  <a:noFill/>
-                </p:spPr>
-                <p:txBody>
-                  <a:bodyPr wrap="square" lIns="0" tIns="0" rIns="0" bIns="0" anchor="ctr" anchorCtr="0">
-                    <a:normAutofit/>
-                  </a:bodyPr>
-                  <a:lstStyle>
-                    <a:defPPr>
-                      <a:defRPr lang="zh-CN"/>
-                    </a:defPPr>
-                    <a:lvl1pPr marL="0" algn="l" defTabSz="914400" rtl="0" eaLnBrk="1" latinLnBrk="0" hangingPunct="1">
-                      <a:defRPr sz="1800" kern="1200">
-                        <a:solidFill>
-                          <a:schemeClr val="tx1"/>
-                        </a:solidFill>
-                        <a:latin typeface="+mn-lt"/>
-                        <a:ea typeface="+mn-ea"/>
-                        <a:cs typeface="+mn-cs"/>
-                      </a:defRPr>
-                    </a:lvl1pPr>
-                    <a:lvl2pPr marL="457200" algn="l" defTabSz="914400" rtl="0" eaLnBrk="1" latinLnBrk="0" hangingPunct="1">
-                      <a:defRPr sz="1800" kern="1200">
-                        <a:solidFill>
-                          <a:schemeClr val="tx1"/>
-                        </a:solidFill>
-                        <a:latin typeface="+mn-lt"/>
-                        <a:ea typeface="+mn-ea"/>
-                        <a:cs typeface="+mn-cs"/>
-                      </a:defRPr>
-                    </a:lvl2pPr>
-                    <a:lvl3pPr marL="914400" algn="l" defTabSz="914400" rtl="0" eaLnBrk="1" latinLnBrk="0" hangingPunct="1">
-                      <a:defRPr sz="1800" kern="1200">
-                        <a:solidFill>
-                          <a:schemeClr val="tx1"/>
-                        </a:solidFill>
-                        <a:latin typeface="+mn-lt"/>
-                        <a:ea typeface="+mn-ea"/>
-                        <a:cs typeface="+mn-cs"/>
-                      </a:defRPr>
-                    </a:lvl3pPr>
-                    <a:lvl4pPr marL="1371600" algn="l" defTabSz="914400" rtl="0" eaLnBrk="1" latinLnBrk="0" hangingPunct="1">
-                      <a:defRPr sz="1800" kern="1200">
-                        <a:solidFill>
-                          <a:schemeClr val="tx1"/>
-                        </a:solidFill>
-                        <a:latin typeface="+mn-lt"/>
-                        <a:ea typeface="+mn-ea"/>
-                        <a:cs typeface="+mn-cs"/>
-                      </a:defRPr>
-                    </a:lvl4pPr>
-                    <a:lvl5pPr marL="1828800" algn="l" defTabSz="914400" rtl="0" eaLnBrk="1" latinLnBrk="0" hangingPunct="1">
-                      <a:defRPr sz="1800" kern="1200">
-                        <a:solidFill>
-                          <a:schemeClr val="tx1"/>
-                        </a:solidFill>
-                        <a:latin typeface="+mn-lt"/>
-                        <a:ea typeface="+mn-ea"/>
-                        <a:cs typeface="+mn-cs"/>
-                      </a:defRPr>
-                    </a:lvl5pPr>
-                    <a:lvl6pPr marL="2286000" algn="l" defTabSz="914400" rtl="0" eaLnBrk="1" latinLnBrk="0" hangingPunct="1">
-                      <a:defRPr sz="1800" kern="1200">
-                        <a:solidFill>
-                          <a:schemeClr val="tx1"/>
-                        </a:solidFill>
-                        <a:latin typeface="+mn-lt"/>
-                        <a:ea typeface="+mn-ea"/>
-                        <a:cs typeface="+mn-cs"/>
-                      </a:defRPr>
-                    </a:lvl6pPr>
-                    <a:lvl7pPr marL="2743200" algn="l" defTabSz="914400" rtl="0" eaLnBrk="1" latinLnBrk="0" hangingPunct="1">
-                      <a:defRPr sz="1800" kern="1200">
-                        <a:solidFill>
-                          <a:schemeClr val="tx1"/>
-                        </a:solidFill>
-                        <a:latin typeface="+mn-lt"/>
-                        <a:ea typeface="+mn-ea"/>
-                        <a:cs typeface="+mn-cs"/>
-                      </a:defRPr>
-                    </a:lvl7pPr>
-                    <a:lvl8pPr marL="3200400" algn="l" defTabSz="914400" rtl="0" eaLnBrk="1" latinLnBrk="0" hangingPunct="1">
-                      <a:defRPr sz="1800" kern="1200">
-                        <a:solidFill>
-                          <a:schemeClr val="tx1"/>
-                        </a:solidFill>
-                        <a:latin typeface="+mn-lt"/>
-                        <a:ea typeface="+mn-ea"/>
-                        <a:cs typeface="+mn-cs"/>
-                      </a:defRPr>
-                    </a:lvl8pPr>
-                    <a:lvl9pPr marL="3657600" algn="l" defTabSz="914400" rtl="0" eaLnBrk="1" latinLnBrk="0" hangingPunct="1">
-                      <a:defRPr sz="1800" kern="1200">
-                        <a:solidFill>
-                          <a:schemeClr val="tx1"/>
-                        </a:solidFill>
-                        <a:latin typeface="+mn-lt"/>
-                        <a:ea typeface="+mn-ea"/>
-                        <a:cs typeface="+mn-cs"/>
-                      </a:defRPr>
-                    </a:lvl9pPr>
-                  </a:lstStyle>
-                  <a:p>
-                    <a:pPr lvl="0"/>
-                    <a14:m>
-                      <m:oMathPara xmlns:m="http://schemas.openxmlformats.org/officeDocument/2006/math">
-                        <m:oMathParaPr>
-                          <m:jc m:val="centerGroup"/>
-                        </m:oMathParaPr>
-                        <m:oMath xmlns:m="http://schemas.openxmlformats.org/officeDocument/2006/math">
-                          <m:sSub>
-                            <m:sSubPr>
-                              <m:ctrlPr>
-                                <a:rPr lang="en-US" altLang="zh-CN" sz="2800" b="1" i="1" smtClean="0">
-                                  <a:solidFill>
-                                    <a:schemeClr val="tx1">
-                                      <a:lumMod val="85000"/>
-                                      <a:lumOff val="15000"/>
-                                    </a:schemeClr>
-                                  </a:solidFill>
-                                  <a:latin typeface="Cambria Math" panose="02040503050406030204" pitchFamily="18" charset="0"/>
-                                </a:rPr>
-                              </m:ctrlPr>
-                            </m:sSubPr>
-                            <m:e>
-                              <m:r>
-                                <a:rPr lang="en-US" altLang="zh-CN" sz="2800" b="1" i="1" smtClean="0">
-                                  <a:solidFill>
-                                    <a:schemeClr val="tx1">
-                                      <a:lumMod val="85000"/>
-                                      <a:lumOff val="15000"/>
-                                    </a:schemeClr>
-                                  </a:solidFill>
-                                  <a:latin typeface="Cambria Math" panose="02040503050406030204" pitchFamily="18" charset="0"/>
-                                </a:rPr>
-                                <m:t>𝒀</m:t>
-                              </m:r>
-                            </m:e>
-                            <m:sub>
-                              <m:r>
-                                <a:rPr lang="en-US" altLang="zh-CN" sz="2800" b="1" i="1" smtClean="0">
-                                  <a:solidFill>
-                                    <a:schemeClr val="tx1">
-                                      <a:lumMod val="85000"/>
-                                      <a:lumOff val="15000"/>
-                                    </a:schemeClr>
-                                  </a:solidFill>
-                                  <a:latin typeface="Cambria Math" panose="02040503050406030204" pitchFamily="18" charset="0"/>
-                                </a:rPr>
-                                <m:t>𝑷</m:t>
-                              </m:r>
-                            </m:sub>
-                          </m:sSub>
-                        </m:oMath>
-                      </m:oMathPara>
-                    </a14:m>
-                    <a:endParaRPr lang="en-US" altLang="zh-CN" sz="2400" b="1" dirty="0">
-                      <a:solidFill>
-                        <a:schemeClr val="tx1">
-                          <a:lumMod val="85000"/>
-                          <a:lumOff val="15000"/>
-                        </a:schemeClr>
-                      </a:solidFill>
-                    </a:endParaRPr>
-                  </a:p>
-                </p:txBody>
-              </p:sp>
-            </mc:Choice>
-            <mc:Fallback>
-              <p:sp>
-                <p:nvSpPr>
-                  <p:cNvPr id="83" name="CustomText">
-                    <a:extLst>
-                      <a:ext uri="{FF2B5EF4-FFF2-40B4-BE49-F238E27FC236}">
-                        <a16:creationId xmlns:a16="http://schemas.microsoft.com/office/drawing/2014/main" id="{465D01DA-97CC-4A6A-96FA-33F2F43C87BE}"/>
-                      </a:ext>
-                    </a:extLst>
-                  </p:cNvPr>
-                  <p:cNvSpPr txBox="1">
-                    <a:spLocks noRot="1" noChangeAspect="1" noMove="1" noResize="1" noEditPoints="1" noAdjustHandles="1" noChangeArrowheads="1" noChangeShapeType="1" noTextEdit="1"/>
-                  </p:cNvSpPr>
-                  <p:nvPr/>
-                </p:nvSpPr>
-                <p:spPr>
-                  <a:xfrm flipH="1">
-                    <a:off x="636623" y="2542975"/>
-                    <a:ext cx="1591100" cy="401776"/>
-                  </a:xfrm>
-                  <a:prstGeom prst="rect">
-                    <a:avLst/>
-                  </a:prstGeom>
-                  <a:blipFill>
-                    <a:blip r:embed="rId4"/>
-                    <a:stretch>
-                      <a:fillRect/>
-                    </a:stretch>
-                  </a:blipFill>
-                </p:spPr>
-                <p:txBody>
-                  <a:bodyPr/>
-                  <a:lstStyle/>
-                  <a:p>
-                    <a:r>
-                      <a:rPr lang="zh-CN" altLang="en-US">
-                        <a:noFill/>
-                      </a:rPr>
-                      <a:t> </a:t>
-                    </a:r>
-                  </a:p>
-                </p:txBody>
-              </p:sp>
-            </mc:Fallback>
-          </mc:AlternateContent>
-        </p:grpSp>
+                  </a:endParaRPr>
+                </a:p>
+              </p:txBody>
+            </p:sp>
+          </mc:Choice>
+          <mc:Fallback>
+            <p:sp>
+              <p:nvSpPr>
+                <p:cNvPr id="83" name="CustomText">
+                  <a:extLst>
+                    <a:ext uri="{FF2B5EF4-FFF2-40B4-BE49-F238E27FC236}">
+                      <a16:creationId xmlns:a16="http://schemas.microsoft.com/office/drawing/2014/main" id="{465D01DA-97CC-4A6A-96FA-33F2F43C87BE}"/>
+                    </a:ext>
+                  </a:extLst>
+                </p:cNvPr>
+                <p:cNvSpPr txBox="1">
+                  <a:spLocks noRot="1" noChangeAspect="1" noMove="1" noResize="1" noEditPoints="1" noAdjustHandles="1" noChangeArrowheads="1" noChangeShapeType="1" noTextEdit="1"/>
+                </p:cNvSpPr>
+                <p:nvPr/>
+              </p:nvSpPr>
+              <p:spPr>
+                <a:xfrm flipH="1">
+                  <a:off x="1059781" y="3415615"/>
+                  <a:ext cx="1923054" cy="476743"/>
+                </a:xfrm>
+                <a:prstGeom prst="rect">
+                  <a:avLst/>
+                </a:prstGeom>
+                <a:blipFill>
+                  <a:blip r:embed="rId4"/>
+                  <a:stretch>
+                    <a:fillRect/>
+                  </a:stretch>
+                </a:blipFill>
+              </p:spPr>
+              <p:txBody>
+                <a:bodyPr/>
+                <a:lstStyle/>
+                <a:p>
+                  <a:r>
+                    <a:rPr lang="zh-CN" altLang="en-US">
+                      <a:noFill/>
+                    </a:rPr>
+                    <a:t> </a:t>
+                  </a:r>
+                </a:p>
+              </p:txBody>
+            </p:sp>
+          </mc:Fallback>
+        </mc:AlternateContent>
         <p:sp>
           <p:nvSpPr>
             <p:cNvPr id="48" name="ValueBack">
@@ -4752,7 +4639,7 @@
           </p:nvSpPr>
           <p:spPr bwMode="auto">
             <a:xfrm>
-              <a:off x="7693748" y="1773791"/>
+              <a:off x="7702228" y="1811349"/>
               <a:ext cx="2650309" cy="2698142"/>
             </a:xfrm>
             <a:prstGeom prst="ellipse">
@@ -4888,7 +4775,7 @@
           </p:nvSpPr>
           <p:spPr bwMode="auto">
             <a:xfrm rot="5400000" flipH="1">
-              <a:off x="7669832" y="1797707"/>
+              <a:off x="7678312" y="1835265"/>
               <a:ext cx="2698142" cy="2650309"/>
             </a:xfrm>
             <a:prstGeom prst="pie">
@@ -5021,8 +4908,8 @@
             </a:p>
           </p:txBody>
         </p:sp>
-        <mc:AlternateContent xmlns:mc="http://schemas.openxmlformats.org/markup-compatibility/2006" xmlns:a14="http://schemas.microsoft.com/office/drawing/2010/main">
-          <mc:Choice Requires="a14">
+        <mc:AlternateContent xmlns:mc="http://schemas.openxmlformats.org/markup-compatibility/2006">
+          <mc:Choice xmlns:a14="http://schemas.microsoft.com/office/drawing/2010/main" Requires="a14">
             <p:sp>
               <p:nvSpPr>
                 <p:cNvPr id="51" name="CustomText">
@@ -5037,7 +4924,7 @@
               </p:nvSpPr>
               <p:spPr>
                 <a:xfrm flipH="1">
-                  <a:off x="8374683" y="2286559"/>
+                  <a:off x="8383163" y="2324117"/>
                   <a:ext cx="1305240" cy="513295"/>
                 </a:xfrm>
                 <a:prstGeom prst="rect">
@@ -5210,7 +5097,7 @@
               </p:txBody>
             </p:sp>
           </mc:Choice>
-          <mc:Fallback xmlns="">
+          <mc:Fallback>
             <p:sp>
               <p:nvSpPr>
                 <p:cNvPr id="51" name="CustomText">
@@ -5227,7 +5114,7 @@
               </p:nvSpPr>
               <p:spPr>
                 <a:xfrm flipH="1">
-                  <a:off x="8374683" y="2286559"/>
+                  <a:off x="8383163" y="2324117"/>
                   <a:ext cx="1305240" cy="513295"/>
                 </a:xfrm>
                 <a:prstGeom prst="rect">
@@ -5255,8 +5142,8 @@
             </p:sp>
           </mc:Fallback>
         </mc:AlternateContent>
-        <mc:AlternateContent xmlns:mc="http://schemas.openxmlformats.org/markup-compatibility/2006" xmlns:a14="http://schemas.microsoft.com/office/drawing/2010/main">
-          <mc:Choice Requires="a14">
+        <mc:AlternateContent xmlns:mc="http://schemas.openxmlformats.org/markup-compatibility/2006">
+          <mc:Choice xmlns:a14="http://schemas.microsoft.com/office/drawing/2010/main" Requires="a14">
             <p:sp>
               <p:nvSpPr>
                 <p:cNvPr id="52" name="CustomText">
@@ -5271,7 +5158,7 @@
               </p:nvSpPr>
               <p:spPr>
                 <a:xfrm flipH="1">
-                  <a:off x="7832291" y="3443580"/>
+                  <a:off x="7840771" y="3481138"/>
                   <a:ext cx="2473049" cy="513295"/>
                 </a:xfrm>
                 <a:prstGeom prst="rect">
@@ -5526,7 +5413,7 @@
               </p:txBody>
             </p:sp>
           </mc:Choice>
-          <mc:Fallback xmlns="">
+          <mc:Fallback>
             <p:sp>
               <p:nvSpPr>
                 <p:cNvPr id="52" name="CustomText">
@@ -5543,7 +5430,7 @@
               </p:nvSpPr>
               <p:spPr>
                 <a:xfrm flipH="1">
-                  <a:off x="7832291" y="3443580"/>
+                  <a:off x="7840771" y="3481138"/>
                   <a:ext cx="2473049" cy="513295"/>
                 </a:xfrm>
                 <a:prstGeom prst="rect">
@@ -5552,7 +5439,7 @@
                 <a:blipFill>
                   <a:blip r:embed="rId6"/>
                   <a:stretch>
-                    <a:fillRect b="-10714"/>
+                    <a:fillRect b="-7865"/>
                   </a:stretch>
                 </a:blipFill>
               </p:spPr>
@@ -5585,8 +5472,8 @@
           </p:nvSpPr>
           <p:spPr>
             <a:xfrm>
-              <a:off x="355584" y="576755"/>
-              <a:ext cx="5231437" cy="3806610"/>
+              <a:off x="965913" y="754382"/>
+              <a:ext cx="4722435" cy="3812490"/>
             </a:xfrm>
             <a:prstGeom prst="rect">
               <a:avLst/>
@@ -5714,12 +5601,12 @@
             </a:lstStyle>
             <a:p>
               <a:pPr algn="ctr"/>
-              <a:endParaRPr lang="zh-CN" altLang="en-US"/>
+              <a:endParaRPr lang="zh-CN" altLang="en-US" dirty="0"/>
             </a:p>
           </p:txBody>
         </p:sp>
-        <mc:AlternateContent xmlns:mc="http://schemas.openxmlformats.org/markup-compatibility/2006" xmlns:a14="http://schemas.microsoft.com/office/drawing/2010/main">
-          <mc:Choice Requires="a14">
+        <mc:AlternateContent xmlns:mc="http://schemas.openxmlformats.org/markup-compatibility/2006">
+          <mc:Choice xmlns:a14="http://schemas.microsoft.com/office/drawing/2010/main" Requires="a14">
             <p:sp>
               <p:nvSpPr>
                 <p:cNvPr id="64" name="CustomText">
@@ -5734,7 +5621,7 @@
               </p:nvSpPr>
               <p:spPr>
                 <a:xfrm flipH="1">
-                  <a:off x="7693747" y="1129808"/>
+                  <a:off x="7702227" y="1167366"/>
                   <a:ext cx="2650308" cy="598730"/>
                 </a:xfrm>
                 <a:prstGeom prst="rect">
@@ -5876,7 +5763,7 @@
               </p:txBody>
             </p:sp>
           </mc:Choice>
-          <mc:Fallback xmlns="">
+          <mc:Fallback>
             <p:sp>
               <p:nvSpPr>
                 <p:cNvPr id="64" name="CustomText">
@@ -5893,7 +5780,7 @@
               </p:nvSpPr>
               <p:spPr>
                 <a:xfrm flipH="1">
-                  <a:off x="7693747" y="1129808"/>
+                  <a:off x="7702227" y="1167366"/>
                   <a:ext cx="2650308" cy="598730"/>
                 </a:xfrm>
                 <a:prstGeom prst="rect">
@@ -5935,7 +5822,7 @@
           </p:nvSpPr>
           <p:spPr>
             <a:xfrm>
-              <a:off x="6929522" y="3101498"/>
+              <a:off x="6938002" y="3139056"/>
               <a:ext cx="4195562" cy="2008261"/>
             </a:xfrm>
             <a:prstGeom prst="rect">
@@ -6070,8 +5957,8 @@
             </a:p>
           </p:txBody>
         </p:sp>
-        <mc:AlternateContent xmlns:mc="http://schemas.openxmlformats.org/markup-compatibility/2006" xmlns:a14="http://schemas.microsoft.com/office/drawing/2010/main">
-          <mc:Choice Requires="a14">
+        <mc:AlternateContent xmlns:mc="http://schemas.openxmlformats.org/markup-compatibility/2006">
+          <mc:Choice xmlns:a14="http://schemas.microsoft.com/office/drawing/2010/main" Requires="a14">
             <p:sp>
               <p:nvSpPr>
                 <p:cNvPr id="66" name="CustomText">
@@ -6086,7 +5973,7 @@
               </p:nvSpPr>
               <p:spPr>
                 <a:xfrm flipH="1">
-                  <a:off x="7111420" y="4404973"/>
+                  <a:off x="7119900" y="4442531"/>
                   <a:ext cx="3894252" cy="762667"/>
                 </a:xfrm>
                 <a:prstGeom prst="rect">
@@ -6252,7 +6139,7 @@
               </p:txBody>
             </p:sp>
           </mc:Choice>
-          <mc:Fallback xmlns="">
+          <mc:Fallback>
             <p:sp>
               <p:nvSpPr>
                 <p:cNvPr id="66" name="CustomText">
@@ -6269,7 +6156,7 @@
               </p:nvSpPr>
               <p:spPr>
                 <a:xfrm flipH="1">
-                  <a:off x="7111420" y="4404973"/>
+                  <a:off x="7119900" y="4442531"/>
                   <a:ext cx="3894252" cy="762667"/>
                 </a:xfrm>
                 <a:prstGeom prst="rect">
@@ -6311,8 +6198,8 @@
           </p:nvSpPr>
           <p:spPr>
             <a:xfrm>
-              <a:off x="6929524" y="1039602"/>
-              <a:ext cx="4195562" cy="2062423"/>
+              <a:off x="6938004" y="1167366"/>
+              <a:ext cx="4195562" cy="1972217"/>
             </a:xfrm>
             <a:prstGeom prst="rect">
               <a:avLst/>
@@ -6461,7 +6348,7 @@
           </p:nvSpPr>
           <p:spPr>
             <a:xfrm>
-              <a:off x="1070644" y="6020783"/>
+              <a:off x="1392111" y="5916528"/>
               <a:ext cx="3917828" cy="688024"/>
             </a:xfrm>
             <a:prstGeom prst="roundRect">
@@ -6625,8 +6512,8 @@
           </p:nvSpPr>
           <p:spPr>
             <a:xfrm>
-              <a:off x="6550898" y="576755"/>
-              <a:ext cx="4940572" cy="4885091"/>
+              <a:off x="6559378" y="754382"/>
+              <a:ext cx="4940572" cy="4751108"/>
             </a:xfrm>
             <a:prstGeom prst="rect">
               <a:avLst/>
@@ -6774,8 +6661,8 @@
           </p:nvSpPr>
           <p:spPr>
             <a:xfrm>
-              <a:off x="7330863" y="5640487"/>
-              <a:ext cx="3475901" cy="1068319"/>
+              <a:off x="7436498" y="5725716"/>
+              <a:ext cx="3475901" cy="959959"/>
             </a:xfrm>
             <a:prstGeom prst="roundRect">
               <a:avLst/>
@@ -6909,7 +6796,7 @@
                 </a:lnSpc>
               </a:pPr>
               <a:r>
-                <a:rPr lang="en-US" altLang="zh-CN" sz="4000" b="1" dirty="0">
+                <a:rPr lang="en-US" altLang="zh-CN" sz="3600" b="1" dirty="0">
                   <a:solidFill>
                     <a:schemeClr val="tx1">
                       <a:lumMod val="95000"/>
@@ -6927,7 +6814,7 @@
                 </a:lnSpc>
               </a:pPr>
               <a:r>
-                <a:rPr lang="en-US" altLang="zh-CN" sz="4000" b="1" dirty="0">
+                <a:rPr lang="en-US" altLang="zh-CN" sz="3600" b="1" dirty="0">
                   <a:solidFill>
                     <a:schemeClr val="tx1">
                       <a:lumMod val="95000"/>
@@ -6948,8 +6835,8 @@
             </a:p>
           </p:txBody>
         </p:sp>
-        <mc:AlternateContent xmlns:mc="http://schemas.openxmlformats.org/markup-compatibility/2006" xmlns:a14="http://schemas.microsoft.com/office/drawing/2010/main">
-          <mc:Choice Requires="a14">
+        <mc:AlternateContent xmlns:mc="http://schemas.openxmlformats.org/markup-compatibility/2006">
+          <mc:Choice xmlns:a14="http://schemas.microsoft.com/office/drawing/2010/main" Requires="a14">
             <p:sp>
               <p:nvSpPr>
                 <p:cNvPr id="96" name="CustomText">
@@ -6964,7 +6851,7 @@
               </p:nvSpPr>
               <p:spPr>
                 <a:xfrm flipH="1">
-                  <a:off x="5742153" y="1553840"/>
+                  <a:off x="5809064" y="1873147"/>
                   <a:ext cx="608513" cy="687844"/>
                 </a:xfrm>
                 <a:custGeom>
@@ -7502,7 +7389,7 @@
               </p:txBody>
             </p:sp>
           </mc:Choice>
-          <mc:Fallback xmlns="">
+          <mc:Fallback>
             <p:sp>
               <p:nvSpPr>
                 <p:cNvPr id="96" name="CustomText">
@@ -7519,7 +7406,7 @@
               </p:nvSpPr>
               <p:spPr>
                 <a:xfrm flipH="1">
-                  <a:off x="5742153" y="1553840"/>
+                  <a:off x="5809064" y="1873147"/>
                   <a:ext cx="608513" cy="687844"/>
                 </a:xfrm>
                 <a:custGeom>
@@ -7957,10 +7844,10 @@
           </p:nvGrpSpPr>
           <p:grpSpPr>
             <a:xfrm>
-              <a:off x="510057" y="4253037"/>
-              <a:ext cx="5056206" cy="1055594"/>
-              <a:chOff x="3267045" y="5346192"/>
-              <a:chExt cx="5079580" cy="1041674"/>
+              <a:off x="1279194" y="3976301"/>
+              <a:ext cx="4573028" cy="1586460"/>
+              <a:chOff x="3426587" y="4892020"/>
+              <a:chExt cx="4594168" cy="1565540"/>
             </a:xfrm>
           </p:grpSpPr>
           <p:grpSp>
@@ -7977,10 +7864,10 @@
             </p:nvGrpSpPr>
             <p:grpSpPr>
               <a:xfrm>
-                <a:off x="4665265" y="5632528"/>
-                <a:ext cx="3681360" cy="755338"/>
-                <a:chOff x="210617" y="3595300"/>
-                <a:chExt cx="3031875" cy="622077"/>
+                <a:off x="4427154" y="5702222"/>
+                <a:ext cx="3593601" cy="755338"/>
+                <a:chOff x="14515" y="3652698"/>
+                <a:chExt cx="2959599" cy="622077"/>
               </a:xfrm>
             </p:grpSpPr>
             <p:sp>
@@ -7997,7 +7884,7 @@
               </p:nvSpPr>
               <p:spPr>
                 <a:xfrm>
-                  <a:off x="210617" y="3595300"/>
+                  <a:off x="14515" y="3652698"/>
                   <a:ext cx="647632" cy="622077"/>
                 </a:xfrm>
                 <a:custGeom>
@@ -8475,7 +8362,7 @@
               </p:nvSpPr>
               <p:spPr>
                 <a:xfrm flipH="1">
-                  <a:off x="1025784" y="3715373"/>
+                  <a:off x="757406" y="3753177"/>
                   <a:ext cx="2216708" cy="421117"/>
                 </a:xfrm>
                 <a:prstGeom prst="rect">
@@ -8616,9 +8503,9 @@
               <p:nvPr/>
             </p:nvSpPr>
             <p:spPr bwMode="auto">
-              <a:xfrm rot="7369933">
-                <a:off x="3508301" y="5104936"/>
-                <a:ext cx="966410" cy="1448921"/>
+              <a:xfrm rot="8324375">
+                <a:off x="3426587" y="4892020"/>
+                <a:ext cx="983852" cy="1423235"/>
               </a:xfrm>
               <a:custGeom>
                 <a:avLst/>
@@ -8817,1628 +8704,12 @@
             </p:txBody>
           </p:sp>
         </p:grpSp>
-        <p:sp>
-          <p:nvSpPr>
-            <p:cNvPr id="42" name="BackShape">
+        <p:grpSp>
+          <p:nvGrpSpPr>
+            <p:cNvPr id="3" name="组合 2">
               <a:extLst>
                 <a:ext uri="{FF2B5EF4-FFF2-40B4-BE49-F238E27FC236}">
-                  <a16:creationId xmlns:a16="http://schemas.microsoft.com/office/drawing/2014/main" id="{6A14123E-6515-4F27-865A-288D63096B19}"/>
-                </a:ext>
-              </a:extLst>
-            </p:cNvPr>
-            <p:cNvSpPr/>
-            <p:nvPr/>
-          </p:nvSpPr>
-          <p:spPr>
-            <a:xfrm>
-              <a:off x="1727426" y="1455071"/>
-              <a:ext cx="1923055" cy="1957763"/>
-            </a:xfrm>
-            <a:prstGeom prst="ellipse">
-              <a:avLst/>
-            </a:prstGeom>
-            <a:gradFill flip="none" rotWithShape="1">
-              <a:gsLst>
-                <a:gs pos="0">
-                  <a:schemeClr val="accent6">
-                    <a:lumMod val="60000"/>
-                    <a:lumOff val="40000"/>
-                    <a:tint val="66000"/>
-                    <a:satMod val="160000"/>
-                  </a:schemeClr>
-                </a:gs>
-                <a:gs pos="50000">
-                  <a:schemeClr val="accent6">
-                    <a:lumMod val="60000"/>
-                    <a:lumOff val="40000"/>
-                    <a:tint val="44500"/>
-                    <a:satMod val="160000"/>
-                  </a:schemeClr>
-                </a:gs>
-                <a:gs pos="100000">
-                  <a:schemeClr val="accent6">
-                    <a:lumMod val="60000"/>
-                    <a:lumOff val="40000"/>
-                    <a:tint val="23500"/>
-                    <a:satMod val="160000"/>
-                  </a:schemeClr>
-                </a:gs>
-              </a:gsLst>
-              <a:lin ang="0" scaled="1"/>
-              <a:tileRect/>
-            </a:gradFill>
-            <a:ln>
-              <a:noFill/>
-            </a:ln>
-          </p:spPr>
-          <p:style>
-            <a:lnRef idx="2">
-              <a:schemeClr val="accent1">
-                <a:shade val="50000"/>
-              </a:schemeClr>
-            </a:lnRef>
-            <a:fillRef idx="1">
-              <a:schemeClr val="accent1"/>
-            </a:fillRef>
-            <a:effectRef idx="0">
-              <a:schemeClr val="accent1"/>
-            </a:effectRef>
-            <a:fontRef idx="minor">
-              <a:schemeClr val="lt1"/>
-            </a:fontRef>
-          </p:style>
-          <p:txBody>
-            <a:bodyPr anchor="ctr"/>
-            <a:lstStyle>
-              <a:defPPr>
-                <a:defRPr lang="zh-CN"/>
-              </a:defPPr>
-              <a:lvl1pPr marL="0" algn="l" defTabSz="914400" rtl="0" eaLnBrk="1" latinLnBrk="0" hangingPunct="1">
-                <a:defRPr sz="1800" kern="1200">
-                  <a:solidFill>
-                    <a:schemeClr val="lt1"/>
-                  </a:solidFill>
-                  <a:latin typeface="+mn-lt"/>
-                  <a:ea typeface="+mn-ea"/>
-                  <a:cs typeface="+mn-cs"/>
-                </a:defRPr>
-              </a:lvl1pPr>
-              <a:lvl2pPr marL="457200" algn="l" defTabSz="914400" rtl="0" eaLnBrk="1" latinLnBrk="0" hangingPunct="1">
-                <a:defRPr sz="1800" kern="1200">
-                  <a:solidFill>
-                    <a:schemeClr val="lt1"/>
-                  </a:solidFill>
-                  <a:latin typeface="+mn-lt"/>
-                  <a:ea typeface="+mn-ea"/>
-                  <a:cs typeface="+mn-cs"/>
-                </a:defRPr>
-              </a:lvl2pPr>
-              <a:lvl3pPr marL="914400" algn="l" defTabSz="914400" rtl="0" eaLnBrk="1" latinLnBrk="0" hangingPunct="1">
-                <a:defRPr sz="1800" kern="1200">
-                  <a:solidFill>
-                    <a:schemeClr val="lt1"/>
-                  </a:solidFill>
-                  <a:latin typeface="+mn-lt"/>
-                  <a:ea typeface="+mn-ea"/>
-                  <a:cs typeface="+mn-cs"/>
-                </a:defRPr>
-              </a:lvl3pPr>
-              <a:lvl4pPr marL="1371600" algn="l" defTabSz="914400" rtl="0" eaLnBrk="1" latinLnBrk="0" hangingPunct="1">
-                <a:defRPr sz="1800" kern="1200">
-                  <a:solidFill>
-                    <a:schemeClr val="lt1"/>
-                  </a:solidFill>
-                  <a:latin typeface="+mn-lt"/>
-                  <a:ea typeface="+mn-ea"/>
-                  <a:cs typeface="+mn-cs"/>
-                </a:defRPr>
-              </a:lvl4pPr>
-              <a:lvl5pPr marL="1828800" algn="l" defTabSz="914400" rtl="0" eaLnBrk="1" latinLnBrk="0" hangingPunct="1">
-                <a:defRPr sz="1800" kern="1200">
-                  <a:solidFill>
-                    <a:schemeClr val="lt1"/>
-                  </a:solidFill>
-                  <a:latin typeface="+mn-lt"/>
-                  <a:ea typeface="+mn-ea"/>
-                  <a:cs typeface="+mn-cs"/>
-                </a:defRPr>
-              </a:lvl5pPr>
-              <a:lvl6pPr marL="2286000" algn="l" defTabSz="914400" rtl="0" eaLnBrk="1" latinLnBrk="0" hangingPunct="1">
-                <a:defRPr sz="1800" kern="1200">
-                  <a:solidFill>
-                    <a:schemeClr val="lt1"/>
-                  </a:solidFill>
-                  <a:latin typeface="+mn-lt"/>
-                  <a:ea typeface="+mn-ea"/>
-                  <a:cs typeface="+mn-cs"/>
-                </a:defRPr>
-              </a:lvl6pPr>
-              <a:lvl7pPr marL="2743200" algn="l" defTabSz="914400" rtl="0" eaLnBrk="1" latinLnBrk="0" hangingPunct="1">
-                <a:defRPr sz="1800" kern="1200">
-                  <a:solidFill>
-                    <a:schemeClr val="lt1"/>
-                  </a:solidFill>
-                  <a:latin typeface="+mn-lt"/>
-                  <a:ea typeface="+mn-ea"/>
-                  <a:cs typeface="+mn-cs"/>
-                </a:defRPr>
-              </a:lvl7pPr>
-              <a:lvl8pPr marL="3200400" algn="l" defTabSz="914400" rtl="0" eaLnBrk="1" latinLnBrk="0" hangingPunct="1">
-                <a:defRPr sz="1800" kern="1200">
-                  <a:solidFill>
-                    <a:schemeClr val="lt1"/>
-                  </a:solidFill>
-                  <a:latin typeface="+mn-lt"/>
-                  <a:ea typeface="+mn-ea"/>
-                  <a:cs typeface="+mn-cs"/>
-                </a:defRPr>
-              </a:lvl8pPr>
-              <a:lvl9pPr marL="3657600" algn="l" defTabSz="914400" rtl="0" eaLnBrk="1" latinLnBrk="0" hangingPunct="1">
-                <a:defRPr sz="1800" kern="1200">
-                  <a:solidFill>
-                    <a:schemeClr val="lt1"/>
-                  </a:solidFill>
-                  <a:latin typeface="+mn-lt"/>
-                  <a:ea typeface="+mn-ea"/>
-                  <a:cs typeface="+mn-cs"/>
-                </a:defRPr>
-              </a:lvl9pPr>
-            </a:lstStyle>
-            <a:p>
-              <a:pPr algn="ctr"/>
-              <a:endParaRPr dirty="0"/>
-            </a:p>
-          </p:txBody>
-        </p:sp>
-        <p:sp>
-          <p:nvSpPr>
-            <p:cNvPr id="90" name="ValueShape">
-              <a:extLst>
-                <a:ext uri="{FF2B5EF4-FFF2-40B4-BE49-F238E27FC236}">
-                  <a16:creationId xmlns:a16="http://schemas.microsoft.com/office/drawing/2014/main" id="{BFF4FD2C-0CC2-4C4D-AF3D-9212EC839E8E}"/>
-                </a:ext>
-              </a:extLst>
-            </p:cNvPr>
-            <p:cNvSpPr/>
-            <p:nvPr/>
-          </p:nvSpPr>
-          <p:spPr>
-            <a:xfrm rot="15849147">
-              <a:off x="1251512" y="1140048"/>
-              <a:ext cx="2653808" cy="2673095"/>
-            </a:xfrm>
-            <a:prstGeom prst="pie">
-              <a:avLst>
-                <a:gd name="adj1" fmla="val 1388437"/>
-                <a:gd name="adj2" fmla="val 7114458"/>
-              </a:avLst>
-            </a:prstGeom>
-            <a:solidFill>
-              <a:schemeClr val="accent4">
-                <a:lumMod val="75000"/>
-              </a:schemeClr>
-            </a:solidFill>
-            <a:ln w="63500">
-              <a:solidFill>
-                <a:schemeClr val="bg1"/>
-              </a:solidFill>
-            </a:ln>
-            <a:effectLst/>
-          </p:spPr>
-          <p:style>
-            <a:lnRef idx="2">
-              <a:schemeClr val="accent1">
-                <a:shade val="50000"/>
-              </a:schemeClr>
-            </a:lnRef>
-            <a:fillRef idx="1">
-              <a:schemeClr val="accent1"/>
-            </a:fillRef>
-            <a:effectRef idx="0">
-              <a:schemeClr val="accent1"/>
-            </a:effectRef>
-            <a:fontRef idx="minor">
-              <a:schemeClr val="lt1"/>
-            </a:fontRef>
-          </p:style>
-          <p:txBody>
-            <a:bodyPr anchor="ctr"/>
-            <a:lstStyle>
-              <a:defPPr>
-                <a:defRPr lang="zh-CN"/>
-              </a:defPPr>
-              <a:lvl1pPr marL="0" algn="l" defTabSz="914400" rtl="0" eaLnBrk="1" latinLnBrk="0" hangingPunct="1">
-                <a:defRPr sz="1800" kern="1200">
-                  <a:solidFill>
-                    <a:schemeClr val="lt1"/>
-                  </a:solidFill>
-                  <a:latin typeface="+mn-lt"/>
-                  <a:ea typeface="+mn-ea"/>
-                  <a:cs typeface="+mn-cs"/>
-                </a:defRPr>
-              </a:lvl1pPr>
-              <a:lvl2pPr marL="457200" algn="l" defTabSz="914400" rtl="0" eaLnBrk="1" latinLnBrk="0" hangingPunct="1">
-                <a:defRPr sz="1800" kern="1200">
-                  <a:solidFill>
-                    <a:schemeClr val="lt1"/>
-                  </a:solidFill>
-                  <a:latin typeface="+mn-lt"/>
-                  <a:ea typeface="+mn-ea"/>
-                  <a:cs typeface="+mn-cs"/>
-                </a:defRPr>
-              </a:lvl2pPr>
-              <a:lvl3pPr marL="914400" algn="l" defTabSz="914400" rtl="0" eaLnBrk="1" latinLnBrk="0" hangingPunct="1">
-                <a:defRPr sz="1800" kern="1200">
-                  <a:solidFill>
-                    <a:schemeClr val="lt1"/>
-                  </a:solidFill>
-                  <a:latin typeface="+mn-lt"/>
-                  <a:ea typeface="+mn-ea"/>
-                  <a:cs typeface="+mn-cs"/>
-                </a:defRPr>
-              </a:lvl3pPr>
-              <a:lvl4pPr marL="1371600" algn="l" defTabSz="914400" rtl="0" eaLnBrk="1" latinLnBrk="0" hangingPunct="1">
-                <a:defRPr sz="1800" kern="1200">
-                  <a:solidFill>
-                    <a:schemeClr val="lt1"/>
-                  </a:solidFill>
-                  <a:latin typeface="+mn-lt"/>
-                  <a:ea typeface="+mn-ea"/>
-                  <a:cs typeface="+mn-cs"/>
-                </a:defRPr>
-              </a:lvl4pPr>
-              <a:lvl5pPr marL="1828800" algn="l" defTabSz="914400" rtl="0" eaLnBrk="1" latinLnBrk="0" hangingPunct="1">
-                <a:defRPr sz="1800" kern="1200">
-                  <a:solidFill>
-                    <a:schemeClr val="lt1"/>
-                  </a:solidFill>
-                  <a:latin typeface="+mn-lt"/>
-                  <a:ea typeface="+mn-ea"/>
-                  <a:cs typeface="+mn-cs"/>
-                </a:defRPr>
-              </a:lvl5pPr>
-              <a:lvl6pPr marL="2286000" algn="l" defTabSz="914400" rtl="0" eaLnBrk="1" latinLnBrk="0" hangingPunct="1">
-                <a:defRPr sz="1800" kern="1200">
-                  <a:solidFill>
-                    <a:schemeClr val="lt1"/>
-                  </a:solidFill>
-                  <a:latin typeface="+mn-lt"/>
-                  <a:ea typeface="+mn-ea"/>
-                  <a:cs typeface="+mn-cs"/>
-                </a:defRPr>
-              </a:lvl6pPr>
-              <a:lvl7pPr marL="2743200" algn="l" defTabSz="914400" rtl="0" eaLnBrk="1" latinLnBrk="0" hangingPunct="1">
-                <a:defRPr sz="1800" kern="1200">
-                  <a:solidFill>
-                    <a:schemeClr val="lt1"/>
-                  </a:solidFill>
-                  <a:latin typeface="+mn-lt"/>
-                  <a:ea typeface="+mn-ea"/>
-                  <a:cs typeface="+mn-cs"/>
-                </a:defRPr>
-              </a:lvl7pPr>
-              <a:lvl8pPr marL="3200400" algn="l" defTabSz="914400" rtl="0" eaLnBrk="1" latinLnBrk="0" hangingPunct="1">
-                <a:defRPr sz="1800" kern="1200">
-                  <a:solidFill>
-                    <a:schemeClr val="lt1"/>
-                  </a:solidFill>
-                  <a:latin typeface="+mn-lt"/>
-                  <a:ea typeface="+mn-ea"/>
-                  <a:cs typeface="+mn-cs"/>
-                </a:defRPr>
-              </a:lvl8pPr>
-              <a:lvl9pPr marL="3657600" algn="l" defTabSz="914400" rtl="0" eaLnBrk="1" latinLnBrk="0" hangingPunct="1">
-                <a:defRPr sz="1800" kern="1200">
-                  <a:solidFill>
-                    <a:schemeClr val="lt1"/>
-                  </a:solidFill>
-                  <a:latin typeface="+mn-lt"/>
-                  <a:ea typeface="+mn-ea"/>
-                  <a:cs typeface="+mn-cs"/>
-                </a:defRPr>
-              </a:lvl9pPr>
-            </a:lstStyle>
-            <a:p>
-              <a:pPr algn="ctr"/>
-              <a:endParaRPr>
-                <a:solidFill>
-                  <a:srgbClr val="8A0000"/>
-                </a:solidFill>
-              </a:endParaRPr>
-            </a:p>
-          </p:txBody>
-        </p:sp>
-        <p:sp>
-          <p:nvSpPr>
-            <p:cNvPr id="43" name="ValueShape">
-              <a:extLst>
-                <a:ext uri="{FF2B5EF4-FFF2-40B4-BE49-F238E27FC236}">
-                  <a16:creationId xmlns:a16="http://schemas.microsoft.com/office/drawing/2014/main" id="{537E99AC-A775-40C1-A5B9-D63352D6E793}"/>
-                </a:ext>
-              </a:extLst>
-            </p:cNvPr>
-            <p:cNvSpPr/>
-            <p:nvPr/>
-          </p:nvSpPr>
-          <p:spPr>
-            <a:xfrm rot="8863493">
-              <a:off x="1469531" y="1097535"/>
-              <a:ext cx="2742158" cy="2756400"/>
-            </a:xfrm>
-            <a:prstGeom prst="pie">
-              <a:avLst>
-                <a:gd name="adj1" fmla="val 14275946"/>
-                <a:gd name="adj2" fmla="val 16936857"/>
-              </a:avLst>
-            </a:prstGeom>
-            <a:solidFill>
-              <a:srgbClr val="8A0000"/>
-            </a:solidFill>
-            <a:ln w="63500">
-              <a:solidFill>
-                <a:schemeClr val="bg1"/>
-              </a:solidFill>
-            </a:ln>
-            <a:effectLst/>
-          </p:spPr>
-          <p:style>
-            <a:lnRef idx="2">
-              <a:schemeClr val="accent1">
-                <a:shade val="50000"/>
-              </a:schemeClr>
-            </a:lnRef>
-            <a:fillRef idx="1">
-              <a:schemeClr val="accent1"/>
-            </a:fillRef>
-            <a:effectRef idx="0">
-              <a:schemeClr val="accent1"/>
-            </a:effectRef>
-            <a:fontRef idx="minor">
-              <a:schemeClr val="lt1"/>
-            </a:fontRef>
-          </p:style>
-          <p:txBody>
-            <a:bodyPr anchor="ctr"/>
-            <a:lstStyle>
-              <a:defPPr>
-                <a:defRPr lang="zh-CN"/>
-              </a:defPPr>
-              <a:lvl1pPr marL="0" algn="l" defTabSz="914400" rtl="0" eaLnBrk="1" latinLnBrk="0" hangingPunct="1">
-                <a:defRPr sz="1800" kern="1200">
-                  <a:solidFill>
-                    <a:schemeClr val="lt1"/>
-                  </a:solidFill>
-                  <a:latin typeface="+mn-lt"/>
-                  <a:ea typeface="+mn-ea"/>
-                  <a:cs typeface="+mn-cs"/>
-                </a:defRPr>
-              </a:lvl1pPr>
-              <a:lvl2pPr marL="457200" algn="l" defTabSz="914400" rtl="0" eaLnBrk="1" latinLnBrk="0" hangingPunct="1">
-                <a:defRPr sz="1800" kern="1200">
-                  <a:solidFill>
-                    <a:schemeClr val="lt1"/>
-                  </a:solidFill>
-                  <a:latin typeface="+mn-lt"/>
-                  <a:ea typeface="+mn-ea"/>
-                  <a:cs typeface="+mn-cs"/>
-                </a:defRPr>
-              </a:lvl2pPr>
-              <a:lvl3pPr marL="914400" algn="l" defTabSz="914400" rtl="0" eaLnBrk="1" latinLnBrk="0" hangingPunct="1">
-                <a:defRPr sz="1800" kern="1200">
-                  <a:solidFill>
-                    <a:schemeClr val="lt1"/>
-                  </a:solidFill>
-                  <a:latin typeface="+mn-lt"/>
-                  <a:ea typeface="+mn-ea"/>
-                  <a:cs typeface="+mn-cs"/>
-                </a:defRPr>
-              </a:lvl3pPr>
-              <a:lvl4pPr marL="1371600" algn="l" defTabSz="914400" rtl="0" eaLnBrk="1" latinLnBrk="0" hangingPunct="1">
-                <a:defRPr sz="1800" kern="1200">
-                  <a:solidFill>
-                    <a:schemeClr val="lt1"/>
-                  </a:solidFill>
-                  <a:latin typeface="+mn-lt"/>
-                  <a:ea typeface="+mn-ea"/>
-                  <a:cs typeface="+mn-cs"/>
-                </a:defRPr>
-              </a:lvl4pPr>
-              <a:lvl5pPr marL="1828800" algn="l" defTabSz="914400" rtl="0" eaLnBrk="1" latinLnBrk="0" hangingPunct="1">
-                <a:defRPr sz="1800" kern="1200">
-                  <a:solidFill>
-                    <a:schemeClr val="lt1"/>
-                  </a:solidFill>
-                  <a:latin typeface="+mn-lt"/>
-                  <a:ea typeface="+mn-ea"/>
-                  <a:cs typeface="+mn-cs"/>
-                </a:defRPr>
-              </a:lvl5pPr>
-              <a:lvl6pPr marL="2286000" algn="l" defTabSz="914400" rtl="0" eaLnBrk="1" latinLnBrk="0" hangingPunct="1">
-                <a:defRPr sz="1800" kern="1200">
-                  <a:solidFill>
-                    <a:schemeClr val="lt1"/>
-                  </a:solidFill>
-                  <a:latin typeface="+mn-lt"/>
-                  <a:ea typeface="+mn-ea"/>
-                  <a:cs typeface="+mn-cs"/>
-                </a:defRPr>
-              </a:lvl6pPr>
-              <a:lvl7pPr marL="2743200" algn="l" defTabSz="914400" rtl="0" eaLnBrk="1" latinLnBrk="0" hangingPunct="1">
-                <a:defRPr sz="1800" kern="1200">
-                  <a:solidFill>
-                    <a:schemeClr val="lt1"/>
-                  </a:solidFill>
-                  <a:latin typeface="+mn-lt"/>
-                  <a:ea typeface="+mn-ea"/>
-                  <a:cs typeface="+mn-cs"/>
-                </a:defRPr>
-              </a:lvl7pPr>
-              <a:lvl8pPr marL="3200400" algn="l" defTabSz="914400" rtl="0" eaLnBrk="1" latinLnBrk="0" hangingPunct="1">
-                <a:defRPr sz="1800" kern="1200">
-                  <a:solidFill>
-                    <a:schemeClr val="lt1"/>
-                  </a:solidFill>
-                  <a:latin typeface="+mn-lt"/>
-                  <a:ea typeface="+mn-ea"/>
-                  <a:cs typeface="+mn-cs"/>
-                </a:defRPr>
-              </a:lvl8pPr>
-              <a:lvl9pPr marL="3657600" algn="l" defTabSz="914400" rtl="0" eaLnBrk="1" latinLnBrk="0" hangingPunct="1">
-                <a:defRPr sz="1800" kern="1200">
-                  <a:solidFill>
-                    <a:schemeClr val="lt1"/>
-                  </a:solidFill>
-                  <a:latin typeface="+mn-lt"/>
-                  <a:ea typeface="+mn-ea"/>
-                  <a:cs typeface="+mn-cs"/>
-                </a:defRPr>
-              </a:lvl9pPr>
-            </a:lstStyle>
-            <a:p>
-              <a:pPr algn="ctr"/>
-              <a:endParaRPr>
-                <a:solidFill>
-                  <a:srgbClr val="8A0000"/>
-                </a:solidFill>
-              </a:endParaRPr>
-            </a:p>
-          </p:txBody>
-        </p:sp>
-        <p:sp>
-          <p:nvSpPr>
-            <p:cNvPr id="44" name="BackShape">
-              <a:extLst>
-                <a:ext uri="{FF2B5EF4-FFF2-40B4-BE49-F238E27FC236}">
-                  <a16:creationId xmlns:a16="http://schemas.microsoft.com/office/drawing/2014/main" id="{5669DBD7-EF5C-4A26-9C43-0E70DF21BA68}"/>
-                </a:ext>
-              </a:extLst>
-            </p:cNvPr>
-            <p:cNvSpPr/>
-            <p:nvPr/>
-          </p:nvSpPr>
-          <p:spPr>
-            <a:xfrm>
-              <a:off x="1901787" y="1601711"/>
-              <a:ext cx="1600662" cy="1629552"/>
-            </a:xfrm>
-            <a:prstGeom prst="ellipse">
-              <a:avLst/>
-            </a:prstGeom>
-            <a:solidFill>
-              <a:schemeClr val="bg1"/>
-            </a:solidFill>
-            <a:ln>
-              <a:noFill/>
-            </a:ln>
-          </p:spPr>
-          <p:style>
-            <a:lnRef idx="2">
-              <a:schemeClr val="accent1">
-                <a:shade val="50000"/>
-              </a:schemeClr>
-            </a:lnRef>
-            <a:fillRef idx="1">
-              <a:schemeClr val="accent1"/>
-            </a:fillRef>
-            <a:effectRef idx="0">
-              <a:schemeClr val="accent1"/>
-            </a:effectRef>
-            <a:fontRef idx="minor">
-              <a:schemeClr val="lt1"/>
-            </a:fontRef>
-          </p:style>
-          <p:txBody>
-            <a:bodyPr anchor="ctr"/>
-            <a:lstStyle>
-              <a:defPPr>
-                <a:defRPr lang="zh-CN"/>
-              </a:defPPr>
-              <a:lvl1pPr marL="0" algn="l" defTabSz="914400" rtl="0" eaLnBrk="1" latinLnBrk="0" hangingPunct="1">
-                <a:defRPr sz="1800" kern="1200">
-                  <a:solidFill>
-                    <a:schemeClr val="lt1"/>
-                  </a:solidFill>
-                  <a:latin typeface="+mn-lt"/>
-                  <a:ea typeface="+mn-ea"/>
-                  <a:cs typeface="+mn-cs"/>
-                </a:defRPr>
-              </a:lvl1pPr>
-              <a:lvl2pPr marL="457200" algn="l" defTabSz="914400" rtl="0" eaLnBrk="1" latinLnBrk="0" hangingPunct="1">
-                <a:defRPr sz="1800" kern="1200">
-                  <a:solidFill>
-                    <a:schemeClr val="lt1"/>
-                  </a:solidFill>
-                  <a:latin typeface="+mn-lt"/>
-                  <a:ea typeface="+mn-ea"/>
-                  <a:cs typeface="+mn-cs"/>
-                </a:defRPr>
-              </a:lvl2pPr>
-              <a:lvl3pPr marL="914400" algn="l" defTabSz="914400" rtl="0" eaLnBrk="1" latinLnBrk="0" hangingPunct="1">
-                <a:defRPr sz="1800" kern="1200">
-                  <a:solidFill>
-                    <a:schemeClr val="lt1"/>
-                  </a:solidFill>
-                  <a:latin typeface="+mn-lt"/>
-                  <a:ea typeface="+mn-ea"/>
-                  <a:cs typeface="+mn-cs"/>
-                </a:defRPr>
-              </a:lvl3pPr>
-              <a:lvl4pPr marL="1371600" algn="l" defTabSz="914400" rtl="0" eaLnBrk="1" latinLnBrk="0" hangingPunct="1">
-                <a:defRPr sz="1800" kern="1200">
-                  <a:solidFill>
-                    <a:schemeClr val="lt1"/>
-                  </a:solidFill>
-                  <a:latin typeface="+mn-lt"/>
-                  <a:ea typeface="+mn-ea"/>
-                  <a:cs typeface="+mn-cs"/>
-                </a:defRPr>
-              </a:lvl4pPr>
-              <a:lvl5pPr marL="1828800" algn="l" defTabSz="914400" rtl="0" eaLnBrk="1" latinLnBrk="0" hangingPunct="1">
-                <a:defRPr sz="1800" kern="1200">
-                  <a:solidFill>
-                    <a:schemeClr val="lt1"/>
-                  </a:solidFill>
-                  <a:latin typeface="+mn-lt"/>
-                  <a:ea typeface="+mn-ea"/>
-                  <a:cs typeface="+mn-cs"/>
-                </a:defRPr>
-              </a:lvl5pPr>
-              <a:lvl6pPr marL="2286000" algn="l" defTabSz="914400" rtl="0" eaLnBrk="1" latinLnBrk="0" hangingPunct="1">
-                <a:defRPr sz="1800" kern="1200">
-                  <a:solidFill>
-                    <a:schemeClr val="lt1"/>
-                  </a:solidFill>
-                  <a:latin typeface="+mn-lt"/>
-                  <a:ea typeface="+mn-ea"/>
-                  <a:cs typeface="+mn-cs"/>
-                </a:defRPr>
-              </a:lvl6pPr>
-              <a:lvl7pPr marL="2743200" algn="l" defTabSz="914400" rtl="0" eaLnBrk="1" latinLnBrk="0" hangingPunct="1">
-                <a:defRPr sz="1800" kern="1200">
-                  <a:solidFill>
-                    <a:schemeClr val="lt1"/>
-                  </a:solidFill>
-                  <a:latin typeface="+mn-lt"/>
-                  <a:ea typeface="+mn-ea"/>
-                  <a:cs typeface="+mn-cs"/>
-                </a:defRPr>
-              </a:lvl7pPr>
-              <a:lvl8pPr marL="3200400" algn="l" defTabSz="914400" rtl="0" eaLnBrk="1" latinLnBrk="0" hangingPunct="1">
-                <a:defRPr sz="1800" kern="1200">
-                  <a:solidFill>
-                    <a:schemeClr val="lt1"/>
-                  </a:solidFill>
-                  <a:latin typeface="+mn-lt"/>
-                  <a:ea typeface="+mn-ea"/>
-                  <a:cs typeface="+mn-cs"/>
-                </a:defRPr>
-              </a:lvl8pPr>
-              <a:lvl9pPr marL="3657600" algn="l" defTabSz="914400" rtl="0" eaLnBrk="1" latinLnBrk="0" hangingPunct="1">
-                <a:defRPr sz="1800" kern="1200">
-                  <a:solidFill>
-                    <a:schemeClr val="lt1"/>
-                  </a:solidFill>
-                  <a:latin typeface="+mn-lt"/>
-                  <a:ea typeface="+mn-ea"/>
-                  <a:cs typeface="+mn-cs"/>
-                </a:defRPr>
-              </a:lvl9pPr>
-            </a:lstStyle>
-            <a:p>
-              <a:pPr algn="ctr"/>
-              <a:endParaRPr/>
-            </a:p>
-          </p:txBody>
-        </p:sp>
-        <mc:AlternateContent xmlns:mc="http://schemas.openxmlformats.org/markup-compatibility/2006">
-          <mc:Choice xmlns:a14="http://schemas.microsoft.com/office/drawing/2010/main" Requires="a14">
-            <p:sp>
-              <p:nvSpPr>
-                <p:cNvPr id="75" name="CustomText">
-                  <a:extLst>
-                    <a:ext uri="{FF2B5EF4-FFF2-40B4-BE49-F238E27FC236}">
-                      <a16:creationId xmlns:a16="http://schemas.microsoft.com/office/drawing/2014/main" id="{2606360F-D138-482B-BF84-121B651521D6}"/>
-                    </a:ext>
-                  </a:extLst>
-                </p:cNvPr>
-                <p:cNvSpPr txBox="1"/>
-                <p:nvPr/>
-              </p:nvSpPr>
-              <p:spPr>
-                <a:xfrm flipH="1">
-                  <a:off x="2329360" y="2676202"/>
-                  <a:ext cx="732625" cy="513295"/>
-                </a:xfrm>
-                <a:prstGeom prst="rect">
-                  <a:avLst/>
-                </a:prstGeom>
-                <a:noFill/>
-              </p:spPr>
-              <p:txBody>
-                <a:bodyPr wrap="square" lIns="0" tIns="0" rIns="0" bIns="0" anchor="ctr" anchorCtr="0">
-                  <a:normAutofit/>
-                </a:bodyPr>
-                <a:lstStyle>
-                  <a:defPPr>
-                    <a:defRPr lang="zh-CN"/>
-                  </a:defPPr>
-                  <a:lvl1pPr marL="0" algn="l" defTabSz="914400" rtl="0" eaLnBrk="1" latinLnBrk="0" hangingPunct="1">
-                    <a:defRPr sz="1800" kern="1200">
-                      <a:solidFill>
-                        <a:schemeClr val="tx1"/>
-                      </a:solidFill>
-                      <a:latin typeface="+mn-lt"/>
-                      <a:ea typeface="+mn-ea"/>
-                      <a:cs typeface="+mn-cs"/>
-                    </a:defRPr>
-                  </a:lvl1pPr>
-                  <a:lvl2pPr marL="457200" algn="l" defTabSz="914400" rtl="0" eaLnBrk="1" latinLnBrk="0" hangingPunct="1">
-                    <a:defRPr sz="1800" kern="1200">
-                      <a:solidFill>
-                        <a:schemeClr val="tx1"/>
-                      </a:solidFill>
-                      <a:latin typeface="+mn-lt"/>
-                      <a:ea typeface="+mn-ea"/>
-                      <a:cs typeface="+mn-cs"/>
-                    </a:defRPr>
-                  </a:lvl2pPr>
-                  <a:lvl3pPr marL="914400" algn="l" defTabSz="914400" rtl="0" eaLnBrk="1" latinLnBrk="0" hangingPunct="1">
-                    <a:defRPr sz="1800" kern="1200">
-                      <a:solidFill>
-                        <a:schemeClr val="tx1"/>
-                      </a:solidFill>
-                      <a:latin typeface="+mn-lt"/>
-                      <a:ea typeface="+mn-ea"/>
-                      <a:cs typeface="+mn-cs"/>
-                    </a:defRPr>
-                  </a:lvl3pPr>
-                  <a:lvl4pPr marL="1371600" algn="l" defTabSz="914400" rtl="0" eaLnBrk="1" latinLnBrk="0" hangingPunct="1">
-                    <a:defRPr sz="1800" kern="1200">
-                      <a:solidFill>
-                        <a:schemeClr val="tx1"/>
-                      </a:solidFill>
-                      <a:latin typeface="+mn-lt"/>
-                      <a:ea typeface="+mn-ea"/>
-                      <a:cs typeface="+mn-cs"/>
-                    </a:defRPr>
-                  </a:lvl4pPr>
-                  <a:lvl5pPr marL="1828800" algn="l" defTabSz="914400" rtl="0" eaLnBrk="1" latinLnBrk="0" hangingPunct="1">
-                    <a:defRPr sz="1800" kern="1200">
-                      <a:solidFill>
-                        <a:schemeClr val="tx1"/>
-                      </a:solidFill>
-                      <a:latin typeface="+mn-lt"/>
-                      <a:ea typeface="+mn-ea"/>
-                      <a:cs typeface="+mn-cs"/>
-                    </a:defRPr>
-                  </a:lvl5pPr>
-                  <a:lvl6pPr marL="2286000" algn="l" defTabSz="914400" rtl="0" eaLnBrk="1" latinLnBrk="0" hangingPunct="1">
-                    <a:defRPr sz="1800" kern="1200">
-                      <a:solidFill>
-                        <a:schemeClr val="tx1"/>
-                      </a:solidFill>
-                      <a:latin typeface="+mn-lt"/>
-                      <a:ea typeface="+mn-ea"/>
-                      <a:cs typeface="+mn-cs"/>
-                    </a:defRPr>
-                  </a:lvl6pPr>
-                  <a:lvl7pPr marL="2743200" algn="l" defTabSz="914400" rtl="0" eaLnBrk="1" latinLnBrk="0" hangingPunct="1">
-                    <a:defRPr sz="1800" kern="1200">
-                      <a:solidFill>
-                        <a:schemeClr val="tx1"/>
-                      </a:solidFill>
-                      <a:latin typeface="+mn-lt"/>
-                      <a:ea typeface="+mn-ea"/>
-                      <a:cs typeface="+mn-cs"/>
-                    </a:defRPr>
-                  </a:lvl7pPr>
-                  <a:lvl8pPr marL="3200400" algn="l" defTabSz="914400" rtl="0" eaLnBrk="1" latinLnBrk="0" hangingPunct="1">
-                    <a:defRPr sz="1800" kern="1200">
-                      <a:solidFill>
-                        <a:schemeClr val="tx1"/>
-                      </a:solidFill>
-                      <a:latin typeface="+mn-lt"/>
-                      <a:ea typeface="+mn-ea"/>
-                      <a:cs typeface="+mn-cs"/>
-                    </a:defRPr>
-                  </a:lvl8pPr>
-                  <a:lvl9pPr marL="3657600" algn="l" defTabSz="914400" rtl="0" eaLnBrk="1" latinLnBrk="0" hangingPunct="1">
-                    <a:defRPr sz="1800" kern="1200">
-                      <a:solidFill>
-                        <a:schemeClr val="tx1"/>
-                      </a:solidFill>
-                      <a:latin typeface="+mn-lt"/>
-                      <a:ea typeface="+mn-ea"/>
-                      <a:cs typeface="+mn-cs"/>
-                    </a:defRPr>
-                  </a:lvl9pPr>
-                </a:lstStyle>
-                <a:p>
-                  <a:pPr lvl="0"/>
-                  <a14:m>
-                    <m:oMathPara xmlns:m="http://schemas.openxmlformats.org/officeDocument/2006/math">
-                      <m:oMathParaPr>
-                        <m:jc m:val="centerGroup"/>
-                      </m:oMathParaPr>
-                      <m:oMath xmlns:m="http://schemas.openxmlformats.org/officeDocument/2006/math">
-                        <m:r>
-                          <a:rPr lang="en-US" altLang="zh-CN" sz="2800" b="1" i="1" smtClean="0">
-                            <a:solidFill>
-                              <a:schemeClr val="tx1">
-                                <a:lumMod val="85000"/>
-                                <a:lumOff val="15000"/>
-                              </a:schemeClr>
-                            </a:solidFill>
-                            <a:latin typeface="Cambria Math" panose="02040503050406030204" pitchFamily="18" charset="0"/>
-                          </a:rPr>
-                          <m:t>𝒀</m:t>
-                        </m:r>
-                      </m:oMath>
-                    </m:oMathPara>
-                  </a14:m>
-                  <a:endParaRPr lang="en-US" altLang="zh-CN" sz="2400" b="1" dirty="0">
-                    <a:solidFill>
-                      <a:schemeClr val="tx1">
-                        <a:lumMod val="85000"/>
-                        <a:lumOff val="15000"/>
-                      </a:schemeClr>
-                    </a:solidFill>
-                  </a:endParaRPr>
-                </a:p>
-              </p:txBody>
-            </p:sp>
-          </mc:Choice>
-          <mc:Fallback>
-            <p:sp>
-              <p:nvSpPr>
-                <p:cNvPr id="75" name="CustomText">
-                  <a:extLst>
-                    <a:ext uri="{FF2B5EF4-FFF2-40B4-BE49-F238E27FC236}">
-                      <a16:creationId xmlns:a16="http://schemas.microsoft.com/office/drawing/2014/main" id="{2606360F-D138-482B-BF84-121B651521D6}"/>
-                    </a:ext>
-                  </a:extLst>
-                </p:cNvPr>
-                <p:cNvSpPr txBox="1">
-                  <a:spLocks noRot="1" noChangeAspect="1" noMove="1" noResize="1" noEditPoints="1" noAdjustHandles="1" noChangeArrowheads="1" noChangeShapeType="1" noTextEdit="1"/>
-                </p:cNvSpPr>
-                <p:nvPr/>
-              </p:nvSpPr>
-              <p:spPr>
-                <a:xfrm flipH="1">
-                  <a:off x="2329360" y="2676202"/>
-                  <a:ext cx="732625" cy="513295"/>
-                </a:xfrm>
-                <a:prstGeom prst="rect">
-                  <a:avLst/>
-                </a:prstGeom>
-                <a:blipFill>
-                  <a:blip r:embed="rId10"/>
-                  <a:stretch>
-                    <a:fillRect/>
-                  </a:stretch>
-                </a:blipFill>
-              </p:spPr>
-              <p:txBody>
-                <a:bodyPr/>
-                <a:lstStyle/>
-                <a:p>
-                  <a:r>
-                    <a:rPr lang="zh-CN" altLang="en-US">
-                      <a:noFill/>
-                    </a:rPr>
-                    <a:t> </a:t>
-                  </a:r>
-                </a:p>
-              </p:txBody>
-            </p:sp>
-          </mc:Fallback>
-        </mc:AlternateContent>
-        <p:sp>
-          <p:nvSpPr>
-            <p:cNvPr id="47" name="delete-folder_71049">
-              <a:extLst>
-                <a:ext uri="{FF2B5EF4-FFF2-40B4-BE49-F238E27FC236}">
-                  <a16:creationId xmlns:a16="http://schemas.microsoft.com/office/drawing/2014/main" id="{0B0C2B40-A035-419D-BAD3-7A8FB23A32A7}"/>
-                </a:ext>
-              </a:extLst>
-            </p:cNvPr>
-            <p:cNvSpPr>
-              <a:spLocks noChangeAspect="1"/>
-            </p:cNvSpPr>
-            <p:nvPr/>
-          </p:nvSpPr>
-          <p:spPr bwMode="auto">
-            <a:xfrm>
-              <a:off x="2230608" y="1884949"/>
-              <a:ext cx="907968" cy="792051"/>
-            </a:xfrm>
-            <a:custGeom>
-              <a:avLst/>
-              <a:gdLst>
-                <a:gd name="connsiteX0" fmla="*/ 515246 w 605374"/>
-                <a:gd name="connsiteY0" fmla="*/ 356920 h 518727"/>
-                <a:gd name="connsiteX1" fmla="*/ 523730 w 605374"/>
-                <a:gd name="connsiteY1" fmla="*/ 365476 h 518727"/>
-                <a:gd name="connsiteX2" fmla="*/ 523730 w 605374"/>
-                <a:gd name="connsiteY2" fmla="*/ 440311 h 518727"/>
-                <a:gd name="connsiteX3" fmla="*/ 515246 w 605374"/>
-                <a:gd name="connsiteY3" fmla="*/ 448867 h 518727"/>
-                <a:gd name="connsiteX4" fmla="*/ 506653 w 605374"/>
-                <a:gd name="connsiteY4" fmla="*/ 440311 h 518727"/>
-                <a:gd name="connsiteX5" fmla="*/ 506653 w 605374"/>
-                <a:gd name="connsiteY5" fmla="*/ 365476 h 518727"/>
-                <a:gd name="connsiteX6" fmla="*/ 515246 w 605374"/>
-                <a:gd name="connsiteY6" fmla="*/ 356920 h 518727"/>
-                <a:gd name="connsiteX7" fmla="*/ 462107 w 605374"/>
-                <a:gd name="connsiteY7" fmla="*/ 356920 h 518727"/>
-                <a:gd name="connsiteX8" fmla="*/ 470664 w 605374"/>
-                <a:gd name="connsiteY8" fmla="*/ 365476 h 518727"/>
-                <a:gd name="connsiteX9" fmla="*/ 470664 w 605374"/>
-                <a:gd name="connsiteY9" fmla="*/ 440311 h 518727"/>
-                <a:gd name="connsiteX10" fmla="*/ 462107 w 605374"/>
-                <a:gd name="connsiteY10" fmla="*/ 448867 h 518727"/>
-                <a:gd name="connsiteX11" fmla="*/ 453658 w 605374"/>
-                <a:gd name="connsiteY11" fmla="*/ 440311 h 518727"/>
-                <a:gd name="connsiteX12" fmla="*/ 453658 w 605374"/>
-                <a:gd name="connsiteY12" fmla="*/ 365476 h 518727"/>
-                <a:gd name="connsiteX13" fmla="*/ 462107 w 605374"/>
-                <a:gd name="connsiteY13" fmla="*/ 356920 h 518727"/>
-                <a:gd name="connsiteX14" fmla="*/ 480962 w 605374"/>
-                <a:gd name="connsiteY14" fmla="*/ 282333 h 518727"/>
-                <a:gd name="connsiteX15" fmla="*/ 496356 w 605374"/>
-                <a:gd name="connsiteY15" fmla="*/ 282333 h 518727"/>
-                <a:gd name="connsiteX16" fmla="*/ 503619 w 605374"/>
-                <a:gd name="connsiteY16" fmla="*/ 288472 h 518727"/>
-                <a:gd name="connsiteX17" fmla="*/ 473699 w 605374"/>
-                <a:gd name="connsiteY17" fmla="*/ 288472 h 518727"/>
-                <a:gd name="connsiteX18" fmla="*/ 480962 w 605374"/>
-                <a:gd name="connsiteY18" fmla="*/ 282333 h 518727"/>
-                <a:gd name="connsiteX19" fmla="*/ 480978 w 605374"/>
-                <a:gd name="connsiteY19" fmla="*/ 268244 h 518727"/>
-                <a:gd name="connsiteX20" fmla="*/ 459396 w 605374"/>
-                <a:gd name="connsiteY20" fmla="*/ 288494 h 518727"/>
-                <a:gd name="connsiteX21" fmla="*/ 433150 w 605374"/>
-                <a:gd name="connsiteY21" fmla="*/ 288494 h 518727"/>
-                <a:gd name="connsiteX22" fmla="*/ 405820 w 605374"/>
-                <a:gd name="connsiteY22" fmla="*/ 315893 h 518727"/>
-                <a:gd name="connsiteX23" fmla="*/ 405820 w 605374"/>
-                <a:gd name="connsiteY23" fmla="*/ 330404 h 518727"/>
-                <a:gd name="connsiteX24" fmla="*/ 411893 w 605374"/>
-                <a:gd name="connsiteY24" fmla="*/ 336469 h 518727"/>
-                <a:gd name="connsiteX25" fmla="*/ 423823 w 605374"/>
-                <a:gd name="connsiteY25" fmla="*/ 336469 h 518727"/>
-                <a:gd name="connsiteX26" fmla="*/ 423823 w 605374"/>
-                <a:gd name="connsiteY26" fmla="*/ 469562 h 518727"/>
-                <a:gd name="connsiteX27" fmla="*/ 436946 w 605374"/>
-                <a:gd name="connsiteY27" fmla="*/ 482665 h 518727"/>
-                <a:gd name="connsiteX28" fmla="*/ 540411 w 605374"/>
-                <a:gd name="connsiteY28" fmla="*/ 482665 h 518727"/>
-                <a:gd name="connsiteX29" fmla="*/ 553533 w 605374"/>
-                <a:gd name="connsiteY29" fmla="*/ 469562 h 518727"/>
-                <a:gd name="connsiteX30" fmla="*/ 553533 w 605374"/>
-                <a:gd name="connsiteY30" fmla="*/ 336469 h 518727"/>
-                <a:gd name="connsiteX31" fmla="*/ 565463 w 605374"/>
-                <a:gd name="connsiteY31" fmla="*/ 336469 h 518727"/>
-                <a:gd name="connsiteX32" fmla="*/ 571645 w 605374"/>
-                <a:gd name="connsiteY32" fmla="*/ 330404 h 518727"/>
-                <a:gd name="connsiteX33" fmla="*/ 571645 w 605374"/>
-                <a:gd name="connsiteY33" fmla="*/ 315893 h 518727"/>
-                <a:gd name="connsiteX34" fmla="*/ 544206 w 605374"/>
-                <a:gd name="connsiteY34" fmla="*/ 288494 h 518727"/>
-                <a:gd name="connsiteX35" fmla="*/ 517961 w 605374"/>
-                <a:gd name="connsiteY35" fmla="*/ 288494 h 518727"/>
-                <a:gd name="connsiteX36" fmla="*/ 496378 w 605374"/>
-                <a:gd name="connsiteY36" fmla="*/ 268244 h 518727"/>
-                <a:gd name="connsiteX37" fmla="*/ 353653 w 605374"/>
-                <a:gd name="connsiteY37" fmla="*/ 43751 h 518727"/>
-                <a:gd name="connsiteX38" fmla="*/ 311465 w 605374"/>
-                <a:gd name="connsiteY38" fmla="*/ 60644 h 518727"/>
-                <a:gd name="connsiteX39" fmla="*/ 251382 w 605374"/>
-                <a:gd name="connsiteY39" fmla="*/ 84469 h 518727"/>
-                <a:gd name="connsiteX40" fmla="*/ 94124 w 605374"/>
-                <a:gd name="connsiteY40" fmla="*/ 84469 h 518727"/>
-                <a:gd name="connsiteX41" fmla="*/ 78182 w 605374"/>
-                <a:gd name="connsiteY41" fmla="*/ 98872 h 518727"/>
-                <a:gd name="connsiteX42" fmla="*/ 78182 w 605374"/>
-                <a:gd name="connsiteY42" fmla="*/ 142623 h 518727"/>
-                <a:gd name="connsiteX43" fmla="*/ 485750 w 605374"/>
-                <a:gd name="connsiteY43" fmla="*/ 142623 h 518727"/>
-                <a:gd name="connsiteX44" fmla="*/ 485750 w 605374"/>
-                <a:gd name="connsiteY44" fmla="*/ 66926 h 518727"/>
-                <a:gd name="connsiteX45" fmla="*/ 462541 w 605374"/>
-                <a:gd name="connsiteY45" fmla="*/ 43751 h 518727"/>
-                <a:gd name="connsiteX46" fmla="*/ 353653 w 605374"/>
-                <a:gd name="connsiteY46" fmla="*/ 0 h 518727"/>
-                <a:gd name="connsiteX47" fmla="*/ 462541 w 605374"/>
-                <a:gd name="connsiteY47" fmla="*/ 0 h 518727"/>
-                <a:gd name="connsiteX48" fmla="*/ 529565 w 605374"/>
-                <a:gd name="connsiteY48" fmla="*/ 66926 h 518727"/>
-                <a:gd name="connsiteX49" fmla="*/ 529565 w 605374"/>
-                <a:gd name="connsiteY49" fmla="*/ 142623 h 518727"/>
-                <a:gd name="connsiteX50" fmla="*/ 555160 w 605374"/>
-                <a:gd name="connsiteY50" fmla="*/ 155185 h 518727"/>
-                <a:gd name="connsiteX51" fmla="*/ 563511 w 605374"/>
-                <a:gd name="connsiteY51" fmla="*/ 184316 h 518727"/>
-                <a:gd name="connsiteX52" fmla="*/ 553317 w 605374"/>
-                <a:gd name="connsiteY52" fmla="*/ 253516 h 518727"/>
-                <a:gd name="connsiteX53" fmla="*/ 605374 w 605374"/>
-                <a:gd name="connsiteY53" fmla="*/ 315893 h 518727"/>
-                <a:gd name="connsiteX54" fmla="*/ 605374 w 605374"/>
-                <a:gd name="connsiteY54" fmla="*/ 330404 h 518727"/>
-                <a:gd name="connsiteX55" fmla="*/ 587371 w 605374"/>
-                <a:gd name="connsiteY55" fmla="*/ 365058 h 518727"/>
-                <a:gd name="connsiteX56" fmla="*/ 587371 w 605374"/>
-                <a:gd name="connsiteY56" fmla="*/ 469562 h 518727"/>
-                <a:gd name="connsiteX57" fmla="*/ 538025 w 605374"/>
-                <a:gd name="connsiteY57" fmla="*/ 518727 h 518727"/>
-                <a:gd name="connsiteX58" fmla="*/ 434668 w 605374"/>
-                <a:gd name="connsiteY58" fmla="*/ 518727 h 518727"/>
-                <a:gd name="connsiteX59" fmla="*/ 405928 w 605374"/>
-                <a:gd name="connsiteY59" fmla="*/ 509522 h 518727"/>
-                <a:gd name="connsiteX60" fmla="*/ 80025 w 605374"/>
-                <a:gd name="connsiteY60" fmla="*/ 509522 h 518727"/>
-                <a:gd name="connsiteX61" fmla="*/ 44019 w 605374"/>
-                <a:gd name="connsiteY61" fmla="*/ 478550 h 518727"/>
-                <a:gd name="connsiteX62" fmla="*/ 421 w 605374"/>
-                <a:gd name="connsiteY62" fmla="*/ 184316 h 518727"/>
-                <a:gd name="connsiteX63" fmla="*/ 8772 w 605374"/>
-                <a:gd name="connsiteY63" fmla="*/ 155185 h 518727"/>
-                <a:gd name="connsiteX64" fmla="*/ 34367 w 605374"/>
-                <a:gd name="connsiteY64" fmla="*/ 142623 h 518727"/>
-                <a:gd name="connsiteX65" fmla="*/ 34367 w 605374"/>
-                <a:gd name="connsiteY65" fmla="*/ 98872 h 518727"/>
-                <a:gd name="connsiteX66" fmla="*/ 94124 w 605374"/>
-                <a:gd name="connsiteY66" fmla="*/ 40718 h 518727"/>
-                <a:gd name="connsiteX67" fmla="*/ 251490 w 605374"/>
-                <a:gd name="connsiteY67" fmla="*/ 40718 h 518727"/>
-                <a:gd name="connsiteX68" fmla="*/ 284135 w 605374"/>
-                <a:gd name="connsiteY68" fmla="*/ 26424 h 518727"/>
-                <a:gd name="connsiteX69" fmla="*/ 353653 w 605374"/>
-                <a:gd name="connsiteY69" fmla="*/ 0 h 518727"/>
-              </a:gdLst>
-              <a:ahLst/>
-              <a:cxnLst>
-                <a:cxn ang="0">
-                  <a:pos x="connsiteX0" y="connsiteY0"/>
-                </a:cxn>
-                <a:cxn ang="0">
-                  <a:pos x="connsiteX1" y="connsiteY1"/>
-                </a:cxn>
-                <a:cxn ang="0">
-                  <a:pos x="connsiteX2" y="connsiteY2"/>
-                </a:cxn>
-                <a:cxn ang="0">
-                  <a:pos x="connsiteX3" y="connsiteY3"/>
-                </a:cxn>
-                <a:cxn ang="0">
-                  <a:pos x="connsiteX4" y="connsiteY4"/>
-                </a:cxn>
-                <a:cxn ang="0">
-                  <a:pos x="connsiteX5" y="connsiteY5"/>
-                </a:cxn>
-                <a:cxn ang="0">
-                  <a:pos x="connsiteX6" y="connsiteY6"/>
-                </a:cxn>
-                <a:cxn ang="0">
-                  <a:pos x="connsiteX7" y="connsiteY7"/>
-                </a:cxn>
-                <a:cxn ang="0">
-                  <a:pos x="connsiteX8" y="connsiteY8"/>
-                </a:cxn>
-                <a:cxn ang="0">
-                  <a:pos x="connsiteX9" y="connsiteY9"/>
-                </a:cxn>
-                <a:cxn ang="0">
-                  <a:pos x="connsiteX10" y="connsiteY10"/>
-                </a:cxn>
-                <a:cxn ang="0">
-                  <a:pos x="connsiteX11" y="connsiteY11"/>
-                </a:cxn>
-                <a:cxn ang="0">
-                  <a:pos x="connsiteX12" y="connsiteY12"/>
-                </a:cxn>
-                <a:cxn ang="0">
-                  <a:pos x="connsiteX13" y="connsiteY13"/>
-                </a:cxn>
-                <a:cxn ang="0">
-                  <a:pos x="connsiteX14" y="connsiteY14"/>
-                </a:cxn>
-                <a:cxn ang="0">
-                  <a:pos x="connsiteX15" y="connsiteY15"/>
-                </a:cxn>
-                <a:cxn ang="0">
-                  <a:pos x="connsiteX16" y="connsiteY16"/>
-                </a:cxn>
-                <a:cxn ang="0">
-                  <a:pos x="connsiteX17" y="connsiteY17"/>
-                </a:cxn>
-                <a:cxn ang="0">
-                  <a:pos x="connsiteX18" y="connsiteY18"/>
-                </a:cxn>
-                <a:cxn ang="0">
-                  <a:pos x="connsiteX19" y="connsiteY19"/>
-                </a:cxn>
-                <a:cxn ang="0">
-                  <a:pos x="connsiteX20" y="connsiteY20"/>
-                </a:cxn>
-                <a:cxn ang="0">
-                  <a:pos x="connsiteX21" y="connsiteY21"/>
-                </a:cxn>
-                <a:cxn ang="0">
-                  <a:pos x="connsiteX22" y="connsiteY22"/>
-                </a:cxn>
-                <a:cxn ang="0">
-                  <a:pos x="connsiteX23" y="connsiteY23"/>
-                </a:cxn>
-                <a:cxn ang="0">
-                  <a:pos x="connsiteX24" y="connsiteY24"/>
-                </a:cxn>
-                <a:cxn ang="0">
-                  <a:pos x="connsiteX25" y="connsiteY25"/>
-                </a:cxn>
-                <a:cxn ang="0">
-                  <a:pos x="connsiteX26" y="connsiteY26"/>
-                </a:cxn>
-                <a:cxn ang="0">
-                  <a:pos x="connsiteX27" y="connsiteY27"/>
-                </a:cxn>
-                <a:cxn ang="0">
-                  <a:pos x="connsiteX28" y="connsiteY28"/>
-                </a:cxn>
-                <a:cxn ang="0">
-                  <a:pos x="connsiteX29" y="connsiteY29"/>
-                </a:cxn>
-                <a:cxn ang="0">
-                  <a:pos x="connsiteX30" y="connsiteY30"/>
-                </a:cxn>
-                <a:cxn ang="0">
-                  <a:pos x="connsiteX31" y="connsiteY31"/>
-                </a:cxn>
-                <a:cxn ang="0">
-                  <a:pos x="connsiteX32" y="connsiteY32"/>
-                </a:cxn>
-                <a:cxn ang="0">
-                  <a:pos x="connsiteX33" y="connsiteY33"/>
-                </a:cxn>
-                <a:cxn ang="0">
-                  <a:pos x="connsiteX34" y="connsiteY34"/>
-                </a:cxn>
-                <a:cxn ang="0">
-                  <a:pos x="connsiteX35" y="connsiteY35"/>
-                </a:cxn>
-                <a:cxn ang="0">
-                  <a:pos x="connsiteX36" y="connsiteY36"/>
-                </a:cxn>
-                <a:cxn ang="0">
-                  <a:pos x="connsiteX37" y="connsiteY37"/>
-                </a:cxn>
-                <a:cxn ang="0">
-                  <a:pos x="connsiteX38" y="connsiteY38"/>
-                </a:cxn>
-                <a:cxn ang="0">
-                  <a:pos x="connsiteX39" y="connsiteY39"/>
-                </a:cxn>
-                <a:cxn ang="0">
-                  <a:pos x="connsiteX40" y="connsiteY40"/>
-                </a:cxn>
-                <a:cxn ang="0">
-                  <a:pos x="connsiteX41" y="connsiteY41"/>
-                </a:cxn>
-                <a:cxn ang="0">
-                  <a:pos x="connsiteX42" y="connsiteY42"/>
-                </a:cxn>
-                <a:cxn ang="0">
-                  <a:pos x="connsiteX43" y="connsiteY43"/>
-                </a:cxn>
-                <a:cxn ang="0">
-                  <a:pos x="connsiteX44" y="connsiteY44"/>
-                </a:cxn>
-                <a:cxn ang="0">
-                  <a:pos x="connsiteX45" y="connsiteY45"/>
-                </a:cxn>
-                <a:cxn ang="0">
-                  <a:pos x="connsiteX46" y="connsiteY46"/>
-                </a:cxn>
-                <a:cxn ang="0">
-                  <a:pos x="connsiteX47" y="connsiteY47"/>
-                </a:cxn>
-                <a:cxn ang="0">
-                  <a:pos x="connsiteX48" y="connsiteY48"/>
-                </a:cxn>
-                <a:cxn ang="0">
-                  <a:pos x="connsiteX49" y="connsiteY49"/>
-                </a:cxn>
-                <a:cxn ang="0">
-                  <a:pos x="connsiteX50" y="connsiteY50"/>
-                </a:cxn>
-                <a:cxn ang="0">
-                  <a:pos x="connsiteX51" y="connsiteY51"/>
-                </a:cxn>
-                <a:cxn ang="0">
-                  <a:pos x="connsiteX52" y="connsiteY52"/>
-                </a:cxn>
-                <a:cxn ang="0">
-                  <a:pos x="connsiteX53" y="connsiteY53"/>
-                </a:cxn>
-                <a:cxn ang="0">
-                  <a:pos x="connsiteX54" y="connsiteY54"/>
-                </a:cxn>
-                <a:cxn ang="0">
-                  <a:pos x="connsiteX55" y="connsiteY55"/>
-                </a:cxn>
-                <a:cxn ang="0">
-                  <a:pos x="connsiteX56" y="connsiteY56"/>
-                </a:cxn>
-                <a:cxn ang="0">
-                  <a:pos x="connsiteX57" y="connsiteY57"/>
-                </a:cxn>
-                <a:cxn ang="0">
-                  <a:pos x="connsiteX58" y="connsiteY58"/>
-                </a:cxn>
-                <a:cxn ang="0">
-                  <a:pos x="connsiteX59" y="connsiteY59"/>
-                </a:cxn>
-                <a:cxn ang="0">
-                  <a:pos x="connsiteX60" y="connsiteY60"/>
-                </a:cxn>
-                <a:cxn ang="0">
-                  <a:pos x="connsiteX61" y="connsiteY61"/>
-                </a:cxn>
-                <a:cxn ang="0">
-                  <a:pos x="connsiteX62" y="connsiteY62"/>
-                </a:cxn>
-                <a:cxn ang="0">
-                  <a:pos x="connsiteX63" y="connsiteY63"/>
-                </a:cxn>
-                <a:cxn ang="0">
-                  <a:pos x="connsiteX64" y="connsiteY64"/>
-                </a:cxn>
-                <a:cxn ang="0">
-                  <a:pos x="connsiteX65" y="connsiteY65"/>
-                </a:cxn>
-                <a:cxn ang="0">
-                  <a:pos x="connsiteX66" y="connsiteY66"/>
-                </a:cxn>
-                <a:cxn ang="0">
-                  <a:pos x="connsiteX67" y="connsiteY67"/>
-                </a:cxn>
-                <a:cxn ang="0">
-                  <a:pos x="connsiteX68" y="connsiteY68"/>
-                </a:cxn>
-                <a:cxn ang="0">
-                  <a:pos x="connsiteX69" y="connsiteY69"/>
-                </a:cxn>
-              </a:cxnLst>
-              <a:rect l="l" t="t" r="r" b="b"/>
-              <a:pathLst>
-                <a:path w="605374" h="518727">
-                  <a:moveTo>
-                    <a:pt x="515246" y="356920"/>
-                  </a:moveTo>
-                  <a:cubicBezTo>
-                    <a:pt x="519923" y="356920"/>
-                    <a:pt x="523730" y="360711"/>
-                    <a:pt x="523730" y="365476"/>
-                  </a:cubicBezTo>
-                  <a:lnTo>
-                    <a:pt x="523730" y="440311"/>
-                  </a:lnTo>
-                  <a:cubicBezTo>
-                    <a:pt x="523730" y="444968"/>
-                    <a:pt x="519923" y="448867"/>
-                    <a:pt x="515246" y="448867"/>
-                  </a:cubicBezTo>
-                  <a:cubicBezTo>
-                    <a:pt x="510569" y="448867"/>
-                    <a:pt x="506653" y="444968"/>
-                    <a:pt x="506653" y="440311"/>
-                  </a:cubicBezTo>
-                  <a:lnTo>
-                    <a:pt x="506653" y="365476"/>
-                  </a:lnTo>
-                  <a:cubicBezTo>
-                    <a:pt x="506653" y="360711"/>
-                    <a:pt x="510569" y="356920"/>
-                    <a:pt x="515246" y="356920"/>
-                  </a:cubicBezTo>
-                  <a:close/>
-                  <a:moveTo>
-                    <a:pt x="462107" y="356920"/>
-                  </a:moveTo>
-                  <a:cubicBezTo>
-                    <a:pt x="466873" y="356920"/>
-                    <a:pt x="470664" y="360711"/>
-                    <a:pt x="470664" y="365476"/>
-                  </a:cubicBezTo>
-                  <a:lnTo>
-                    <a:pt x="470664" y="440311"/>
-                  </a:lnTo>
-                  <a:cubicBezTo>
-                    <a:pt x="470664" y="444968"/>
-                    <a:pt x="466873" y="448867"/>
-                    <a:pt x="462107" y="448867"/>
-                  </a:cubicBezTo>
-                  <a:cubicBezTo>
-                    <a:pt x="457449" y="448867"/>
-                    <a:pt x="453658" y="444968"/>
-                    <a:pt x="453658" y="440311"/>
-                  </a:cubicBezTo>
-                  <a:lnTo>
-                    <a:pt x="453658" y="365476"/>
-                  </a:lnTo>
-                  <a:cubicBezTo>
-                    <a:pt x="453658" y="360711"/>
-                    <a:pt x="457449" y="356920"/>
-                    <a:pt x="462107" y="356920"/>
-                  </a:cubicBezTo>
-                  <a:close/>
-                  <a:moveTo>
-                    <a:pt x="480962" y="282333"/>
-                  </a:moveTo>
-                  <a:lnTo>
-                    <a:pt x="496356" y="282333"/>
-                  </a:lnTo>
-                  <a:cubicBezTo>
-                    <a:pt x="500041" y="282333"/>
-                    <a:pt x="503077" y="285026"/>
-                    <a:pt x="503619" y="288472"/>
-                  </a:cubicBezTo>
-                  <a:lnTo>
-                    <a:pt x="473699" y="288472"/>
-                  </a:lnTo>
-                  <a:cubicBezTo>
-                    <a:pt x="474241" y="285026"/>
-                    <a:pt x="477276" y="282333"/>
-                    <a:pt x="480962" y="282333"/>
-                  </a:cubicBezTo>
-                  <a:close/>
-                  <a:moveTo>
-                    <a:pt x="480978" y="268244"/>
-                  </a:moveTo>
-                  <a:cubicBezTo>
-                    <a:pt x="469482" y="268244"/>
-                    <a:pt x="460046" y="277232"/>
-                    <a:pt x="459396" y="288494"/>
-                  </a:cubicBezTo>
-                  <a:lnTo>
-                    <a:pt x="433150" y="288494"/>
-                  </a:lnTo>
-                  <a:cubicBezTo>
-                    <a:pt x="418075" y="288494"/>
-                    <a:pt x="405820" y="300840"/>
-                    <a:pt x="405820" y="315893"/>
-                  </a:cubicBezTo>
-                  <a:lnTo>
-                    <a:pt x="405820" y="330404"/>
-                  </a:lnTo>
-                  <a:cubicBezTo>
-                    <a:pt x="405820" y="333761"/>
-                    <a:pt x="408531" y="336469"/>
-                    <a:pt x="411893" y="336469"/>
-                  </a:cubicBezTo>
-                  <a:lnTo>
-                    <a:pt x="423823" y="336469"/>
-                  </a:lnTo>
-                  <a:lnTo>
-                    <a:pt x="423823" y="469562"/>
-                  </a:lnTo>
-                  <a:cubicBezTo>
-                    <a:pt x="423823" y="476817"/>
-                    <a:pt x="429788" y="482665"/>
-                    <a:pt x="436946" y="482665"/>
-                  </a:cubicBezTo>
-                  <a:lnTo>
-                    <a:pt x="540411" y="482665"/>
-                  </a:lnTo>
-                  <a:cubicBezTo>
-                    <a:pt x="547677" y="482665"/>
-                    <a:pt x="553533" y="476817"/>
-                    <a:pt x="553533" y="469562"/>
-                  </a:cubicBezTo>
-                  <a:lnTo>
-                    <a:pt x="553533" y="336469"/>
-                  </a:lnTo>
-                  <a:lnTo>
-                    <a:pt x="565463" y="336469"/>
-                  </a:lnTo>
-                  <a:cubicBezTo>
-                    <a:pt x="568825" y="336469"/>
-                    <a:pt x="571645" y="333761"/>
-                    <a:pt x="571645" y="330404"/>
-                  </a:cubicBezTo>
-                  <a:lnTo>
-                    <a:pt x="571645" y="315893"/>
-                  </a:lnTo>
-                  <a:cubicBezTo>
-                    <a:pt x="571645" y="300840"/>
-                    <a:pt x="559281" y="288494"/>
-                    <a:pt x="544206" y="288494"/>
-                  </a:cubicBezTo>
-                  <a:lnTo>
-                    <a:pt x="517961" y="288494"/>
-                  </a:lnTo>
-                  <a:cubicBezTo>
-                    <a:pt x="517310" y="277232"/>
-                    <a:pt x="507875" y="268244"/>
-                    <a:pt x="496378" y="268244"/>
-                  </a:cubicBezTo>
-                  <a:close/>
-                  <a:moveTo>
-                    <a:pt x="353653" y="43751"/>
-                  </a:moveTo>
-                  <a:cubicBezTo>
-                    <a:pt x="332722" y="43751"/>
-                    <a:pt x="323829" y="50790"/>
-                    <a:pt x="311465" y="60644"/>
-                  </a:cubicBezTo>
-                  <a:cubicBezTo>
-                    <a:pt x="298017" y="71257"/>
-                    <a:pt x="281315" y="84469"/>
-                    <a:pt x="251382" y="84469"/>
-                  </a:cubicBezTo>
-                  <a:lnTo>
-                    <a:pt x="94124" y="84469"/>
-                  </a:lnTo>
-                  <a:cubicBezTo>
-                    <a:pt x="86316" y="84469"/>
-                    <a:pt x="78182" y="89884"/>
-                    <a:pt x="78182" y="98872"/>
-                  </a:cubicBezTo>
-                  <a:lnTo>
-                    <a:pt x="78182" y="142623"/>
-                  </a:lnTo>
-                  <a:lnTo>
-                    <a:pt x="485750" y="142623"/>
-                  </a:lnTo>
-                  <a:lnTo>
-                    <a:pt x="485750" y="66926"/>
-                  </a:lnTo>
-                  <a:cubicBezTo>
-                    <a:pt x="485750" y="54147"/>
-                    <a:pt x="475338" y="43751"/>
-                    <a:pt x="462541" y="43751"/>
-                  </a:cubicBezTo>
-                  <a:close/>
-                  <a:moveTo>
-                    <a:pt x="353653" y="0"/>
-                  </a:moveTo>
-                  <a:lnTo>
-                    <a:pt x="462541" y="0"/>
-                  </a:lnTo>
-                  <a:cubicBezTo>
-                    <a:pt x="499523" y="0"/>
-                    <a:pt x="529565" y="29997"/>
-                    <a:pt x="529565" y="66926"/>
-                  </a:cubicBezTo>
-                  <a:lnTo>
-                    <a:pt x="529565" y="142623"/>
-                  </a:lnTo>
-                  <a:cubicBezTo>
-                    <a:pt x="539434" y="143164"/>
-                    <a:pt x="548653" y="147713"/>
-                    <a:pt x="555160" y="155185"/>
-                  </a:cubicBezTo>
-                  <a:cubicBezTo>
-                    <a:pt x="561993" y="163199"/>
-                    <a:pt x="565138" y="173811"/>
-                    <a:pt x="563511" y="184316"/>
-                  </a:cubicBezTo>
-                  <a:lnTo>
-                    <a:pt x="553317" y="253516"/>
-                  </a:lnTo>
-                  <a:cubicBezTo>
-                    <a:pt x="582924" y="258822"/>
-                    <a:pt x="605374" y="284813"/>
-                    <a:pt x="605374" y="315893"/>
-                  </a:cubicBezTo>
-                  <a:lnTo>
-                    <a:pt x="605374" y="330404"/>
-                  </a:lnTo>
-                  <a:cubicBezTo>
-                    <a:pt x="605374" y="344699"/>
-                    <a:pt x="598216" y="357369"/>
-                    <a:pt x="587371" y="365058"/>
-                  </a:cubicBezTo>
-                  <a:lnTo>
-                    <a:pt x="587371" y="469562"/>
-                  </a:lnTo>
-                  <a:cubicBezTo>
-                    <a:pt x="587371" y="496743"/>
-                    <a:pt x="565246" y="518727"/>
-                    <a:pt x="538025" y="518727"/>
-                  </a:cubicBezTo>
-                  <a:lnTo>
-                    <a:pt x="434668" y="518727"/>
-                  </a:lnTo>
-                  <a:cubicBezTo>
-                    <a:pt x="423931" y="518727"/>
-                    <a:pt x="414062" y="515370"/>
-                    <a:pt x="405928" y="509522"/>
-                  </a:cubicBezTo>
-                  <a:lnTo>
-                    <a:pt x="80025" y="509522"/>
-                  </a:lnTo>
-                  <a:cubicBezTo>
-                    <a:pt x="62022" y="509522"/>
-                    <a:pt x="46730" y="496418"/>
-                    <a:pt x="44019" y="478550"/>
-                  </a:cubicBezTo>
-                  <a:lnTo>
-                    <a:pt x="421" y="184316"/>
-                  </a:lnTo>
-                  <a:cubicBezTo>
-                    <a:pt x="-1206" y="173811"/>
-                    <a:pt x="1939" y="163199"/>
-                    <a:pt x="8772" y="155185"/>
-                  </a:cubicBezTo>
-                  <a:cubicBezTo>
-                    <a:pt x="15279" y="147713"/>
-                    <a:pt x="24497" y="143164"/>
-                    <a:pt x="34367" y="142623"/>
-                  </a:cubicBezTo>
-                  <a:lnTo>
-                    <a:pt x="34367" y="98872"/>
-                  </a:lnTo>
-                  <a:cubicBezTo>
-                    <a:pt x="34367" y="66817"/>
-                    <a:pt x="61155" y="40718"/>
-                    <a:pt x="94124" y="40718"/>
-                  </a:cubicBezTo>
-                  <a:lnTo>
-                    <a:pt x="251490" y="40718"/>
-                  </a:lnTo>
-                  <a:cubicBezTo>
-                    <a:pt x="266023" y="40718"/>
-                    <a:pt x="272856" y="35412"/>
-                    <a:pt x="284135" y="26424"/>
-                  </a:cubicBezTo>
-                  <a:cubicBezTo>
-                    <a:pt x="298234" y="15269"/>
-                    <a:pt x="317430" y="0"/>
-                    <a:pt x="353653" y="0"/>
-                  </a:cubicBezTo>
-                  <a:close/>
-                </a:path>
-              </a:pathLst>
-            </a:custGeom>
-            <a:solidFill>
-              <a:schemeClr val="tx1">
-                <a:lumMod val="95000"/>
-                <a:lumOff val="5000"/>
-              </a:schemeClr>
-            </a:solidFill>
-            <a:ln>
-              <a:noFill/>
-            </a:ln>
-          </p:spPr>
-          <p:txBody>
-            <a:bodyPr/>
-            <a:lstStyle>
-              <a:defPPr>
-                <a:defRPr lang="zh-CN"/>
-              </a:defPPr>
-              <a:lvl1pPr marL="0" algn="l" defTabSz="914400" rtl="0" eaLnBrk="1" latinLnBrk="0" hangingPunct="1">
-                <a:defRPr sz="1800" kern="1200">
-                  <a:solidFill>
-                    <a:schemeClr val="tx1"/>
-                  </a:solidFill>
-                  <a:latin typeface="+mn-lt"/>
-                  <a:ea typeface="+mn-ea"/>
-                  <a:cs typeface="+mn-cs"/>
-                </a:defRPr>
-              </a:lvl1pPr>
-              <a:lvl2pPr marL="457200" algn="l" defTabSz="914400" rtl="0" eaLnBrk="1" latinLnBrk="0" hangingPunct="1">
-                <a:defRPr sz="1800" kern="1200">
-                  <a:solidFill>
-                    <a:schemeClr val="tx1"/>
-                  </a:solidFill>
-                  <a:latin typeface="+mn-lt"/>
-                  <a:ea typeface="+mn-ea"/>
-                  <a:cs typeface="+mn-cs"/>
-                </a:defRPr>
-              </a:lvl2pPr>
-              <a:lvl3pPr marL="914400" algn="l" defTabSz="914400" rtl="0" eaLnBrk="1" latinLnBrk="0" hangingPunct="1">
-                <a:defRPr sz="1800" kern="1200">
-                  <a:solidFill>
-                    <a:schemeClr val="tx1"/>
-                  </a:solidFill>
-                  <a:latin typeface="+mn-lt"/>
-                  <a:ea typeface="+mn-ea"/>
-                  <a:cs typeface="+mn-cs"/>
-                </a:defRPr>
-              </a:lvl3pPr>
-              <a:lvl4pPr marL="1371600" algn="l" defTabSz="914400" rtl="0" eaLnBrk="1" latinLnBrk="0" hangingPunct="1">
-                <a:defRPr sz="1800" kern="1200">
-                  <a:solidFill>
-                    <a:schemeClr val="tx1"/>
-                  </a:solidFill>
-                  <a:latin typeface="+mn-lt"/>
-                  <a:ea typeface="+mn-ea"/>
-                  <a:cs typeface="+mn-cs"/>
-                </a:defRPr>
-              </a:lvl4pPr>
-              <a:lvl5pPr marL="1828800" algn="l" defTabSz="914400" rtl="0" eaLnBrk="1" latinLnBrk="0" hangingPunct="1">
-                <a:defRPr sz="1800" kern="1200">
-                  <a:solidFill>
-                    <a:schemeClr val="tx1"/>
-                  </a:solidFill>
-                  <a:latin typeface="+mn-lt"/>
-                  <a:ea typeface="+mn-ea"/>
-                  <a:cs typeface="+mn-cs"/>
-                </a:defRPr>
-              </a:lvl5pPr>
-              <a:lvl6pPr marL="2286000" algn="l" defTabSz="914400" rtl="0" eaLnBrk="1" latinLnBrk="0" hangingPunct="1">
-                <a:defRPr sz="1800" kern="1200">
-                  <a:solidFill>
-                    <a:schemeClr val="tx1"/>
-                  </a:solidFill>
-                  <a:latin typeface="+mn-lt"/>
-                  <a:ea typeface="+mn-ea"/>
-                  <a:cs typeface="+mn-cs"/>
-                </a:defRPr>
-              </a:lvl6pPr>
-              <a:lvl7pPr marL="2743200" algn="l" defTabSz="914400" rtl="0" eaLnBrk="1" latinLnBrk="0" hangingPunct="1">
-                <a:defRPr sz="1800" kern="1200">
-                  <a:solidFill>
-                    <a:schemeClr val="tx1"/>
-                  </a:solidFill>
-                  <a:latin typeface="+mn-lt"/>
-                  <a:ea typeface="+mn-ea"/>
-                  <a:cs typeface="+mn-cs"/>
-                </a:defRPr>
-              </a:lvl7pPr>
-              <a:lvl8pPr marL="3200400" algn="l" defTabSz="914400" rtl="0" eaLnBrk="1" latinLnBrk="0" hangingPunct="1">
-                <a:defRPr sz="1800" kern="1200">
-                  <a:solidFill>
-                    <a:schemeClr val="tx1"/>
-                  </a:solidFill>
-                  <a:latin typeface="+mn-lt"/>
-                  <a:ea typeface="+mn-ea"/>
-                  <a:cs typeface="+mn-cs"/>
-                </a:defRPr>
-              </a:lvl8pPr>
-              <a:lvl9pPr marL="3657600" algn="l" defTabSz="914400" rtl="0" eaLnBrk="1" latinLnBrk="0" hangingPunct="1">
-                <a:defRPr sz="1800" kern="1200">
-                  <a:solidFill>
-                    <a:schemeClr val="tx1"/>
-                  </a:solidFill>
-                  <a:latin typeface="+mn-lt"/>
-                  <a:ea typeface="+mn-ea"/>
-                  <a:cs typeface="+mn-cs"/>
-                </a:defRPr>
-              </a:lvl9pPr>
-            </a:lstStyle>
-            <a:p>
-              <a:endParaRPr lang="zh-CN" altLang="en-US"/>
-            </a:p>
-          </p:txBody>
-        </p:sp>
-        <p:grpSp>
-          <p:nvGrpSpPr>
-            <p:cNvPr id="23" name="组合 22">
-              <a:extLst>
-                <a:ext uri="{FF2B5EF4-FFF2-40B4-BE49-F238E27FC236}">
-                  <a16:creationId xmlns:a16="http://schemas.microsoft.com/office/drawing/2014/main" id="{50A55B5F-C298-455E-BFCB-64F7C0116BAC}"/>
+                  <a16:creationId xmlns:a16="http://schemas.microsoft.com/office/drawing/2014/main" id="{74965B1D-FBEE-4EF5-9A90-C45384C751BB}"/>
                 </a:ext>
               </a:extLst>
             </p:cNvPr>
@@ -10447,40 +8718,84 @@
           </p:nvGrpSpPr>
           <p:grpSpPr>
             <a:xfrm>
-              <a:off x="3660247" y="778866"/>
-              <a:ext cx="1916091" cy="1400399"/>
-              <a:chOff x="349803" y="546374"/>
-              <a:chExt cx="1997059" cy="1459575"/>
+              <a:off x="1890775" y="1348513"/>
+              <a:ext cx="2969821" cy="2756400"/>
+              <a:chOff x="1241868" y="1097535"/>
+              <a:chExt cx="2969821" cy="2756400"/>
             </a:xfrm>
           </p:grpSpPr>
           <p:sp>
             <p:nvSpPr>
-              <p:cNvPr id="91" name="ValueText">
+              <p:cNvPr id="42" name="BackShape">
                 <a:extLst>
                   <a:ext uri="{FF2B5EF4-FFF2-40B4-BE49-F238E27FC236}">
-                    <a16:creationId xmlns:a16="http://schemas.microsoft.com/office/drawing/2014/main" id="{C6A7D6B5-C7AE-431D-A4D8-5F4461ED6DB6}"/>
+                    <a16:creationId xmlns:a16="http://schemas.microsoft.com/office/drawing/2014/main" id="{6A14123E-6515-4F27-865A-288D63096B19}"/>
                   </a:ext>
                 </a:extLst>
               </p:cNvPr>
-              <p:cNvSpPr txBox="1"/>
+              <p:cNvSpPr/>
               <p:nvPr/>
             </p:nvSpPr>
             <p:spPr>
               <a:xfrm>
-                <a:off x="469114" y="546374"/>
-                <a:ext cx="1607843" cy="902715"/>
+                <a:off x="1727426" y="1455071"/>
+                <a:ext cx="1923055" cy="1957763"/>
               </a:xfrm>
-              <a:prstGeom prst="rect">
+              <a:prstGeom prst="ellipse">
                 <a:avLst/>
               </a:prstGeom>
+              <a:gradFill flip="none" rotWithShape="1">
+                <a:gsLst>
+                  <a:gs pos="0">
+                    <a:schemeClr val="accent6">
+                      <a:lumMod val="60000"/>
+                      <a:lumOff val="40000"/>
+                      <a:tint val="66000"/>
+                      <a:satMod val="160000"/>
+                    </a:schemeClr>
+                  </a:gs>
+                  <a:gs pos="50000">
+                    <a:schemeClr val="accent6">
+                      <a:lumMod val="60000"/>
+                      <a:lumOff val="40000"/>
+                      <a:tint val="44500"/>
+                      <a:satMod val="160000"/>
+                    </a:schemeClr>
+                  </a:gs>
+                  <a:gs pos="100000">
+                    <a:schemeClr val="accent6">
+                      <a:lumMod val="60000"/>
+                      <a:lumOff val="40000"/>
+                      <a:tint val="23500"/>
+                      <a:satMod val="160000"/>
+                    </a:schemeClr>
+                  </a:gs>
+                </a:gsLst>
+                <a:lin ang="0" scaled="1"/>
+                <a:tileRect/>
+              </a:gradFill>
+              <a:ln>
+                <a:noFill/>
+              </a:ln>
             </p:spPr>
+            <p:style>
+              <a:lnRef idx="2">
+                <a:schemeClr val="accent1">
+                  <a:shade val="50000"/>
+                </a:schemeClr>
+              </a:lnRef>
+              <a:fillRef idx="1">
+                <a:schemeClr val="accent1"/>
+              </a:fillRef>
+              <a:effectRef idx="0">
+                <a:schemeClr val="accent1"/>
+              </a:effectRef>
+              <a:fontRef idx="minor">
+                <a:schemeClr val="lt1"/>
+              </a:fontRef>
+            </p:style>
             <p:txBody>
-              <a:bodyPr wrap="none" lIns="0" tIns="0" rIns="0" bIns="0" numCol="1">
-                <a:prstTxWarp prst="textPlain">
-                  <a:avLst/>
-                </a:prstTxWarp>
-                <a:normAutofit/>
-              </a:bodyPr>
+              <a:bodyPr anchor="ctr"/>
               <a:lstStyle>
                 <a:defPPr>
                   <a:defRPr lang="zh-CN"/>
@@ -10488,7 +8803,7 @@
                 <a:lvl1pPr marL="0" algn="l" defTabSz="914400" rtl="0" eaLnBrk="1" latinLnBrk="0" hangingPunct="1">
                   <a:defRPr sz="1800" kern="1200">
                     <a:solidFill>
-                      <a:schemeClr val="tx1"/>
+                      <a:schemeClr val="lt1"/>
                     </a:solidFill>
                     <a:latin typeface="+mn-lt"/>
                     <a:ea typeface="+mn-ea"/>
@@ -10498,7 +8813,7 @@
                 <a:lvl2pPr marL="457200" algn="l" defTabSz="914400" rtl="0" eaLnBrk="1" latinLnBrk="0" hangingPunct="1">
                   <a:defRPr sz="1800" kern="1200">
                     <a:solidFill>
-                      <a:schemeClr val="tx1"/>
+                      <a:schemeClr val="lt1"/>
                     </a:solidFill>
                     <a:latin typeface="+mn-lt"/>
                     <a:ea typeface="+mn-ea"/>
@@ -10508,7 +8823,7 @@
                 <a:lvl3pPr marL="914400" algn="l" defTabSz="914400" rtl="0" eaLnBrk="1" latinLnBrk="0" hangingPunct="1">
                   <a:defRPr sz="1800" kern="1200">
                     <a:solidFill>
-                      <a:schemeClr val="tx1"/>
+                      <a:schemeClr val="lt1"/>
                     </a:solidFill>
                     <a:latin typeface="+mn-lt"/>
                     <a:ea typeface="+mn-ea"/>
@@ -10518,7 +8833,7 @@
                 <a:lvl4pPr marL="1371600" algn="l" defTabSz="914400" rtl="0" eaLnBrk="1" latinLnBrk="0" hangingPunct="1">
                   <a:defRPr sz="1800" kern="1200">
                     <a:solidFill>
-                      <a:schemeClr val="tx1"/>
+                      <a:schemeClr val="lt1"/>
                     </a:solidFill>
                     <a:latin typeface="+mn-lt"/>
                     <a:ea typeface="+mn-ea"/>
@@ -10528,7 +8843,7 @@
                 <a:lvl5pPr marL="1828800" algn="l" defTabSz="914400" rtl="0" eaLnBrk="1" latinLnBrk="0" hangingPunct="1">
                   <a:defRPr sz="1800" kern="1200">
                     <a:solidFill>
-                      <a:schemeClr val="tx1"/>
+                      <a:schemeClr val="lt1"/>
                     </a:solidFill>
                     <a:latin typeface="+mn-lt"/>
                     <a:ea typeface="+mn-ea"/>
@@ -10538,7 +8853,7 @@
                 <a:lvl6pPr marL="2286000" algn="l" defTabSz="914400" rtl="0" eaLnBrk="1" latinLnBrk="0" hangingPunct="1">
                   <a:defRPr sz="1800" kern="1200">
                     <a:solidFill>
-                      <a:schemeClr val="tx1"/>
+                      <a:schemeClr val="lt1"/>
                     </a:solidFill>
                     <a:latin typeface="+mn-lt"/>
                     <a:ea typeface="+mn-ea"/>
@@ -10548,7 +8863,7 @@
                 <a:lvl7pPr marL="2743200" algn="l" defTabSz="914400" rtl="0" eaLnBrk="1" latinLnBrk="0" hangingPunct="1">
                   <a:defRPr sz="1800" kern="1200">
                     <a:solidFill>
-                      <a:schemeClr val="tx1"/>
+                      <a:schemeClr val="lt1"/>
                     </a:solidFill>
                     <a:latin typeface="+mn-lt"/>
                     <a:ea typeface="+mn-ea"/>
@@ -10558,7 +8873,7 @@
                 <a:lvl8pPr marL="3200400" algn="l" defTabSz="914400" rtl="0" eaLnBrk="1" latinLnBrk="0" hangingPunct="1">
                   <a:defRPr sz="1800" kern="1200">
                     <a:solidFill>
-                      <a:schemeClr val="tx1"/>
+                      <a:schemeClr val="lt1"/>
                     </a:solidFill>
                     <a:latin typeface="+mn-lt"/>
                     <a:ea typeface="+mn-ea"/>
@@ -10568,7 +8883,7 @@
                 <a:lvl9pPr marL="3657600" algn="l" defTabSz="914400" rtl="0" eaLnBrk="1" latinLnBrk="0" hangingPunct="1">
                   <a:defRPr sz="1800" kern="1200">
                     <a:solidFill>
-                      <a:schemeClr val="tx1"/>
+                      <a:schemeClr val="lt1"/>
                     </a:solidFill>
                     <a:latin typeface="+mn-lt"/>
                     <a:ea typeface="+mn-ea"/>
@@ -10577,39 +8892,479 @@
                 </a:lvl9pPr>
               </a:lstStyle>
               <a:p>
-                <a:r>
-                  <a:rPr lang="en-US" altLang="zh-CN" sz="1600" dirty="0">
-                    <a:solidFill>
-                      <a:schemeClr val="accent4">
-                        <a:lumMod val="75000"/>
-                      </a:schemeClr>
-                    </a:solidFill>
-                    <a:latin typeface="Impact" panose="020B0806030902050204" pitchFamily="34" charset="0"/>
-                  </a:rPr>
-                  <a:t>~26</a:t>
-                </a:r>
-                <a:r>
-                  <a:rPr lang="en-US" sz="1600" dirty="0">
-                    <a:solidFill>
-                      <a:schemeClr val="accent4">
-                        <a:lumMod val="75000"/>
-                      </a:schemeClr>
-                    </a:solidFill>
-                    <a:latin typeface="Impact" panose="020B0806030902050204" pitchFamily="34" charset="0"/>
-                  </a:rPr>
-                  <a:t>%</a:t>
-                </a:r>
+                <a:pPr algn="ctr"/>
+                <a:endParaRPr dirty="0"/>
               </a:p>
             </p:txBody>
           </p:sp>
-          <mc:AlternateContent xmlns:mc="http://schemas.openxmlformats.org/markup-compatibility/2006">
-            <mc:Choice xmlns:a14="http://schemas.microsoft.com/office/drawing/2010/main" Requires="a14">
+          <p:sp>
+            <p:nvSpPr>
+              <p:cNvPr id="90" name="ValueShape">
+                <a:extLst>
+                  <a:ext uri="{FF2B5EF4-FFF2-40B4-BE49-F238E27FC236}">
+                    <a16:creationId xmlns:a16="http://schemas.microsoft.com/office/drawing/2014/main" id="{BFF4FD2C-0CC2-4C4D-AF3D-9212EC839E8E}"/>
+                  </a:ext>
+                </a:extLst>
+              </p:cNvPr>
+              <p:cNvSpPr/>
+              <p:nvPr/>
+            </p:nvSpPr>
+            <p:spPr>
+              <a:xfrm rot="15849147">
+                <a:off x="1251512" y="1140048"/>
+                <a:ext cx="2653808" cy="2673095"/>
+              </a:xfrm>
+              <a:prstGeom prst="pie">
+                <a:avLst>
+                  <a:gd name="adj1" fmla="val 1388437"/>
+                  <a:gd name="adj2" fmla="val 7114458"/>
+                </a:avLst>
+              </a:prstGeom>
+              <a:solidFill>
+                <a:schemeClr val="accent4">
+                  <a:lumMod val="75000"/>
+                </a:schemeClr>
+              </a:solidFill>
+              <a:ln w="63500">
+                <a:solidFill>
+                  <a:schemeClr val="bg1"/>
+                </a:solidFill>
+              </a:ln>
+              <a:effectLst/>
+            </p:spPr>
+            <p:style>
+              <a:lnRef idx="2">
+                <a:schemeClr val="accent1">
+                  <a:shade val="50000"/>
+                </a:schemeClr>
+              </a:lnRef>
+              <a:fillRef idx="1">
+                <a:schemeClr val="accent1"/>
+              </a:fillRef>
+              <a:effectRef idx="0">
+                <a:schemeClr val="accent1"/>
+              </a:effectRef>
+              <a:fontRef idx="minor">
+                <a:schemeClr val="lt1"/>
+              </a:fontRef>
+            </p:style>
+            <p:txBody>
+              <a:bodyPr anchor="ctr"/>
+              <a:lstStyle>
+                <a:defPPr>
+                  <a:defRPr lang="zh-CN"/>
+                </a:defPPr>
+                <a:lvl1pPr marL="0" algn="l" defTabSz="914400" rtl="0" eaLnBrk="1" latinLnBrk="0" hangingPunct="1">
+                  <a:defRPr sz="1800" kern="1200">
+                    <a:solidFill>
+                      <a:schemeClr val="lt1"/>
+                    </a:solidFill>
+                    <a:latin typeface="+mn-lt"/>
+                    <a:ea typeface="+mn-ea"/>
+                    <a:cs typeface="+mn-cs"/>
+                  </a:defRPr>
+                </a:lvl1pPr>
+                <a:lvl2pPr marL="457200" algn="l" defTabSz="914400" rtl="0" eaLnBrk="1" latinLnBrk="0" hangingPunct="1">
+                  <a:defRPr sz="1800" kern="1200">
+                    <a:solidFill>
+                      <a:schemeClr val="lt1"/>
+                    </a:solidFill>
+                    <a:latin typeface="+mn-lt"/>
+                    <a:ea typeface="+mn-ea"/>
+                    <a:cs typeface="+mn-cs"/>
+                  </a:defRPr>
+                </a:lvl2pPr>
+                <a:lvl3pPr marL="914400" algn="l" defTabSz="914400" rtl="0" eaLnBrk="1" latinLnBrk="0" hangingPunct="1">
+                  <a:defRPr sz="1800" kern="1200">
+                    <a:solidFill>
+                      <a:schemeClr val="lt1"/>
+                    </a:solidFill>
+                    <a:latin typeface="+mn-lt"/>
+                    <a:ea typeface="+mn-ea"/>
+                    <a:cs typeface="+mn-cs"/>
+                  </a:defRPr>
+                </a:lvl3pPr>
+                <a:lvl4pPr marL="1371600" algn="l" defTabSz="914400" rtl="0" eaLnBrk="1" latinLnBrk="0" hangingPunct="1">
+                  <a:defRPr sz="1800" kern="1200">
+                    <a:solidFill>
+                      <a:schemeClr val="lt1"/>
+                    </a:solidFill>
+                    <a:latin typeface="+mn-lt"/>
+                    <a:ea typeface="+mn-ea"/>
+                    <a:cs typeface="+mn-cs"/>
+                  </a:defRPr>
+                </a:lvl4pPr>
+                <a:lvl5pPr marL="1828800" algn="l" defTabSz="914400" rtl="0" eaLnBrk="1" latinLnBrk="0" hangingPunct="1">
+                  <a:defRPr sz="1800" kern="1200">
+                    <a:solidFill>
+                      <a:schemeClr val="lt1"/>
+                    </a:solidFill>
+                    <a:latin typeface="+mn-lt"/>
+                    <a:ea typeface="+mn-ea"/>
+                    <a:cs typeface="+mn-cs"/>
+                  </a:defRPr>
+                </a:lvl5pPr>
+                <a:lvl6pPr marL="2286000" algn="l" defTabSz="914400" rtl="0" eaLnBrk="1" latinLnBrk="0" hangingPunct="1">
+                  <a:defRPr sz="1800" kern="1200">
+                    <a:solidFill>
+                      <a:schemeClr val="lt1"/>
+                    </a:solidFill>
+                    <a:latin typeface="+mn-lt"/>
+                    <a:ea typeface="+mn-ea"/>
+                    <a:cs typeface="+mn-cs"/>
+                  </a:defRPr>
+                </a:lvl6pPr>
+                <a:lvl7pPr marL="2743200" algn="l" defTabSz="914400" rtl="0" eaLnBrk="1" latinLnBrk="0" hangingPunct="1">
+                  <a:defRPr sz="1800" kern="1200">
+                    <a:solidFill>
+                      <a:schemeClr val="lt1"/>
+                    </a:solidFill>
+                    <a:latin typeface="+mn-lt"/>
+                    <a:ea typeface="+mn-ea"/>
+                    <a:cs typeface="+mn-cs"/>
+                  </a:defRPr>
+                </a:lvl7pPr>
+                <a:lvl8pPr marL="3200400" algn="l" defTabSz="914400" rtl="0" eaLnBrk="1" latinLnBrk="0" hangingPunct="1">
+                  <a:defRPr sz="1800" kern="1200">
+                    <a:solidFill>
+                      <a:schemeClr val="lt1"/>
+                    </a:solidFill>
+                    <a:latin typeface="+mn-lt"/>
+                    <a:ea typeface="+mn-ea"/>
+                    <a:cs typeface="+mn-cs"/>
+                  </a:defRPr>
+                </a:lvl8pPr>
+                <a:lvl9pPr marL="3657600" algn="l" defTabSz="914400" rtl="0" eaLnBrk="1" latinLnBrk="0" hangingPunct="1">
+                  <a:defRPr sz="1800" kern="1200">
+                    <a:solidFill>
+                      <a:schemeClr val="lt1"/>
+                    </a:solidFill>
+                    <a:latin typeface="+mn-lt"/>
+                    <a:ea typeface="+mn-ea"/>
+                    <a:cs typeface="+mn-cs"/>
+                  </a:defRPr>
+                </a:lvl9pPr>
+              </a:lstStyle>
+              <a:p>
+                <a:pPr algn="ctr"/>
+                <a:endParaRPr>
+                  <a:solidFill>
+                    <a:srgbClr val="8A0000"/>
+                  </a:solidFill>
+                </a:endParaRPr>
+              </a:p>
+            </p:txBody>
+          </p:sp>
+          <p:sp>
+            <p:nvSpPr>
+              <p:cNvPr id="43" name="ValueShape">
+                <a:extLst>
+                  <a:ext uri="{FF2B5EF4-FFF2-40B4-BE49-F238E27FC236}">
+                    <a16:creationId xmlns:a16="http://schemas.microsoft.com/office/drawing/2014/main" id="{537E99AC-A775-40C1-A5B9-D63352D6E793}"/>
+                  </a:ext>
+                </a:extLst>
+              </p:cNvPr>
+              <p:cNvSpPr/>
+              <p:nvPr/>
+            </p:nvSpPr>
+            <p:spPr>
+              <a:xfrm rot="8863493">
+                <a:off x="1469531" y="1097535"/>
+                <a:ext cx="2742158" cy="2756400"/>
+              </a:xfrm>
+              <a:prstGeom prst="pie">
+                <a:avLst>
+                  <a:gd name="adj1" fmla="val 14275946"/>
+                  <a:gd name="adj2" fmla="val 16936857"/>
+                </a:avLst>
+              </a:prstGeom>
+              <a:solidFill>
+                <a:srgbClr val="8A0000"/>
+              </a:solidFill>
+              <a:ln w="63500">
+                <a:solidFill>
+                  <a:schemeClr val="bg1"/>
+                </a:solidFill>
+              </a:ln>
+              <a:effectLst/>
+            </p:spPr>
+            <p:style>
+              <a:lnRef idx="2">
+                <a:schemeClr val="accent1">
+                  <a:shade val="50000"/>
+                </a:schemeClr>
+              </a:lnRef>
+              <a:fillRef idx="1">
+                <a:schemeClr val="accent1"/>
+              </a:fillRef>
+              <a:effectRef idx="0">
+                <a:schemeClr val="accent1"/>
+              </a:effectRef>
+              <a:fontRef idx="minor">
+                <a:schemeClr val="lt1"/>
+              </a:fontRef>
+            </p:style>
+            <p:txBody>
+              <a:bodyPr anchor="ctr"/>
+              <a:lstStyle>
+                <a:defPPr>
+                  <a:defRPr lang="zh-CN"/>
+                </a:defPPr>
+                <a:lvl1pPr marL="0" algn="l" defTabSz="914400" rtl="0" eaLnBrk="1" latinLnBrk="0" hangingPunct="1">
+                  <a:defRPr sz="1800" kern="1200">
+                    <a:solidFill>
+                      <a:schemeClr val="lt1"/>
+                    </a:solidFill>
+                    <a:latin typeface="+mn-lt"/>
+                    <a:ea typeface="+mn-ea"/>
+                    <a:cs typeface="+mn-cs"/>
+                  </a:defRPr>
+                </a:lvl1pPr>
+                <a:lvl2pPr marL="457200" algn="l" defTabSz="914400" rtl="0" eaLnBrk="1" latinLnBrk="0" hangingPunct="1">
+                  <a:defRPr sz="1800" kern="1200">
+                    <a:solidFill>
+                      <a:schemeClr val="lt1"/>
+                    </a:solidFill>
+                    <a:latin typeface="+mn-lt"/>
+                    <a:ea typeface="+mn-ea"/>
+                    <a:cs typeface="+mn-cs"/>
+                  </a:defRPr>
+                </a:lvl2pPr>
+                <a:lvl3pPr marL="914400" algn="l" defTabSz="914400" rtl="0" eaLnBrk="1" latinLnBrk="0" hangingPunct="1">
+                  <a:defRPr sz="1800" kern="1200">
+                    <a:solidFill>
+                      <a:schemeClr val="lt1"/>
+                    </a:solidFill>
+                    <a:latin typeface="+mn-lt"/>
+                    <a:ea typeface="+mn-ea"/>
+                    <a:cs typeface="+mn-cs"/>
+                  </a:defRPr>
+                </a:lvl3pPr>
+                <a:lvl4pPr marL="1371600" algn="l" defTabSz="914400" rtl="0" eaLnBrk="1" latinLnBrk="0" hangingPunct="1">
+                  <a:defRPr sz="1800" kern="1200">
+                    <a:solidFill>
+                      <a:schemeClr val="lt1"/>
+                    </a:solidFill>
+                    <a:latin typeface="+mn-lt"/>
+                    <a:ea typeface="+mn-ea"/>
+                    <a:cs typeface="+mn-cs"/>
+                  </a:defRPr>
+                </a:lvl4pPr>
+                <a:lvl5pPr marL="1828800" algn="l" defTabSz="914400" rtl="0" eaLnBrk="1" latinLnBrk="0" hangingPunct="1">
+                  <a:defRPr sz="1800" kern="1200">
+                    <a:solidFill>
+                      <a:schemeClr val="lt1"/>
+                    </a:solidFill>
+                    <a:latin typeface="+mn-lt"/>
+                    <a:ea typeface="+mn-ea"/>
+                    <a:cs typeface="+mn-cs"/>
+                  </a:defRPr>
+                </a:lvl5pPr>
+                <a:lvl6pPr marL="2286000" algn="l" defTabSz="914400" rtl="0" eaLnBrk="1" latinLnBrk="0" hangingPunct="1">
+                  <a:defRPr sz="1800" kern="1200">
+                    <a:solidFill>
+                      <a:schemeClr val="lt1"/>
+                    </a:solidFill>
+                    <a:latin typeface="+mn-lt"/>
+                    <a:ea typeface="+mn-ea"/>
+                    <a:cs typeface="+mn-cs"/>
+                  </a:defRPr>
+                </a:lvl6pPr>
+                <a:lvl7pPr marL="2743200" algn="l" defTabSz="914400" rtl="0" eaLnBrk="1" latinLnBrk="0" hangingPunct="1">
+                  <a:defRPr sz="1800" kern="1200">
+                    <a:solidFill>
+                      <a:schemeClr val="lt1"/>
+                    </a:solidFill>
+                    <a:latin typeface="+mn-lt"/>
+                    <a:ea typeface="+mn-ea"/>
+                    <a:cs typeface="+mn-cs"/>
+                  </a:defRPr>
+                </a:lvl7pPr>
+                <a:lvl8pPr marL="3200400" algn="l" defTabSz="914400" rtl="0" eaLnBrk="1" latinLnBrk="0" hangingPunct="1">
+                  <a:defRPr sz="1800" kern="1200">
+                    <a:solidFill>
+                      <a:schemeClr val="lt1"/>
+                    </a:solidFill>
+                    <a:latin typeface="+mn-lt"/>
+                    <a:ea typeface="+mn-ea"/>
+                    <a:cs typeface="+mn-cs"/>
+                  </a:defRPr>
+                </a:lvl8pPr>
+                <a:lvl9pPr marL="3657600" algn="l" defTabSz="914400" rtl="0" eaLnBrk="1" latinLnBrk="0" hangingPunct="1">
+                  <a:defRPr sz="1800" kern="1200">
+                    <a:solidFill>
+                      <a:schemeClr val="lt1"/>
+                    </a:solidFill>
+                    <a:latin typeface="+mn-lt"/>
+                    <a:ea typeface="+mn-ea"/>
+                    <a:cs typeface="+mn-cs"/>
+                  </a:defRPr>
+                </a:lvl9pPr>
+              </a:lstStyle>
+              <a:p>
+                <a:pPr algn="ctr"/>
+                <a:endParaRPr>
+                  <a:solidFill>
+                    <a:srgbClr val="8A0000"/>
+                  </a:solidFill>
+                </a:endParaRPr>
+              </a:p>
+            </p:txBody>
+          </p:sp>
+          <p:sp>
+            <p:nvSpPr>
+              <p:cNvPr id="44" name="BackShape">
+                <a:extLst>
+                  <a:ext uri="{FF2B5EF4-FFF2-40B4-BE49-F238E27FC236}">
+                    <a16:creationId xmlns:a16="http://schemas.microsoft.com/office/drawing/2014/main" id="{5669DBD7-EF5C-4A26-9C43-0E70DF21BA68}"/>
+                  </a:ext>
+                </a:extLst>
+              </p:cNvPr>
+              <p:cNvSpPr/>
+              <p:nvPr/>
+            </p:nvSpPr>
+            <p:spPr>
+              <a:xfrm>
+                <a:off x="1901787" y="1601711"/>
+                <a:ext cx="1600662" cy="1629552"/>
+              </a:xfrm>
+              <a:prstGeom prst="ellipse">
+                <a:avLst/>
+              </a:prstGeom>
+              <a:solidFill>
+                <a:schemeClr val="bg1"/>
+              </a:solidFill>
+              <a:ln>
+                <a:noFill/>
+              </a:ln>
+            </p:spPr>
+            <p:style>
+              <a:lnRef idx="2">
+                <a:schemeClr val="accent1">
+                  <a:shade val="50000"/>
+                </a:schemeClr>
+              </a:lnRef>
+              <a:fillRef idx="1">
+                <a:schemeClr val="accent1"/>
+              </a:fillRef>
+              <a:effectRef idx="0">
+                <a:schemeClr val="accent1"/>
+              </a:effectRef>
+              <a:fontRef idx="minor">
+                <a:schemeClr val="lt1"/>
+              </a:fontRef>
+            </p:style>
+            <p:txBody>
+              <a:bodyPr anchor="ctr"/>
+              <a:lstStyle>
+                <a:defPPr>
+                  <a:defRPr lang="zh-CN"/>
+                </a:defPPr>
+                <a:lvl1pPr marL="0" algn="l" defTabSz="914400" rtl="0" eaLnBrk="1" latinLnBrk="0" hangingPunct="1">
+                  <a:defRPr sz="1800" kern="1200">
+                    <a:solidFill>
+                      <a:schemeClr val="lt1"/>
+                    </a:solidFill>
+                    <a:latin typeface="+mn-lt"/>
+                    <a:ea typeface="+mn-ea"/>
+                    <a:cs typeface="+mn-cs"/>
+                  </a:defRPr>
+                </a:lvl1pPr>
+                <a:lvl2pPr marL="457200" algn="l" defTabSz="914400" rtl="0" eaLnBrk="1" latinLnBrk="0" hangingPunct="1">
+                  <a:defRPr sz="1800" kern="1200">
+                    <a:solidFill>
+                      <a:schemeClr val="lt1"/>
+                    </a:solidFill>
+                    <a:latin typeface="+mn-lt"/>
+                    <a:ea typeface="+mn-ea"/>
+                    <a:cs typeface="+mn-cs"/>
+                  </a:defRPr>
+                </a:lvl2pPr>
+                <a:lvl3pPr marL="914400" algn="l" defTabSz="914400" rtl="0" eaLnBrk="1" latinLnBrk="0" hangingPunct="1">
+                  <a:defRPr sz="1800" kern="1200">
+                    <a:solidFill>
+                      <a:schemeClr val="lt1"/>
+                    </a:solidFill>
+                    <a:latin typeface="+mn-lt"/>
+                    <a:ea typeface="+mn-ea"/>
+                    <a:cs typeface="+mn-cs"/>
+                  </a:defRPr>
+                </a:lvl3pPr>
+                <a:lvl4pPr marL="1371600" algn="l" defTabSz="914400" rtl="0" eaLnBrk="1" latinLnBrk="0" hangingPunct="1">
+                  <a:defRPr sz="1800" kern="1200">
+                    <a:solidFill>
+                      <a:schemeClr val="lt1"/>
+                    </a:solidFill>
+                    <a:latin typeface="+mn-lt"/>
+                    <a:ea typeface="+mn-ea"/>
+                    <a:cs typeface="+mn-cs"/>
+                  </a:defRPr>
+                </a:lvl4pPr>
+                <a:lvl5pPr marL="1828800" algn="l" defTabSz="914400" rtl="0" eaLnBrk="1" latinLnBrk="0" hangingPunct="1">
+                  <a:defRPr sz="1800" kern="1200">
+                    <a:solidFill>
+                      <a:schemeClr val="lt1"/>
+                    </a:solidFill>
+                    <a:latin typeface="+mn-lt"/>
+                    <a:ea typeface="+mn-ea"/>
+                    <a:cs typeface="+mn-cs"/>
+                  </a:defRPr>
+                </a:lvl5pPr>
+                <a:lvl6pPr marL="2286000" algn="l" defTabSz="914400" rtl="0" eaLnBrk="1" latinLnBrk="0" hangingPunct="1">
+                  <a:defRPr sz="1800" kern="1200">
+                    <a:solidFill>
+                      <a:schemeClr val="lt1"/>
+                    </a:solidFill>
+                    <a:latin typeface="+mn-lt"/>
+                    <a:ea typeface="+mn-ea"/>
+                    <a:cs typeface="+mn-cs"/>
+                  </a:defRPr>
+                </a:lvl6pPr>
+                <a:lvl7pPr marL="2743200" algn="l" defTabSz="914400" rtl="0" eaLnBrk="1" latinLnBrk="0" hangingPunct="1">
+                  <a:defRPr sz="1800" kern="1200">
+                    <a:solidFill>
+                      <a:schemeClr val="lt1"/>
+                    </a:solidFill>
+                    <a:latin typeface="+mn-lt"/>
+                    <a:ea typeface="+mn-ea"/>
+                    <a:cs typeface="+mn-cs"/>
+                  </a:defRPr>
+                </a:lvl7pPr>
+                <a:lvl8pPr marL="3200400" algn="l" defTabSz="914400" rtl="0" eaLnBrk="1" latinLnBrk="0" hangingPunct="1">
+                  <a:defRPr sz="1800" kern="1200">
+                    <a:solidFill>
+                      <a:schemeClr val="lt1"/>
+                    </a:solidFill>
+                    <a:latin typeface="+mn-lt"/>
+                    <a:ea typeface="+mn-ea"/>
+                    <a:cs typeface="+mn-cs"/>
+                  </a:defRPr>
+                </a:lvl8pPr>
+                <a:lvl9pPr marL="3657600" algn="l" defTabSz="914400" rtl="0" eaLnBrk="1" latinLnBrk="0" hangingPunct="1">
+                  <a:defRPr sz="1800" kern="1200">
+                    <a:solidFill>
+                      <a:schemeClr val="lt1"/>
+                    </a:solidFill>
+                    <a:latin typeface="+mn-lt"/>
+                    <a:ea typeface="+mn-ea"/>
+                    <a:cs typeface="+mn-cs"/>
+                  </a:defRPr>
+                </a:lvl9pPr>
+              </a:lstStyle>
+              <a:p>
+                <a:pPr algn="ctr"/>
+                <a:endParaRPr/>
+              </a:p>
+            </p:txBody>
+          </p:sp>
+          <mc:AlternateContent xmlns:mc="http://schemas.openxmlformats.org/markup-compatibility/2006" xmlns:a14="http://schemas.microsoft.com/office/drawing/2010/main">
+            <mc:Choice Requires="a14">
               <p:sp>
                 <p:nvSpPr>
-                  <p:cNvPr id="93" name="CustomText">
+                  <p:cNvPr id="75" name="CustomText">
                     <a:extLst>
                       <a:ext uri="{FF2B5EF4-FFF2-40B4-BE49-F238E27FC236}">
-                        <a16:creationId xmlns:a16="http://schemas.microsoft.com/office/drawing/2014/main" id="{4202C540-3152-4819-9BE4-65A52D90E196}"/>
+                        <a16:creationId xmlns:a16="http://schemas.microsoft.com/office/drawing/2014/main" id="{2606360F-D138-482B-BF84-121B651521D6}"/>
                       </a:ext>
                     </a:extLst>
                   </p:cNvPr>
@@ -10618,8 +9373,8 @@
                 </p:nvSpPr>
                 <p:spPr>
                   <a:xfrm flipH="1">
-                    <a:off x="349803" y="1513691"/>
-                    <a:ext cx="1997059" cy="492258"/>
+                    <a:off x="2329360" y="2676202"/>
+                    <a:ext cx="732625" cy="513295"/>
                   </a:xfrm>
                   <a:prstGeom prst="rect">
                     <a:avLst/>
@@ -10733,53 +9488,22 @@
                           <m:jc m:val="centerGroup"/>
                         </m:oMathParaPr>
                         <m:oMath xmlns:m="http://schemas.openxmlformats.org/officeDocument/2006/math">
-                          <m:sSub>
-                            <m:sSubPr>
-                              <m:ctrlPr>
-                                <a:rPr lang="en-US" altLang="zh-CN" sz="2800" b="1" i="1" smtClean="0">
-                                  <a:solidFill>
-                                    <a:schemeClr val="tx1">
-                                      <a:lumMod val="85000"/>
-                                      <a:lumOff val="15000"/>
-                                    </a:schemeClr>
-                                  </a:solidFill>
-                                  <a:latin typeface="Cambria Math" panose="02040503050406030204" pitchFamily="18" charset="0"/>
-                                </a:rPr>
-                              </m:ctrlPr>
-                            </m:sSubPr>
-                            <m:e>
-                              <m:r>
-                                <a:rPr lang="en-US" altLang="zh-CN" sz="2800" b="1" i="1" smtClean="0">
-                                  <a:solidFill>
-                                    <a:schemeClr val="tx1">
-                                      <a:lumMod val="85000"/>
-                                      <a:lumOff val="15000"/>
-                                    </a:schemeClr>
-                                  </a:solidFill>
-                                  <a:latin typeface="Cambria Math" panose="02040503050406030204" pitchFamily="18" charset="0"/>
-                                </a:rPr>
-                                <m:t>𝒀</m:t>
-                              </m:r>
-                            </m:e>
-                            <m:sub>
-                              <m:r>
-                                <a:rPr lang="en-US" altLang="zh-CN" sz="2800" b="1" i="1" smtClean="0">
-                                  <a:solidFill>
-                                    <a:schemeClr val="tx1">
-                                      <a:lumMod val="85000"/>
-                                      <a:lumOff val="15000"/>
-                                    </a:schemeClr>
-                                  </a:solidFill>
-                                  <a:latin typeface="Cambria Math" panose="02040503050406030204" pitchFamily="18" charset="0"/>
-                                </a:rPr>
-                                <m:t>𝑪</m:t>
-                              </m:r>
-                            </m:sub>
-                          </m:sSub>
+                          <m:r>
+                            <a:rPr lang="en-US" altLang="zh-CN" sz="2800" b="1" i="1" smtClean="0">
+                              <a:solidFill>
+                                <a:schemeClr val="tx1">
+                                  <a:lumMod val="85000"/>
+                                  <a:lumOff val="15000"/>
+                                </a:schemeClr>
+                              </a:solidFill>
+                              <a:latin typeface="Cambria Math" panose="02040503050406030204" pitchFamily="18" charset="0"/>
+                            </a:rPr>
+                            <m:t>𝒀</m:t>
+                          </m:r>
                         </m:oMath>
                       </m:oMathPara>
                     </a14:m>
-                    <a:endParaRPr lang="en-US" altLang="zh-CN" sz="2800" b="1" dirty="0">
+                    <a:endParaRPr lang="en-US" altLang="zh-CN" sz="2400" b="1" dirty="0">
                       <a:solidFill>
                         <a:schemeClr val="tx1">
                           <a:lumMod val="85000"/>
@@ -10791,13 +9515,13 @@
                 </p:txBody>
               </p:sp>
             </mc:Choice>
-            <mc:Fallback>
+            <mc:Fallback xmlns="">
               <p:sp>
                 <p:nvSpPr>
-                  <p:cNvPr id="93" name="CustomText">
+                  <p:cNvPr id="75" name="CustomText">
                     <a:extLst>
                       <a:ext uri="{FF2B5EF4-FFF2-40B4-BE49-F238E27FC236}">
-                        <a16:creationId xmlns:a16="http://schemas.microsoft.com/office/drawing/2014/main" id="{4202C540-3152-4819-9BE4-65A52D90E196}"/>
+                        <a16:creationId xmlns:a16="http://schemas.microsoft.com/office/drawing/2014/main" id="{2606360F-D138-482B-BF84-121B651521D6}"/>
                       </a:ext>
                     </a:extLst>
                   </p:cNvPr>
@@ -10808,14 +9532,14 @@
                 </p:nvSpPr>
                 <p:spPr>
                   <a:xfrm flipH="1">
-                    <a:off x="349803" y="1513691"/>
-                    <a:ext cx="1997059" cy="492258"/>
+                    <a:off x="2329360" y="2676202"/>
+                    <a:ext cx="732625" cy="513295"/>
                   </a:xfrm>
                   <a:prstGeom prst="rect">
                     <a:avLst/>
                   </a:prstGeom>
                   <a:blipFill>
-                    <a:blip r:embed="rId11"/>
+                    <a:blip r:embed="rId10"/>
                     <a:stretch>
                       <a:fillRect/>
                     </a:stretch>
@@ -10836,7 +9560,1088 @@
               </p:sp>
             </mc:Fallback>
           </mc:AlternateContent>
+          <p:sp>
+            <p:nvSpPr>
+              <p:cNvPr id="47" name="delete-folder_71049">
+                <a:extLst>
+                  <a:ext uri="{FF2B5EF4-FFF2-40B4-BE49-F238E27FC236}">
+                    <a16:creationId xmlns:a16="http://schemas.microsoft.com/office/drawing/2014/main" id="{0B0C2B40-A035-419D-BAD3-7A8FB23A32A7}"/>
+                  </a:ext>
+                </a:extLst>
+              </p:cNvPr>
+              <p:cNvSpPr>
+                <a:spLocks noChangeAspect="1"/>
+              </p:cNvSpPr>
+              <p:nvPr/>
+            </p:nvSpPr>
+            <p:spPr bwMode="auto">
+              <a:xfrm>
+                <a:off x="2230608" y="1884949"/>
+                <a:ext cx="907968" cy="792051"/>
+              </a:xfrm>
+              <a:custGeom>
+                <a:avLst/>
+                <a:gdLst>
+                  <a:gd name="connsiteX0" fmla="*/ 515246 w 605374"/>
+                  <a:gd name="connsiteY0" fmla="*/ 356920 h 518727"/>
+                  <a:gd name="connsiteX1" fmla="*/ 523730 w 605374"/>
+                  <a:gd name="connsiteY1" fmla="*/ 365476 h 518727"/>
+                  <a:gd name="connsiteX2" fmla="*/ 523730 w 605374"/>
+                  <a:gd name="connsiteY2" fmla="*/ 440311 h 518727"/>
+                  <a:gd name="connsiteX3" fmla="*/ 515246 w 605374"/>
+                  <a:gd name="connsiteY3" fmla="*/ 448867 h 518727"/>
+                  <a:gd name="connsiteX4" fmla="*/ 506653 w 605374"/>
+                  <a:gd name="connsiteY4" fmla="*/ 440311 h 518727"/>
+                  <a:gd name="connsiteX5" fmla="*/ 506653 w 605374"/>
+                  <a:gd name="connsiteY5" fmla="*/ 365476 h 518727"/>
+                  <a:gd name="connsiteX6" fmla="*/ 515246 w 605374"/>
+                  <a:gd name="connsiteY6" fmla="*/ 356920 h 518727"/>
+                  <a:gd name="connsiteX7" fmla="*/ 462107 w 605374"/>
+                  <a:gd name="connsiteY7" fmla="*/ 356920 h 518727"/>
+                  <a:gd name="connsiteX8" fmla="*/ 470664 w 605374"/>
+                  <a:gd name="connsiteY8" fmla="*/ 365476 h 518727"/>
+                  <a:gd name="connsiteX9" fmla="*/ 470664 w 605374"/>
+                  <a:gd name="connsiteY9" fmla="*/ 440311 h 518727"/>
+                  <a:gd name="connsiteX10" fmla="*/ 462107 w 605374"/>
+                  <a:gd name="connsiteY10" fmla="*/ 448867 h 518727"/>
+                  <a:gd name="connsiteX11" fmla="*/ 453658 w 605374"/>
+                  <a:gd name="connsiteY11" fmla="*/ 440311 h 518727"/>
+                  <a:gd name="connsiteX12" fmla="*/ 453658 w 605374"/>
+                  <a:gd name="connsiteY12" fmla="*/ 365476 h 518727"/>
+                  <a:gd name="connsiteX13" fmla="*/ 462107 w 605374"/>
+                  <a:gd name="connsiteY13" fmla="*/ 356920 h 518727"/>
+                  <a:gd name="connsiteX14" fmla="*/ 480962 w 605374"/>
+                  <a:gd name="connsiteY14" fmla="*/ 282333 h 518727"/>
+                  <a:gd name="connsiteX15" fmla="*/ 496356 w 605374"/>
+                  <a:gd name="connsiteY15" fmla="*/ 282333 h 518727"/>
+                  <a:gd name="connsiteX16" fmla="*/ 503619 w 605374"/>
+                  <a:gd name="connsiteY16" fmla="*/ 288472 h 518727"/>
+                  <a:gd name="connsiteX17" fmla="*/ 473699 w 605374"/>
+                  <a:gd name="connsiteY17" fmla="*/ 288472 h 518727"/>
+                  <a:gd name="connsiteX18" fmla="*/ 480962 w 605374"/>
+                  <a:gd name="connsiteY18" fmla="*/ 282333 h 518727"/>
+                  <a:gd name="connsiteX19" fmla="*/ 480978 w 605374"/>
+                  <a:gd name="connsiteY19" fmla="*/ 268244 h 518727"/>
+                  <a:gd name="connsiteX20" fmla="*/ 459396 w 605374"/>
+                  <a:gd name="connsiteY20" fmla="*/ 288494 h 518727"/>
+                  <a:gd name="connsiteX21" fmla="*/ 433150 w 605374"/>
+                  <a:gd name="connsiteY21" fmla="*/ 288494 h 518727"/>
+                  <a:gd name="connsiteX22" fmla="*/ 405820 w 605374"/>
+                  <a:gd name="connsiteY22" fmla="*/ 315893 h 518727"/>
+                  <a:gd name="connsiteX23" fmla="*/ 405820 w 605374"/>
+                  <a:gd name="connsiteY23" fmla="*/ 330404 h 518727"/>
+                  <a:gd name="connsiteX24" fmla="*/ 411893 w 605374"/>
+                  <a:gd name="connsiteY24" fmla="*/ 336469 h 518727"/>
+                  <a:gd name="connsiteX25" fmla="*/ 423823 w 605374"/>
+                  <a:gd name="connsiteY25" fmla="*/ 336469 h 518727"/>
+                  <a:gd name="connsiteX26" fmla="*/ 423823 w 605374"/>
+                  <a:gd name="connsiteY26" fmla="*/ 469562 h 518727"/>
+                  <a:gd name="connsiteX27" fmla="*/ 436946 w 605374"/>
+                  <a:gd name="connsiteY27" fmla="*/ 482665 h 518727"/>
+                  <a:gd name="connsiteX28" fmla="*/ 540411 w 605374"/>
+                  <a:gd name="connsiteY28" fmla="*/ 482665 h 518727"/>
+                  <a:gd name="connsiteX29" fmla="*/ 553533 w 605374"/>
+                  <a:gd name="connsiteY29" fmla="*/ 469562 h 518727"/>
+                  <a:gd name="connsiteX30" fmla="*/ 553533 w 605374"/>
+                  <a:gd name="connsiteY30" fmla="*/ 336469 h 518727"/>
+                  <a:gd name="connsiteX31" fmla="*/ 565463 w 605374"/>
+                  <a:gd name="connsiteY31" fmla="*/ 336469 h 518727"/>
+                  <a:gd name="connsiteX32" fmla="*/ 571645 w 605374"/>
+                  <a:gd name="connsiteY32" fmla="*/ 330404 h 518727"/>
+                  <a:gd name="connsiteX33" fmla="*/ 571645 w 605374"/>
+                  <a:gd name="connsiteY33" fmla="*/ 315893 h 518727"/>
+                  <a:gd name="connsiteX34" fmla="*/ 544206 w 605374"/>
+                  <a:gd name="connsiteY34" fmla="*/ 288494 h 518727"/>
+                  <a:gd name="connsiteX35" fmla="*/ 517961 w 605374"/>
+                  <a:gd name="connsiteY35" fmla="*/ 288494 h 518727"/>
+                  <a:gd name="connsiteX36" fmla="*/ 496378 w 605374"/>
+                  <a:gd name="connsiteY36" fmla="*/ 268244 h 518727"/>
+                  <a:gd name="connsiteX37" fmla="*/ 353653 w 605374"/>
+                  <a:gd name="connsiteY37" fmla="*/ 43751 h 518727"/>
+                  <a:gd name="connsiteX38" fmla="*/ 311465 w 605374"/>
+                  <a:gd name="connsiteY38" fmla="*/ 60644 h 518727"/>
+                  <a:gd name="connsiteX39" fmla="*/ 251382 w 605374"/>
+                  <a:gd name="connsiteY39" fmla="*/ 84469 h 518727"/>
+                  <a:gd name="connsiteX40" fmla="*/ 94124 w 605374"/>
+                  <a:gd name="connsiteY40" fmla="*/ 84469 h 518727"/>
+                  <a:gd name="connsiteX41" fmla="*/ 78182 w 605374"/>
+                  <a:gd name="connsiteY41" fmla="*/ 98872 h 518727"/>
+                  <a:gd name="connsiteX42" fmla="*/ 78182 w 605374"/>
+                  <a:gd name="connsiteY42" fmla="*/ 142623 h 518727"/>
+                  <a:gd name="connsiteX43" fmla="*/ 485750 w 605374"/>
+                  <a:gd name="connsiteY43" fmla="*/ 142623 h 518727"/>
+                  <a:gd name="connsiteX44" fmla="*/ 485750 w 605374"/>
+                  <a:gd name="connsiteY44" fmla="*/ 66926 h 518727"/>
+                  <a:gd name="connsiteX45" fmla="*/ 462541 w 605374"/>
+                  <a:gd name="connsiteY45" fmla="*/ 43751 h 518727"/>
+                  <a:gd name="connsiteX46" fmla="*/ 353653 w 605374"/>
+                  <a:gd name="connsiteY46" fmla="*/ 0 h 518727"/>
+                  <a:gd name="connsiteX47" fmla="*/ 462541 w 605374"/>
+                  <a:gd name="connsiteY47" fmla="*/ 0 h 518727"/>
+                  <a:gd name="connsiteX48" fmla="*/ 529565 w 605374"/>
+                  <a:gd name="connsiteY48" fmla="*/ 66926 h 518727"/>
+                  <a:gd name="connsiteX49" fmla="*/ 529565 w 605374"/>
+                  <a:gd name="connsiteY49" fmla="*/ 142623 h 518727"/>
+                  <a:gd name="connsiteX50" fmla="*/ 555160 w 605374"/>
+                  <a:gd name="connsiteY50" fmla="*/ 155185 h 518727"/>
+                  <a:gd name="connsiteX51" fmla="*/ 563511 w 605374"/>
+                  <a:gd name="connsiteY51" fmla="*/ 184316 h 518727"/>
+                  <a:gd name="connsiteX52" fmla="*/ 553317 w 605374"/>
+                  <a:gd name="connsiteY52" fmla="*/ 253516 h 518727"/>
+                  <a:gd name="connsiteX53" fmla="*/ 605374 w 605374"/>
+                  <a:gd name="connsiteY53" fmla="*/ 315893 h 518727"/>
+                  <a:gd name="connsiteX54" fmla="*/ 605374 w 605374"/>
+                  <a:gd name="connsiteY54" fmla="*/ 330404 h 518727"/>
+                  <a:gd name="connsiteX55" fmla="*/ 587371 w 605374"/>
+                  <a:gd name="connsiteY55" fmla="*/ 365058 h 518727"/>
+                  <a:gd name="connsiteX56" fmla="*/ 587371 w 605374"/>
+                  <a:gd name="connsiteY56" fmla="*/ 469562 h 518727"/>
+                  <a:gd name="connsiteX57" fmla="*/ 538025 w 605374"/>
+                  <a:gd name="connsiteY57" fmla="*/ 518727 h 518727"/>
+                  <a:gd name="connsiteX58" fmla="*/ 434668 w 605374"/>
+                  <a:gd name="connsiteY58" fmla="*/ 518727 h 518727"/>
+                  <a:gd name="connsiteX59" fmla="*/ 405928 w 605374"/>
+                  <a:gd name="connsiteY59" fmla="*/ 509522 h 518727"/>
+                  <a:gd name="connsiteX60" fmla="*/ 80025 w 605374"/>
+                  <a:gd name="connsiteY60" fmla="*/ 509522 h 518727"/>
+                  <a:gd name="connsiteX61" fmla="*/ 44019 w 605374"/>
+                  <a:gd name="connsiteY61" fmla="*/ 478550 h 518727"/>
+                  <a:gd name="connsiteX62" fmla="*/ 421 w 605374"/>
+                  <a:gd name="connsiteY62" fmla="*/ 184316 h 518727"/>
+                  <a:gd name="connsiteX63" fmla="*/ 8772 w 605374"/>
+                  <a:gd name="connsiteY63" fmla="*/ 155185 h 518727"/>
+                  <a:gd name="connsiteX64" fmla="*/ 34367 w 605374"/>
+                  <a:gd name="connsiteY64" fmla="*/ 142623 h 518727"/>
+                  <a:gd name="connsiteX65" fmla="*/ 34367 w 605374"/>
+                  <a:gd name="connsiteY65" fmla="*/ 98872 h 518727"/>
+                  <a:gd name="connsiteX66" fmla="*/ 94124 w 605374"/>
+                  <a:gd name="connsiteY66" fmla="*/ 40718 h 518727"/>
+                  <a:gd name="connsiteX67" fmla="*/ 251490 w 605374"/>
+                  <a:gd name="connsiteY67" fmla="*/ 40718 h 518727"/>
+                  <a:gd name="connsiteX68" fmla="*/ 284135 w 605374"/>
+                  <a:gd name="connsiteY68" fmla="*/ 26424 h 518727"/>
+                  <a:gd name="connsiteX69" fmla="*/ 353653 w 605374"/>
+                  <a:gd name="connsiteY69" fmla="*/ 0 h 518727"/>
+                </a:gdLst>
+                <a:ahLst/>
+                <a:cxnLst>
+                  <a:cxn ang="0">
+                    <a:pos x="connsiteX0" y="connsiteY0"/>
+                  </a:cxn>
+                  <a:cxn ang="0">
+                    <a:pos x="connsiteX1" y="connsiteY1"/>
+                  </a:cxn>
+                  <a:cxn ang="0">
+                    <a:pos x="connsiteX2" y="connsiteY2"/>
+                  </a:cxn>
+                  <a:cxn ang="0">
+                    <a:pos x="connsiteX3" y="connsiteY3"/>
+                  </a:cxn>
+                  <a:cxn ang="0">
+                    <a:pos x="connsiteX4" y="connsiteY4"/>
+                  </a:cxn>
+                  <a:cxn ang="0">
+                    <a:pos x="connsiteX5" y="connsiteY5"/>
+                  </a:cxn>
+                  <a:cxn ang="0">
+                    <a:pos x="connsiteX6" y="connsiteY6"/>
+                  </a:cxn>
+                  <a:cxn ang="0">
+                    <a:pos x="connsiteX7" y="connsiteY7"/>
+                  </a:cxn>
+                  <a:cxn ang="0">
+                    <a:pos x="connsiteX8" y="connsiteY8"/>
+                  </a:cxn>
+                  <a:cxn ang="0">
+                    <a:pos x="connsiteX9" y="connsiteY9"/>
+                  </a:cxn>
+                  <a:cxn ang="0">
+                    <a:pos x="connsiteX10" y="connsiteY10"/>
+                  </a:cxn>
+                  <a:cxn ang="0">
+                    <a:pos x="connsiteX11" y="connsiteY11"/>
+                  </a:cxn>
+                  <a:cxn ang="0">
+                    <a:pos x="connsiteX12" y="connsiteY12"/>
+                  </a:cxn>
+                  <a:cxn ang="0">
+                    <a:pos x="connsiteX13" y="connsiteY13"/>
+                  </a:cxn>
+                  <a:cxn ang="0">
+                    <a:pos x="connsiteX14" y="connsiteY14"/>
+                  </a:cxn>
+                  <a:cxn ang="0">
+                    <a:pos x="connsiteX15" y="connsiteY15"/>
+                  </a:cxn>
+                  <a:cxn ang="0">
+                    <a:pos x="connsiteX16" y="connsiteY16"/>
+                  </a:cxn>
+                  <a:cxn ang="0">
+                    <a:pos x="connsiteX17" y="connsiteY17"/>
+                  </a:cxn>
+                  <a:cxn ang="0">
+                    <a:pos x="connsiteX18" y="connsiteY18"/>
+                  </a:cxn>
+                  <a:cxn ang="0">
+                    <a:pos x="connsiteX19" y="connsiteY19"/>
+                  </a:cxn>
+                  <a:cxn ang="0">
+                    <a:pos x="connsiteX20" y="connsiteY20"/>
+                  </a:cxn>
+                  <a:cxn ang="0">
+                    <a:pos x="connsiteX21" y="connsiteY21"/>
+                  </a:cxn>
+                  <a:cxn ang="0">
+                    <a:pos x="connsiteX22" y="connsiteY22"/>
+                  </a:cxn>
+                  <a:cxn ang="0">
+                    <a:pos x="connsiteX23" y="connsiteY23"/>
+                  </a:cxn>
+                  <a:cxn ang="0">
+                    <a:pos x="connsiteX24" y="connsiteY24"/>
+                  </a:cxn>
+                  <a:cxn ang="0">
+                    <a:pos x="connsiteX25" y="connsiteY25"/>
+                  </a:cxn>
+                  <a:cxn ang="0">
+                    <a:pos x="connsiteX26" y="connsiteY26"/>
+                  </a:cxn>
+                  <a:cxn ang="0">
+                    <a:pos x="connsiteX27" y="connsiteY27"/>
+                  </a:cxn>
+                  <a:cxn ang="0">
+                    <a:pos x="connsiteX28" y="connsiteY28"/>
+                  </a:cxn>
+                  <a:cxn ang="0">
+                    <a:pos x="connsiteX29" y="connsiteY29"/>
+                  </a:cxn>
+                  <a:cxn ang="0">
+                    <a:pos x="connsiteX30" y="connsiteY30"/>
+                  </a:cxn>
+                  <a:cxn ang="0">
+                    <a:pos x="connsiteX31" y="connsiteY31"/>
+                  </a:cxn>
+                  <a:cxn ang="0">
+                    <a:pos x="connsiteX32" y="connsiteY32"/>
+                  </a:cxn>
+                  <a:cxn ang="0">
+                    <a:pos x="connsiteX33" y="connsiteY33"/>
+                  </a:cxn>
+                  <a:cxn ang="0">
+                    <a:pos x="connsiteX34" y="connsiteY34"/>
+                  </a:cxn>
+                  <a:cxn ang="0">
+                    <a:pos x="connsiteX35" y="connsiteY35"/>
+                  </a:cxn>
+                  <a:cxn ang="0">
+                    <a:pos x="connsiteX36" y="connsiteY36"/>
+                  </a:cxn>
+                  <a:cxn ang="0">
+                    <a:pos x="connsiteX37" y="connsiteY37"/>
+                  </a:cxn>
+                  <a:cxn ang="0">
+                    <a:pos x="connsiteX38" y="connsiteY38"/>
+                  </a:cxn>
+                  <a:cxn ang="0">
+                    <a:pos x="connsiteX39" y="connsiteY39"/>
+                  </a:cxn>
+                  <a:cxn ang="0">
+                    <a:pos x="connsiteX40" y="connsiteY40"/>
+                  </a:cxn>
+                  <a:cxn ang="0">
+                    <a:pos x="connsiteX41" y="connsiteY41"/>
+                  </a:cxn>
+                  <a:cxn ang="0">
+                    <a:pos x="connsiteX42" y="connsiteY42"/>
+                  </a:cxn>
+                  <a:cxn ang="0">
+                    <a:pos x="connsiteX43" y="connsiteY43"/>
+                  </a:cxn>
+                  <a:cxn ang="0">
+                    <a:pos x="connsiteX44" y="connsiteY44"/>
+                  </a:cxn>
+                  <a:cxn ang="0">
+                    <a:pos x="connsiteX45" y="connsiteY45"/>
+                  </a:cxn>
+                  <a:cxn ang="0">
+                    <a:pos x="connsiteX46" y="connsiteY46"/>
+                  </a:cxn>
+                  <a:cxn ang="0">
+                    <a:pos x="connsiteX47" y="connsiteY47"/>
+                  </a:cxn>
+                  <a:cxn ang="0">
+                    <a:pos x="connsiteX48" y="connsiteY48"/>
+                  </a:cxn>
+                  <a:cxn ang="0">
+                    <a:pos x="connsiteX49" y="connsiteY49"/>
+                  </a:cxn>
+                  <a:cxn ang="0">
+                    <a:pos x="connsiteX50" y="connsiteY50"/>
+                  </a:cxn>
+                  <a:cxn ang="0">
+                    <a:pos x="connsiteX51" y="connsiteY51"/>
+                  </a:cxn>
+                  <a:cxn ang="0">
+                    <a:pos x="connsiteX52" y="connsiteY52"/>
+                  </a:cxn>
+                  <a:cxn ang="0">
+                    <a:pos x="connsiteX53" y="connsiteY53"/>
+                  </a:cxn>
+                  <a:cxn ang="0">
+                    <a:pos x="connsiteX54" y="connsiteY54"/>
+                  </a:cxn>
+                  <a:cxn ang="0">
+                    <a:pos x="connsiteX55" y="connsiteY55"/>
+                  </a:cxn>
+                  <a:cxn ang="0">
+                    <a:pos x="connsiteX56" y="connsiteY56"/>
+                  </a:cxn>
+                  <a:cxn ang="0">
+                    <a:pos x="connsiteX57" y="connsiteY57"/>
+                  </a:cxn>
+                  <a:cxn ang="0">
+                    <a:pos x="connsiteX58" y="connsiteY58"/>
+                  </a:cxn>
+                  <a:cxn ang="0">
+                    <a:pos x="connsiteX59" y="connsiteY59"/>
+                  </a:cxn>
+                  <a:cxn ang="0">
+                    <a:pos x="connsiteX60" y="connsiteY60"/>
+                  </a:cxn>
+                  <a:cxn ang="0">
+                    <a:pos x="connsiteX61" y="connsiteY61"/>
+                  </a:cxn>
+                  <a:cxn ang="0">
+                    <a:pos x="connsiteX62" y="connsiteY62"/>
+                  </a:cxn>
+                  <a:cxn ang="0">
+                    <a:pos x="connsiteX63" y="connsiteY63"/>
+                  </a:cxn>
+                  <a:cxn ang="0">
+                    <a:pos x="connsiteX64" y="connsiteY64"/>
+                  </a:cxn>
+                  <a:cxn ang="0">
+                    <a:pos x="connsiteX65" y="connsiteY65"/>
+                  </a:cxn>
+                  <a:cxn ang="0">
+                    <a:pos x="connsiteX66" y="connsiteY66"/>
+                  </a:cxn>
+                  <a:cxn ang="0">
+                    <a:pos x="connsiteX67" y="connsiteY67"/>
+                  </a:cxn>
+                  <a:cxn ang="0">
+                    <a:pos x="connsiteX68" y="connsiteY68"/>
+                  </a:cxn>
+                  <a:cxn ang="0">
+                    <a:pos x="connsiteX69" y="connsiteY69"/>
+                  </a:cxn>
+                </a:cxnLst>
+                <a:rect l="l" t="t" r="r" b="b"/>
+                <a:pathLst>
+                  <a:path w="605374" h="518727">
+                    <a:moveTo>
+                      <a:pt x="515246" y="356920"/>
+                    </a:moveTo>
+                    <a:cubicBezTo>
+                      <a:pt x="519923" y="356920"/>
+                      <a:pt x="523730" y="360711"/>
+                      <a:pt x="523730" y="365476"/>
+                    </a:cubicBezTo>
+                    <a:lnTo>
+                      <a:pt x="523730" y="440311"/>
+                    </a:lnTo>
+                    <a:cubicBezTo>
+                      <a:pt x="523730" y="444968"/>
+                      <a:pt x="519923" y="448867"/>
+                      <a:pt x="515246" y="448867"/>
+                    </a:cubicBezTo>
+                    <a:cubicBezTo>
+                      <a:pt x="510569" y="448867"/>
+                      <a:pt x="506653" y="444968"/>
+                      <a:pt x="506653" y="440311"/>
+                    </a:cubicBezTo>
+                    <a:lnTo>
+                      <a:pt x="506653" y="365476"/>
+                    </a:lnTo>
+                    <a:cubicBezTo>
+                      <a:pt x="506653" y="360711"/>
+                      <a:pt x="510569" y="356920"/>
+                      <a:pt x="515246" y="356920"/>
+                    </a:cubicBezTo>
+                    <a:close/>
+                    <a:moveTo>
+                      <a:pt x="462107" y="356920"/>
+                    </a:moveTo>
+                    <a:cubicBezTo>
+                      <a:pt x="466873" y="356920"/>
+                      <a:pt x="470664" y="360711"/>
+                      <a:pt x="470664" y="365476"/>
+                    </a:cubicBezTo>
+                    <a:lnTo>
+                      <a:pt x="470664" y="440311"/>
+                    </a:lnTo>
+                    <a:cubicBezTo>
+                      <a:pt x="470664" y="444968"/>
+                      <a:pt x="466873" y="448867"/>
+                      <a:pt x="462107" y="448867"/>
+                    </a:cubicBezTo>
+                    <a:cubicBezTo>
+                      <a:pt x="457449" y="448867"/>
+                      <a:pt x="453658" y="444968"/>
+                      <a:pt x="453658" y="440311"/>
+                    </a:cubicBezTo>
+                    <a:lnTo>
+                      <a:pt x="453658" y="365476"/>
+                    </a:lnTo>
+                    <a:cubicBezTo>
+                      <a:pt x="453658" y="360711"/>
+                      <a:pt x="457449" y="356920"/>
+                      <a:pt x="462107" y="356920"/>
+                    </a:cubicBezTo>
+                    <a:close/>
+                    <a:moveTo>
+                      <a:pt x="480962" y="282333"/>
+                    </a:moveTo>
+                    <a:lnTo>
+                      <a:pt x="496356" y="282333"/>
+                    </a:lnTo>
+                    <a:cubicBezTo>
+                      <a:pt x="500041" y="282333"/>
+                      <a:pt x="503077" y="285026"/>
+                      <a:pt x="503619" y="288472"/>
+                    </a:cubicBezTo>
+                    <a:lnTo>
+                      <a:pt x="473699" y="288472"/>
+                    </a:lnTo>
+                    <a:cubicBezTo>
+                      <a:pt x="474241" y="285026"/>
+                      <a:pt x="477276" y="282333"/>
+                      <a:pt x="480962" y="282333"/>
+                    </a:cubicBezTo>
+                    <a:close/>
+                    <a:moveTo>
+                      <a:pt x="480978" y="268244"/>
+                    </a:moveTo>
+                    <a:cubicBezTo>
+                      <a:pt x="469482" y="268244"/>
+                      <a:pt x="460046" y="277232"/>
+                      <a:pt x="459396" y="288494"/>
+                    </a:cubicBezTo>
+                    <a:lnTo>
+                      <a:pt x="433150" y="288494"/>
+                    </a:lnTo>
+                    <a:cubicBezTo>
+                      <a:pt x="418075" y="288494"/>
+                      <a:pt x="405820" y="300840"/>
+                      <a:pt x="405820" y="315893"/>
+                    </a:cubicBezTo>
+                    <a:lnTo>
+                      <a:pt x="405820" y="330404"/>
+                    </a:lnTo>
+                    <a:cubicBezTo>
+                      <a:pt x="405820" y="333761"/>
+                      <a:pt x="408531" y="336469"/>
+                      <a:pt x="411893" y="336469"/>
+                    </a:cubicBezTo>
+                    <a:lnTo>
+                      <a:pt x="423823" y="336469"/>
+                    </a:lnTo>
+                    <a:lnTo>
+                      <a:pt x="423823" y="469562"/>
+                    </a:lnTo>
+                    <a:cubicBezTo>
+                      <a:pt x="423823" y="476817"/>
+                      <a:pt x="429788" y="482665"/>
+                      <a:pt x="436946" y="482665"/>
+                    </a:cubicBezTo>
+                    <a:lnTo>
+                      <a:pt x="540411" y="482665"/>
+                    </a:lnTo>
+                    <a:cubicBezTo>
+                      <a:pt x="547677" y="482665"/>
+                      <a:pt x="553533" y="476817"/>
+                      <a:pt x="553533" y="469562"/>
+                    </a:cubicBezTo>
+                    <a:lnTo>
+                      <a:pt x="553533" y="336469"/>
+                    </a:lnTo>
+                    <a:lnTo>
+                      <a:pt x="565463" y="336469"/>
+                    </a:lnTo>
+                    <a:cubicBezTo>
+                      <a:pt x="568825" y="336469"/>
+                      <a:pt x="571645" y="333761"/>
+                      <a:pt x="571645" y="330404"/>
+                    </a:cubicBezTo>
+                    <a:lnTo>
+                      <a:pt x="571645" y="315893"/>
+                    </a:lnTo>
+                    <a:cubicBezTo>
+                      <a:pt x="571645" y="300840"/>
+                      <a:pt x="559281" y="288494"/>
+                      <a:pt x="544206" y="288494"/>
+                    </a:cubicBezTo>
+                    <a:lnTo>
+                      <a:pt x="517961" y="288494"/>
+                    </a:lnTo>
+                    <a:cubicBezTo>
+                      <a:pt x="517310" y="277232"/>
+                      <a:pt x="507875" y="268244"/>
+                      <a:pt x="496378" y="268244"/>
+                    </a:cubicBezTo>
+                    <a:close/>
+                    <a:moveTo>
+                      <a:pt x="353653" y="43751"/>
+                    </a:moveTo>
+                    <a:cubicBezTo>
+                      <a:pt x="332722" y="43751"/>
+                      <a:pt x="323829" y="50790"/>
+                      <a:pt x="311465" y="60644"/>
+                    </a:cubicBezTo>
+                    <a:cubicBezTo>
+                      <a:pt x="298017" y="71257"/>
+                      <a:pt x="281315" y="84469"/>
+                      <a:pt x="251382" y="84469"/>
+                    </a:cubicBezTo>
+                    <a:lnTo>
+                      <a:pt x="94124" y="84469"/>
+                    </a:lnTo>
+                    <a:cubicBezTo>
+                      <a:pt x="86316" y="84469"/>
+                      <a:pt x="78182" y="89884"/>
+                      <a:pt x="78182" y="98872"/>
+                    </a:cubicBezTo>
+                    <a:lnTo>
+                      <a:pt x="78182" y="142623"/>
+                    </a:lnTo>
+                    <a:lnTo>
+                      <a:pt x="485750" y="142623"/>
+                    </a:lnTo>
+                    <a:lnTo>
+                      <a:pt x="485750" y="66926"/>
+                    </a:lnTo>
+                    <a:cubicBezTo>
+                      <a:pt x="485750" y="54147"/>
+                      <a:pt x="475338" y="43751"/>
+                      <a:pt x="462541" y="43751"/>
+                    </a:cubicBezTo>
+                    <a:close/>
+                    <a:moveTo>
+                      <a:pt x="353653" y="0"/>
+                    </a:moveTo>
+                    <a:lnTo>
+                      <a:pt x="462541" y="0"/>
+                    </a:lnTo>
+                    <a:cubicBezTo>
+                      <a:pt x="499523" y="0"/>
+                      <a:pt x="529565" y="29997"/>
+                      <a:pt x="529565" y="66926"/>
+                    </a:cubicBezTo>
+                    <a:lnTo>
+                      <a:pt x="529565" y="142623"/>
+                    </a:lnTo>
+                    <a:cubicBezTo>
+                      <a:pt x="539434" y="143164"/>
+                      <a:pt x="548653" y="147713"/>
+                      <a:pt x="555160" y="155185"/>
+                    </a:cubicBezTo>
+                    <a:cubicBezTo>
+                      <a:pt x="561993" y="163199"/>
+                      <a:pt x="565138" y="173811"/>
+                      <a:pt x="563511" y="184316"/>
+                    </a:cubicBezTo>
+                    <a:lnTo>
+                      <a:pt x="553317" y="253516"/>
+                    </a:lnTo>
+                    <a:cubicBezTo>
+                      <a:pt x="582924" y="258822"/>
+                      <a:pt x="605374" y="284813"/>
+                      <a:pt x="605374" y="315893"/>
+                    </a:cubicBezTo>
+                    <a:lnTo>
+                      <a:pt x="605374" y="330404"/>
+                    </a:lnTo>
+                    <a:cubicBezTo>
+                      <a:pt x="605374" y="344699"/>
+                      <a:pt x="598216" y="357369"/>
+                      <a:pt x="587371" y="365058"/>
+                    </a:cubicBezTo>
+                    <a:lnTo>
+                      <a:pt x="587371" y="469562"/>
+                    </a:lnTo>
+                    <a:cubicBezTo>
+                      <a:pt x="587371" y="496743"/>
+                      <a:pt x="565246" y="518727"/>
+                      <a:pt x="538025" y="518727"/>
+                    </a:cubicBezTo>
+                    <a:lnTo>
+                      <a:pt x="434668" y="518727"/>
+                    </a:lnTo>
+                    <a:cubicBezTo>
+                      <a:pt x="423931" y="518727"/>
+                      <a:pt x="414062" y="515370"/>
+                      <a:pt x="405928" y="509522"/>
+                    </a:cubicBezTo>
+                    <a:lnTo>
+                      <a:pt x="80025" y="509522"/>
+                    </a:lnTo>
+                    <a:cubicBezTo>
+                      <a:pt x="62022" y="509522"/>
+                      <a:pt x="46730" y="496418"/>
+                      <a:pt x="44019" y="478550"/>
+                    </a:cubicBezTo>
+                    <a:lnTo>
+                      <a:pt x="421" y="184316"/>
+                    </a:lnTo>
+                    <a:cubicBezTo>
+                      <a:pt x="-1206" y="173811"/>
+                      <a:pt x="1939" y="163199"/>
+                      <a:pt x="8772" y="155185"/>
+                    </a:cubicBezTo>
+                    <a:cubicBezTo>
+                      <a:pt x="15279" y="147713"/>
+                      <a:pt x="24497" y="143164"/>
+                      <a:pt x="34367" y="142623"/>
+                    </a:cubicBezTo>
+                    <a:lnTo>
+                      <a:pt x="34367" y="98872"/>
+                    </a:lnTo>
+                    <a:cubicBezTo>
+                      <a:pt x="34367" y="66817"/>
+                      <a:pt x="61155" y="40718"/>
+                      <a:pt x="94124" y="40718"/>
+                    </a:cubicBezTo>
+                    <a:lnTo>
+                      <a:pt x="251490" y="40718"/>
+                    </a:lnTo>
+                    <a:cubicBezTo>
+                      <a:pt x="266023" y="40718"/>
+                      <a:pt x="272856" y="35412"/>
+                      <a:pt x="284135" y="26424"/>
+                    </a:cubicBezTo>
+                    <a:cubicBezTo>
+                      <a:pt x="298234" y="15269"/>
+                      <a:pt x="317430" y="0"/>
+                      <a:pt x="353653" y="0"/>
+                    </a:cubicBezTo>
+                    <a:close/>
+                  </a:path>
+                </a:pathLst>
+              </a:custGeom>
+              <a:solidFill>
+                <a:schemeClr val="tx1">
+                  <a:lumMod val="95000"/>
+                  <a:lumOff val="5000"/>
+                </a:schemeClr>
+              </a:solidFill>
+              <a:ln>
+                <a:noFill/>
+              </a:ln>
+            </p:spPr>
+            <p:txBody>
+              <a:bodyPr/>
+              <a:lstStyle>
+                <a:defPPr>
+                  <a:defRPr lang="zh-CN"/>
+                </a:defPPr>
+                <a:lvl1pPr marL="0" algn="l" defTabSz="914400" rtl="0" eaLnBrk="1" latinLnBrk="0" hangingPunct="1">
+                  <a:defRPr sz="1800" kern="1200">
+                    <a:solidFill>
+                      <a:schemeClr val="tx1"/>
+                    </a:solidFill>
+                    <a:latin typeface="+mn-lt"/>
+                    <a:ea typeface="+mn-ea"/>
+                    <a:cs typeface="+mn-cs"/>
+                  </a:defRPr>
+                </a:lvl1pPr>
+                <a:lvl2pPr marL="457200" algn="l" defTabSz="914400" rtl="0" eaLnBrk="1" latinLnBrk="0" hangingPunct="1">
+                  <a:defRPr sz="1800" kern="1200">
+                    <a:solidFill>
+                      <a:schemeClr val="tx1"/>
+                    </a:solidFill>
+                    <a:latin typeface="+mn-lt"/>
+                    <a:ea typeface="+mn-ea"/>
+                    <a:cs typeface="+mn-cs"/>
+                  </a:defRPr>
+                </a:lvl2pPr>
+                <a:lvl3pPr marL="914400" algn="l" defTabSz="914400" rtl="0" eaLnBrk="1" latinLnBrk="0" hangingPunct="1">
+                  <a:defRPr sz="1800" kern="1200">
+                    <a:solidFill>
+                      <a:schemeClr val="tx1"/>
+                    </a:solidFill>
+                    <a:latin typeface="+mn-lt"/>
+                    <a:ea typeface="+mn-ea"/>
+                    <a:cs typeface="+mn-cs"/>
+                  </a:defRPr>
+                </a:lvl3pPr>
+                <a:lvl4pPr marL="1371600" algn="l" defTabSz="914400" rtl="0" eaLnBrk="1" latinLnBrk="0" hangingPunct="1">
+                  <a:defRPr sz="1800" kern="1200">
+                    <a:solidFill>
+                      <a:schemeClr val="tx1"/>
+                    </a:solidFill>
+                    <a:latin typeface="+mn-lt"/>
+                    <a:ea typeface="+mn-ea"/>
+                    <a:cs typeface="+mn-cs"/>
+                  </a:defRPr>
+                </a:lvl4pPr>
+                <a:lvl5pPr marL="1828800" algn="l" defTabSz="914400" rtl="0" eaLnBrk="1" latinLnBrk="0" hangingPunct="1">
+                  <a:defRPr sz="1800" kern="1200">
+                    <a:solidFill>
+                      <a:schemeClr val="tx1"/>
+                    </a:solidFill>
+                    <a:latin typeface="+mn-lt"/>
+                    <a:ea typeface="+mn-ea"/>
+                    <a:cs typeface="+mn-cs"/>
+                  </a:defRPr>
+                </a:lvl5pPr>
+                <a:lvl6pPr marL="2286000" algn="l" defTabSz="914400" rtl="0" eaLnBrk="1" latinLnBrk="0" hangingPunct="1">
+                  <a:defRPr sz="1800" kern="1200">
+                    <a:solidFill>
+                      <a:schemeClr val="tx1"/>
+                    </a:solidFill>
+                    <a:latin typeface="+mn-lt"/>
+                    <a:ea typeface="+mn-ea"/>
+                    <a:cs typeface="+mn-cs"/>
+                  </a:defRPr>
+                </a:lvl6pPr>
+                <a:lvl7pPr marL="2743200" algn="l" defTabSz="914400" rtl="0" eaLnBrk="1" latinLnBrk="0" hangingPunct="1">
+                  <a:defRPr sz="1800" kern="1200">
+                    <a:solidFill>
+                      <a:schemeClr val="tx1"/>
+                    </a:solidFill>
+                    <a:latin typeface="+mn-lt"/>
+                    <a:ea typeface="+mn-ea"/>
+                    <a:cs typeface="+mn-cs"/>
+                  </a:defRPr>
+                </a:lvl7pPr>
+                <a:lvl8pPr marL="3200400" algn="l" defTabSz="914400" rtl="0" eaLnBrk="1" latinLnBrk="0" hangingPunct="1">
+                  <a:defRPr sz="1800" kern="1200">
+                    <a:solidFill>
+                      <a:schemeClr val="tx1"/>
+                    </a:solidFill>
+                    <a:latin typeface="+mn-lt"/>
+                    <a:ea typeface="+mn-ea"/>
+                    <a:cs typeface="+mn-cs"/>
+                  </a:defRPr>
+                </a:lvl8pPr>
+                <a:lvl9pPr marL="3657600" algn="l" defTabSz="914400" rtl="0" eaLnBrk="1" latinLnBrk="0" hangingPunct="1">
+                  <a:defRPr sz="1800" kern="1200">
+                    <a:solidFill>
+                      <a:schemeClr val="tx1"/>
+                    </a:solidFill>
+                    <a:latin typeface="+mn-lt"/>
+                    <a:ea typeface="+mn-ea"/>
+                    <a:cs typeface="+mn-cs"/>
+                  </a:defRPr>
+                </a:lvl9pPr>
+              </a:lstStyle>
+              <a:p>
+                <a:endParaRPr lang="zh-CN" altLang="en-US"/>
+              </a:p>
+            </p:txBody>
+          </p:sp>
         </p:grpSp>
+        <mc:AlternateContent xmlns:mc="http://schemas.openxmlformats.org/markup-compatibility/2006">
+          <mc:Choice xmlns:a14="http://schemas.microsoft.com/office/drawing/2010/main" Requires="a14">
+            <p:sp>
+              <p:nvSpPr>
+                <p:cNvPr id="93" name="CustomText">
+                  <a:extLst>
+                    <a:ext uri="{FF2B5EF4-FFF2-40B4-BE49-F238E27FC236}">
+                      <a16:creationId xmlns:a16="http://schemas.microsoft.com/office/drawing/2014/main" id="{4202C540-3152-4819-9BE4-65A52D90E196}"/>
+                    </a:ext>
+                  </a:extLst>
+                </p:cNvPr>
+                <p:cNvSpPr txBox="1"/>
+                <p:nvPr/>
+              </p:nvSpPr>
+              <p:spPr>
+                <a:xfrm flipH="1">
+                  <a:off x="1187913" y="727683"/>
+                  <a:ext cx="1878121" cy="734266"/>
+                </a:xfrm>
+                <a:prstGeom prst="rect">
+                  <a:avLst/>
+                </a:prstGeom>
+                <a:noFill/>
+              </p:spPr>
+              <p:txBody>
+                <a:bodyPr wrap="square" lIns="0" tIns="0" rIns="0" bIns="0" anchor="ctr" anchorCtr="0">
+                  <a:noAutofit/>
+                </a:bodyPr>
+                <a:lstStyle>
+                  <a:defPPr>
+                    <a:defRPr lang="zh-CN"/>
+                  </a:defPPr>
+                  <a:lvl1pPr marL="0" algn="l" defTabSz="914400" rtl="0" eaLnBrk="1" latinLnBrk="0" hangingPunct="1">
+                    <a:defRPr sz="1800" kern="1200">
+                      <a:solidFill>
+                        <a:schemeClr val="tx1"/>
+                      </a:solidFill>
+                      <a:latin typeface="+mn-lt"/>
+                      <a:ea typeface="+mn-ea"/>
+                      <a:cs typeface="+mn-cs"/>
+                    </a:defRPr>
+                  </a:lvl1pPr>
+                  <a:lvl2pPr marL="457200" algn="l" defTabSz="914400" rtl="0" eaLnBrk="1" latinLnBrk="0" hangingPunct="1">
+                    <a:defRPr sz="1800" kern="1200">
+                      <a:solidFill>
+                        <a:schemeClr val="tx1"/>
+                      </a:solidFill>
+                      <a:latin typeface="+mn-lt"/>
+                      <a:ea typeface="+mn-ea"/>
+                      <a:cs typeface="+mn-cs"/>
+                    </a:defRPr>
+                  </a:lvl2pPr>
+                  <a:lvl3pPr marL="914400" algn="l" defTabSz="914400" rtl="0" eaLnBrk="1" latinLnBrk="0" hangingPunct="1">
+                    <a:defRPr sz="1800" kern="1200">
+                      <a:solidFill>
+                        <a:schemeClr val="tx1"/>
+                      </a:solidFill>
+                      <a:latin typeface="+mn-lt"/>
+                      <a:ea typeface="+mn-ea"/>
+                      <a:cs typeface="+mn-cs"/>
+                    </a:defRPr>
+                  </a:lvl3pPr>
+                  <a:lvl4pPr marL="1371600" algn="l" defTabSz="914400" rtl="0" eaLnBrk="1" latinLnBrk="0" hangingPunct="1">
+                    <a:defRPr sz="1800" kern="1200">
+                      <a:solidFill>
+                        <a:schemeClr val="tx1"/>
+                      </a:solidFill>
+                      <a:latin typeface="+mn-lt"/>
+                      <a:ea typeface="+mn-ea"/>
+                      <a:cs typeface="+mn-cs"/>
+                    </a:defRPr>
+                  </a:lvl4pPr>
+                  <a:lvl5pPr marL="1828800" algn="l" defTabSz="914400" rtl="0" eaLnBrk="1" latinLnBrk="0" hangingPunct="1">
+                    <a:defRPr sz="1800" kern="1200">
+                      <a:solidFill>
+                        <a:schemeClr val="tx1"/>
+                      </a:solidFill>
+                      <a:latin typeface="+mn-lt"/>
+                      <a:ea typeface="+mn-ea"/>
+                      <a:cs typeface="+mn-cs"/>
+                    </a:defRPr>
+                  </a:lvl5pPr>
+                  <a:lvl6pPr marL="2286000" algn="l" defTabSz="914400" rtl="0" eaLnBrk="1" latinLnBrk="0" hangingPunct="1">
+                    <a:defRPr sz="1800" kern="1200">
+                      <a:solidFill>
+                        <a:schemeClr val="tx1"/>
+                      </a:solidFill>
+                      <a:latin typeface="+mn-lt"/>
+                      <a:ea typeface="+mn-ea"/>
+                      <a:cs typeface="+mn-cs"/>
+                    </a:defRPr>
+                  </a:lvl6pPr>
+                  <a:lvl7pPr marL="2743200" algn="l" defTabSz="914400" rtl="0" eaLnBrk="1" latinLnBrk="0" hangingPunct="1">
+                    <a:defRPr sz="1800" kern="1200">
+                      <a:solidFill>
+                        <a:schemeClr val="tx1"/>
+                      </a:solidFill>
+                      <a:latin typeface="+mn-lt"/>
+                      <a:ea typeface="+mn-ea"/>
+                      <a:cs typeface="+mn-cs"/>
+                    </a:defRPr>
+                  </a:lvl7pPr>
+                  <a:lvl8pPr marL="3200400" algn="l" defTabSz="914400" rtl="0" eaLnBrk="1" latinLnBrk="0" hangingPunct="1">
+                    <a:defRPr sz="1800" kern="1200">
+                      <a:solidFill>
+                        <a:schemeClr val="tx1"/>
+                      </a:solidFill>
+                      <a:latin typeface="+mn-lt"/>
+                      <a:ea typeface="+mn-ea"/>
+                      <a:cs typeface="+mn-cs"/>
+                    </a:defRPr>
+                  </a:lvl8pPr>
+                  <a:lvl9pPr marL="3657600" algn="l" defTabSz="914400" rtl="0" eaLnBrk="1" latinLnBrk="0" hangingPunct="1">
+                    <a:defRPr sz="1800" kern="1200">
+                      <a:solidFill>
+                        <a:schemeClr val="tx1"/>
+                      </a:solidFill>
+                      <a:latin typeface="+mn-lt"/>
+                      <a:ea typeface="+mn-ea"/>
+                      <a:cs typeface="+mn-cs"/>
+                    </a:defRPr>
+                  </a:lvl9pPr>
+                </a:lstStyle>
+                <a:p>
+                  <a:pPr lvl="0"/>
+                  <a14:m>
+                    <m:oMathPara xmlns:m="http://schemas.openxmlformats.org/officeDocument/2006/math">
+                      <m:oMathParaPr>
+                        <m:jc m:val="centerGroup"/>
+                      </m:oMathParaPr>
+                      <m:oMath xmlns:m="http://schemas.openxmlformats.org/officeDocument/2006/math">
+                        <m:sSub>
+                          <m:sSubPr>
+                            <m:ctrlPr>
+                              <a:rPr lang="en-US" altLang="zh-CN" sz="2800" b="1" i="1" smtClean="0">
+                                <a:solidFill>
+                                  <a:schemeClr val="tx1">
+                                    <a:lumMod val="85000"/>
+                                    <a:lumOff val="15000"/>
+                                  </a:schemeClr>
+                                </a:solidFill>
+                                <a:latin typeface="Cambria Math" panose="02040503050406030204" pitchFamily="18" charset="0"/>
+                              </a:rPr>
+                            </m:ctrlPr>
+                          </m:sSubPr>
+                          <m:e>
+                            <m:r>
+                              <a:rPr lang="en-US" altLang="zh-CN" sz="2800" b="1" i="1" smtClean="0">
+                                <a:solidFill>
+                                  <a:schemeClr val="tx1">
+                                    <a:lumMod val="85000"/>
+                                    <a:lumOff val="15000"/>
+                                  </a:schemeClr>
+                                </a:solidFill>
+                                <a:latin typeface="Cambria Math" panose="02040503050406030204" pitchFamily="18" charset="0"/>
+                              </a:rPr>
+                              <m:t>𝒀</m:t>
+                            </m:r>
+                          </m:e>
+                          <m:sub>
+                            <m:r>
+                              <a:rPr lang="en-US" altLang="zh-CN" sz="2800" b="1" i="1" smtClean="0">
+                                <a:solidFill>
+                                  <a:schemeClr val="tx1">
+                                    <a:lumMod val="85000"/>
+                                    <a:lumOff val="15000"/>
+                                  </a:schemeClr>
+                                </a:solidFill>
+                                <a:latin typeface="Cambria Math" panose="02040503050406030204" pitchFamily="18" charset="0"/>
+                              </a:rPr>
+                              <m:t>𝑪</m:t>
+                            </m:r>
+                          </m:sub>
+                        </m:sSub>
+                        <m:r>
+                          <a:rPr lang="en-US" altLang="zh-CN" sz="2800" b="1" i="1" smtClean="0">
+                            <a:solidFill>
+                              <a:schemeClr val="tx1">
+                                <a:lumMod val="85000"/>
+                                <a:lumOff val="15000"/>
+                              </a:schemeClr>
+                            </a:solidFill>
+                            <a:latin typeface="Cambria Math" panose="02040503050406030204" pitchFamily="18" charset="0"/>
+                          </a:rPr>
+                          <m:t>=</m:t>
+                        </m:r>
+                        <m:r>
+                          <a:rPr lang="en-US" altLang="zh-CN" sz="2800" b="1" i="1" smtClean="0">
+                            <a:solidFill>
+                              <a:schemeClr val="tx1">
+                                <a:lumMod val="85000"/>
+                                <a:lumOff val="15000"/>
+                              </a:schemeClr>
+                            </a:solidFill>
+                            <a:latin typeface="Cambria Math" panose="02040503050406030204" pitchFamily="18" charset="0"/>
+                          </a:rPr>
+                          <m:t>𝒀</m:t>
+                        </m:r>
+                        <m:sSub>
+                          <m:sSubPr>
+                            <m:ctrlPr>
+                              <a:rPr lang="en-US" altLang="zh-CN" sz="2800" b="1" i="1" smtClean="0">
+                                <a:solidFill>
+                                  <a:schemeClr val="tx1">
+                                    <a:lumMod val="85000"/>
+                                    <a:lumOff val="15000"/>
+                                  </a:schemeClr>
+                                </a:solidFill>
+                                <a:latin typeface="Cambria Math" panose="02040503050406030204" pitchFamily="18" charset="0"/>
+                              </a:rPr>
+                            </m:ctrlPr>
+                          </m:sSubPr>
+                          <m:e>
+                            <m:r>
+                              <a:rPr lang="en-US" altLang="zh-CN" sz="2800" b="1" i="1" smtClean="0">
+                                <a:solidFill>
+                                  <a:schemeClr val="tx1">
+                                    <a:lumMod val="85000"/>
+                                    <a:lumOff val="15000"/>
+                                  </a:schemeClr>
+                                </a:solidFill>
+                                <a:latin typeface="Cambria Math" panose="02040503050406030204" pitchFamily="18" charset="0"/>
+                              </a:rPr>
+                              <m:t>𝒓</m:t>
+                            </m:r>
+                          </m:e>
+                          <m:sub>
+                            <m:r>
+                              <a:rPr lang="en-US" altLang="zh-CN" sz="2800" b="1" i="1" smtClean="0">
+                                <a:solidFill>
+                                  <a:schemeClr val="tx1">
+                                    <a:lumMod val="85000"/>
+                                    <a:lumOff val="15000"/>
+                                  </a:schemeClr>
+                                </a:solidFill>
+                                <a:latin typeface="Cambria Math" panose="02040503050406030204" pitchFamily="18" charset="0"/>
+                              </a:rPr>
+                              <m:t>𝒄</m:t>
+                            </m:r>
+                          </m:sub>
+                        </m:sSub>
+                      </m:oMath>
+                    </m:oMathPara>
+                  </a14:m>
+                  <a:endParaRPr lang="en-US" altLang="zh-CN" sz="2800" b="1" dirty="0">
+                    <a:solidFill>
+                      <a:schemeClr val="tx1">
+                        <a:lumMod val="85000"/>
+                        <a:lumOff val="15000"/>
+                      </a:schemeClr>
+                    </a:solidFill>
+                  </a:endParaRPr>
+                </a:p>
+              </p:txBody>
+            </p:sp>
+          </mc:Choice>
+          <mc:Fallback>
+            <p:sp>
+              <p:nvSpPr>
+                <p:cNvPr id="93" name="CustomText">
+                  <a:extLst>
+                    <a:ext uri="{FF2B5EF4-FFF2-40B4-BE49-F238E27FC236}">
+                      <a16:creationId xmlns:a16="http://schemas.microsoft.com/office/drawing/2014/main" id="{4202C540-3152-4819-9BE4-65A52D90E196}"/>
+                    </a:ext>
+                  </a:extLst>
+                </p:cNvPr>
+                <p:cNvSpPr txBox="1">
+                  <a:spLocks noRot="1" noChangeAspect="1" noMove="1" noResize="1" noEditPoints="1" noAdjustHandles="1" noChangeArrowheads="1" noChangeShapeType="1" noTextEdit="1"/>
+                </p:cNvSpPr>
+                <p:nvPr/>
+              </p:nvSpPr>
+              <p:spPr>
+                <a:xfrm flipH="1">
+                  <a:off x="1187913" y="727683"/>
+                  <a:ext cx="1878121" cy="734266"/>
+                </a:xfrm>
+                <a:prstGeom prst="rect">
+                  <a:avLst/>
+                </a:prstGeom>
+                <a:blipFill>
+                  <a:blip r:embed="rId11"/>
+                  <a:stretch>
+                    <a:fillRect/>
+                  </a:stretch>
+                </a:blipFill>
+              </p:spPr>
+              <p:txBody>
+                <a:bodyPr/>
+                <a:lstStyle/>
+                <a:p>
+                  <a:r>
+                    <a:rPr lang="zh-CN" altLang="en-US">
+                      <a:noFill/>
+                    </a:rPr>
+                    <a:t> </a:t>
+                  </a:r>
+                </a:p>
+              </p:txBody>
+            </p:sp>
+          </mc:Fallback>
+        </mc:AlternateContent>
         <p:sp>
           <p:nvSpPr>
             <p:cNvPr id="98" name="two-up-arrows-straight-and-the-other-curved_60923">
@@ -10853,8 +10658,8 @@
           </p:nvSpPr>
           <p:spPr bwMode="auto">
             <a:xfrm rot="16200000" flipV="1">
-              <a:off x="4899565" y="1573165"/>
-              <a:ext cx="1891376" cy="2971218"/>
+              <a:off x="5785883" y="2022753"/>
+              <a:ext cx="1430294" cy="2246891"/>
             </a:xfrm>
             <a:custGeom>
               <a:avLst/>
@@ -11329,6 +11134,869 @@
               </a:lvl9pPr>
             </a:lstStyle>
             <a:p>
+              <a:endParaRPr lang="zh-CN" altLang="en-US"/>
+            </a:p>
+          </p:txBody>
+        </p:sp>
+        <p:sp>
+          <p:nvSpPr>
+            <p:cNvPr id="40" name="shuffle_158830">
+              <a:extLst>
+                <a:ext uri="{FF2B5EF4-FFF2-40B4-BE49-F238E27FC236}">
+                  <a16:creationId xmlns:a16="http://schemas.microsoft.com/office/drawing/2014/main" id="{A6F779B5-523A-4D75-BDC1-05639CCE8B37}"/>
+                </a:ext>
+              </a:extLst>
+            </p:cNvPr>
+            <p:cNvSpPr>
+              <a:spLocks noChangeAspect="1"/>
+            </p:cNvSpPr>
+            <p:nvPr/>
+          </p:nvSpPr>
+          <p:spPr bwMode="auto">
+            <a:xfrm rot="12741439">
+              <a:off x="2855443" y="1112875"/>
+              <a:ext cx="678544" cy="472409"/>
+            </a:xfrm>
+            <a:custGeom>
+              <a:avLst/>
+              <a:gdLst>
+                <a:gd name="T0" fmla="*/ 4549 w 6554"/>
+                <a:gd name="T1" fmla="*/ 2439 h 5445"/>
+                <a:gd name="T2" fmla="*/ 4201 w 6554"/>
+                <a:gd name="T3" fmla="*/ 2447 h 5445"/>
+                <a:gd name="T4" fmla="*/ 3862 w 6554"/>
+                <a:gd name="T5" fmla="*/ 2496 h 5445"/>
+                <a:gd name="T6" fmla="*/ 3450 w 6554"/>
+                <a:gd name="T7" fmla="*/ 2097 h 5445"/>
+                <a:gd name="T8" fmla="*/ 3081 w 6554"/>
+                <a:gd name="T9" fmla="*/ 1524 h 5445"/>
+                <a:gd name="T10" fmla="*/ 2785 w 6554"/>
+                <a:gd name="T11" fmla="*/ 1097 h 5445"/>
+                <a:gd name="T12" fmla="*/ 2760 w 6554"/>
+                <a:gd name="T13" fmla="*/ 1063 h 5445"/>
+                <a:gd name="T14" fmla="*/ 2741 w 6554"/>
+                <a:gd name="T15" fmla="*/ 1040 h 5445"/>
+                <a:gd name="T16" fmla="*/ 2694 w 6554"/>
+                <a:gd name="T17" fmla="*/ 989 h 5445"/>
+                <a:gd name="T18" fmla="*/ 2412 w 6554"/>
+                <a:gd name="T19" fmla="*/ 772 h 5445"/>
+                <a:gd name="T20" fmla="*/ 1737 w 6554"/>
+                <a:gd name="T21" fmla="*/ 533 h 5445"/>
+                <a:gd name="T22" fmla="*/ 1636 w 6554"/>
+                <a:gd name="T23" fmla="*/ 529 h 5445"/>
+                <a:gd name="T24" fmla="*/ 1364 w 6554"/>
+                <a:gd name="T25" fmla="*/ 528 h 5445"/>
+                <a:gd name="T26" fmla="*/ 1270 w 6554"/>
+                <a:gd name="T27" fmla="*/ 205 h 5445"/>
+                <a:gd name="T28" fmla="*/ 1113 w 6554"/>
+                <a:gd name="T29" fmla="*/ 24 h 5445"/>
+                <a:gd name="T30" fmla="*/ 105 w 6554"/>
+                <a:gd name="T31" fmla="*/ 617 h 5445"/>
+                <a:gd name="T32" fmla="*/ 92 w 6554"/>
+                <a:gd name="T33" fmla="*/ 631 h 5445"/>
+                <a:gd name="T34" fmla="*/ 248 w 6554"/>
+                <a:gd name="T35" fmla="*/ 1099 h 5445"/>
+                <a:gd name="T36" fmla="*/ 876 w 6554"/>
+                <a:gd name="T37" fmla="*/ 1697 h 5445"/>
+                <a:gd name="T38" fmla="*/ 1154 w 6554"/>
+                <a:gd name="T39" fmla="*/ 1407 h 5445"/>
+                <a:gd name="T40" fmla="*/ 777 w 6554"/>
+                <a:gd name="T41" fmla="*/ 984 h 5445"/>
+                <a:gd name="T42" fmla="*/ 1706 w 6554"/>
+                <a:gd name="T43" fmla="*/ 1011 h 5445"/>
+                <a:gd name="T44" fmla="*/ 2390 w 6554"/>
+                <a:gd name="T45" fmla="*/ 1284 h 5445"/>
+                <a:gd name="T46" fmla="*/ 2412 w 6554"/>
+                <a:gd name="T47" fmla="*/ 1323 h 5445"/>
+                <a:gd name="T48" fmla="*/ 2416 w 6554"/>
+                <a:gd name="T49" fmla="*/ 1328 h 5445"/>
+                <a:gd name="T50" fmla="*/ 2406 w 6554"/>
+                <a:gd name="T51" fmla="*/ 1316 h 5445"/>
+                <a:gd name="T52" fmla="*/ 2414 w 6554"/>
+                <a:gd name="T53" fmla="*/ 1333 h 5445"/>
+                <a:gd name="T54" fmla="*/ 2509 w 6554"/>
+                <a:gd name="T55" fmla="*/ 1520 h 5445"/>
+                <a:gd name="T56" fmla="*/ 2800 w 6554"/>
+                <a:gd name="T57" fmla="*/ 1993 h 5445"/>
+                <a:gd name="T58" fmla="*/ 3040 w 6554"/>
+                <a:gd name="T59" fmla="*/ 2328 h 5445"/>
+                <a:gd name="T60" fmla="*/ 3408 w 6554"/>
+                <a:gd name="T61" fmla="*/ 2680 h 5445"/>
+                <a:gd name="T62" fmla="*/ 3157 w 6554"/>
+                <a:gd name="T63" fmla="*/ 2979 h 5445"/>
+                <a:gd name="T64" fmla="*/ 3110 w 6554"/>
+                <a:gd name="T65" fmla="*/ 3028 h 5445"/>
+                <a:gd name="T66" fmla="*/ 2444 w 6554"/>
+                <a:gd name="T67" fmla="*/ 3811 h 5445"/>
+                <a:gd name="T68" fmla="*/ 2352 w 6554"/>
+                <a:gd name="T69" fmla="*/ 3931 h 5445"/>
+                <a:gd name="T70" fmla="*/ 2345 w 6554"/>
+                <a:gd name="T71" fmla="*/ 3937 h 5445"/>
+                <a:gd name="T72" fmla="*/ 2081 w 6554"/>
+                <a:gd name="T73" fmla="*/ 4143 h 5445"/>
+                <a:gd name="T74" fmla="*/ 1397 w 6554"/>
+                <a:gd name="T75" fmla="*/ 4244 h 5445"/>
+                <a:gd name="T76" fmla="*/ 1270 w 6554"/>
+                <a:gd name="T77" fmla="*/ 3913 h 5445"/>
+                <a:gd name="T78" fmla="*/ 1113 w 6554"/>
+                <a:gd name="T79" fmla="*/ 3732 h 5445"/>
+                <a:gd name="T80" fmla="*/ 105 w 6554"/>
+                <a:gd name="T81" fmla="*/ 4327 h 5445"/>
+                <a:gd name="T82" fmla="*/ 92 w 6554"/>
+                <a:gd name="T83" fmla="*/ 4340 h 5445"/>
+                <a:gd name="T84" fmla="*/ 248 w 6554"/>
+                <a:gd name="T85" fmla="*/ 4808 h 5445"/>
+                <a:gd name="T86" fmla="*/ 876 w 6554"/>
+                <a:gd name="T87" fmla="*/ 5407 h 5445"/>
+                <a:gd name="T88" fmla="*/ 1154 w 6554"/>
+                <a:gd name="T89" fmla="*/ 5116 h 5445"/>
+                <a:gd name="T90" fmla="*/ 586 w 6554"/>
+                <a:gd name="T91" fmla="*/ 4537 h 5445"/>
+                <a:gd name="T92" fmla="*/ 1605 w 6554"/>
+                <a:gd name="T93" fmla="*/ 4691 h 5445"/>
+                <a:gd name="T94" fmla="*/ 1753 w 6554"/>
+                <a:gd name="T95" fmla="*/ 4695 h 5445"/>
+                <a:gd name="T96" fmla="*/ 1924 w 6554"/>
+                <a:gd name="T97" fmla="*/ 4680 h 5445"/>
+                <a:gd name="T98" fmla="*/ 2778 w 6554"/>
+                <a:gd name="T99" fmla="*/ 4184 h 5445"/>
+                <a:gd name="T100" fmla="*/ 3462 w 6554"/>
+                <a:gd name="T101" fmla="*/ 3277 h 5445"/>
+                <a:gd name="T102" fmla="*/ 3762 w 6554"/>
+                <a:gd name="T103" fmla="*/ 2992 h 5445"/>
+                <a:gd name="T104" fmla="*/ 4129 w 6554"/>
+                <a:gd name="T105" fmla="*/ 2908 h 5445"/>
+                <a:gd name="T106" fmla="*/ 4252 w 6554"/>
+                <a:gd name="T107" fmla="*/ 2909 h 5445"/>
+                <a:gd name="T108" fmla="*/ 5077 w 6554"/>
+                <a:gd name="T109" fmla="*/ 2917 h 5445"/>
+                <a:gd name="T110" fmla="*/ 6540 w 6554"/>
+                <a:gd name="T111" fmla="*/ 2679 h 5445"/>
+                <a:gd name="T112" fmla="*/ 5013 w 6554"/>
+                <a:gd name="T113" fmla="*/ 2432 h 5445"/>
+              </a:gdLst>
+              <a:ahLst/>
+              <a:cxnLst>
+                <a:cxn ang="0">
+                  <a:pos x="T0" y="T1"/>
+                </a:cxn>
+                <a:cxn ang="0">
+                  <a:pos x="T2" y="T3"/>
+                </a:cxn>
+                <a:cxn ang="0">
+                  <a:pos x="T4" y="T5"/>
+                </a:cxn>
+                <a:cxn ang="0">
+                  <a:pos x="T6" y="T7"/>
+                </a:cxn>
+                <a:cxn ang="0">
+                  <a:pos x="T8" y="T9"/>
+                </a:cxn>
+                <a:cxn ang="0">
+                  <a:pos x="T10" y="T11"/>
+                </a:cxn>
+                <a:cxn ang="0">
+                  <a:pos x="T12" y="T13"/>
+                </a:cxn>
+                <a:cxn ang="0">
+                  <a:pos x="T14" y="T15"/>
+                </a:cxn>
+                <a:cxn ang="0">
+                  <a:pos x="T16" y="T17"/>
+                </a:cxn>
+                <a:cxn ang="0">
+                  <a:pos x="T18" y="T19"/>
+                </a:cxn>
+                <a:cxn ang="0">
+                  <a:pos x="T20" y="T21"/>
+                </a:cxn>
+                <a:cxn ang="0">
+                  <a:pos x="T22" y="T23"/>
+                </a:cxn>
+                <a:cxn ang="0">
+                  <a:pos x="T24" y="T25"/>
+                </a:cxn>
+                <a:cxn ang="0">
+                  <a:pos x="T26" y="T27"/>
+                </a:cxn>
+                <a:cxn ang="0">
+                  <a:pos x="T28" y="T29"/>
+                </a:cxn>
+                <a:cxn ang="0">
+                  <a:pos x="T30" y="T31"/>
+                </a:cxn>
+                <a:cxn ang="0">
+                  <a:pos x="T32" y="T33"/>
+                </a:cxn>
+                <a:cxn ang="0">
+                  <a:pos x="T34" y="T35"/>
+                </a:cxn>
+                <a:cxn ang="0">
+                  <a:pos x="T36" y="T37"/>
+                </a:cxn>
+                <a:cxn ang="0">
+                  <a:pos x="T38" y="T39"/>
+                </a:cxn>
+                <a:cxn ang="0">
+                  <a:pos x="T40" y="T41"/>
+                </a:cxn>
+                <a:cxn ang="0">
+                  <a:pos x="T42" y="T43"/>
+                </a:cxn>
+                <a:cxn ang="0">
+                  <a:pos x="T44" y="T45"/>
+                </a:cxn>
+                <a:cxn ang="0">
+                  <a:pos x="T46" y="T47"/>
+                </a:cxn>
+                <a:cxn ang="0">
+                  <a:pos x="T48" y="T49"/>
+                </a:cxn>
+                <a:cxn ang="0">
+                  <a:pos x="T50" y="T51"/>
+                </a:cxn>
+                <a:cxn ang="0">
+                  <a:pos x="T52" y="T53"/>
+                </a:cxn>
+                <a:cxn ang="0">
+                  <a:pos x="T54" y="T55"/>
+                </a:cxn>
+                <a:cxn ang="0">
+                  <a:pos x="T56" y="T57"/>
+                </a:cxn>
+                <a:cxn ang="0">
+                  <a:pos x="T58" y="T59"/>
+                </a:cxn>
+                <a:cxn ang="0">
+                  <a:pos x="T60" y="T61"/>
+                </a:cxn>
+                <a:cxn ang="0">
+                  <a:pos x="T62" y="T63"/>
+                </a:cxn>
+                <a:cxn ang="0">
+                  <a:pos x="T64" y="T65"/>
+                </a:cxn>
+                <a:cxn ang="0">
+                  <a:pos x="T66" y="T67"/>
+                </a:cxn>
+                <a:cxn ang="0">
+                  <a:pos x="T68" y="T69"/>
+                </a:cxn>
+                <a:cxn ang="0">
+                  <a:pos x="T70" y="T71"/>
+                </a:cxn>
+                <a:cxn ang="0">
+                  <a:pos x="T72" y="T73"/>
+                </a:cxn>
+                <a:cxn ang="0">
+                  <a:pos x="T74" y="T75"/>
+                </a:cxn>
+                <a:cxn ang="0">
+                  <a:pos x="T76" y="T77"/>
+                </a:cxn>
+                <a:cxn ang="0">
+                  <a:pos x="T78" y="T79"/>
+                </a:cxn>
+                <a:cxn ang="0">
+                  <a:pos x="T80" y="T81"/>
+                </a:cxn>
+                <a:cxn ang="0">
+                  <a:pos x="T82" y="T83"/>
+                </a:cxn>
+                <a:cxn ang="0">
+                  <a:pos x="T84" y="T85"/>
+                </a:cxn>
+                <a:cxn ang="0">
+                  <a:pos x="T86" y="T87"/>
+                </a:cxn>
+                <a:cxn ang="0">
+                  <a:pos x="T88" y="T89"/>
+                </a:cxn>
+                <a:cxn ang="0">
+                  <a:pos x="T90" y="T91"/>
+                </a:cxn>
+                <a:cxn ang="0">
+                  <a:pos x="T92" y="T93"/>
+                </a:cxn>
+                <a:cxn ang="0">
+                  <a:pos x="T94" y="T95"/>
+                </a:cxn>
+                <a:cxn ang="0">
+                  <a:pos x="T96" y="T97"/>
+                </a:cxn>
+                <a:cxn ang="0">
+                  <a:pos x="T98" y="T99"/>
+                </a:cxn>
+                <a:cxn ang="0">
+                  <a:pos x="T100" y="T101"/>
+                </a:cxn>
+                <a:cxn ang="0">
+                  <a:pos x="T102" y="T103"/>
+                </a:cxn>
+                <a:cxn ang="0">
+                  <a:pos x="T104" y="T105"/>
+                </a:cxn>
+                <a:cxn ang="0">
+                  <a:pos x="T106" y="T107"/>
+                </a:cxn>
+                <a:cxn ang="0">
+                  <a:pos x="T108" y="T109"/>
+                </a:cxn>
+                <a:cxn ang="0">
+                  <a:pos x="T110" y="T111"/>
+                </a:cxn>
+                <a:cxn ang="0">
+                  <a:pos x="T112" y="T113"/>
+                </a:cxn>
+              </a:cxnLst>
+              <a:rect l="0" t="0" r="r" b="b"/>
+              <a:pathLst>
+                <a:path w="6554" h="5445">
+                  <a:moveTo>
+                    <a:pt x="5013" y="2432"/>
+                  </a:moveTo>
+                  <a:lnTo>
+                    <a:pt x="4549" y="2439"/>
+                  </a:lnTo>
+                  <a:lnTo>
+                    <a:pt x="4317" y="2444"/>
+                  </a:lnTo>
+                  <a:lnTo>
+                    <a:pt x="4201" y="2447"/>
+                  </a:lnTo>
+                  <a:cubicBezTo>
+                    <a:pt x="4162" y="2448"/>
+                    <a:pt x="4112" y="2449"/>
+                    <a:pt x="4069" y="2456"/>
+                  </a:cubicBezTo>
+                  <a:cubicBezTo>
+                    <a:pt x="3998" y="2463"/>
+                    <a:pt x="3930" y="2477"/>
+                    <a:pt x="3862" y="2496"/>
+                  </a:cubicBezTo>
+                  <a:cubicBezTo>
+                    <a:pt x="3758" y="2413"/>
+                    <a:pt x="3661" y="2332"/>
+                    <a:pt x="3572" y="2244"/>
+                  </a:cubicBezTo>
+                  <a:cubicBezTo>
+                    <a:pt x="3526" y="2199"/>
+                    <a:pt x="3485" y="2149"/>
+                    <a:pt x="3450" y="2097"/>
+                  </a:cubicBezTo>
+                  <a:lnTo>
+                    <a:pt x="3330" y="1909"/>
+                  </a:lnTo>
+                  <a:lnTo>
+                    <a:pt x="3081" y="1524"/>
+                  </a:lnTo>
+                  <a:cubicBezTo>
+                    <a:pt x="2997" y="1396"/>
+                    <a:pt x="2910" y="1269"/>
+                    <a:pt x="2820" y="1144"/>
+                  </a:cubicBezTo>
+                  <a:lnTo>
+                    <a:pt x="2785" y="1097"/>
+                  </a:lnTo>
+                  <a:lnTo>
+                    <a:pt x="2768" y="1075"/>
+                  </a:lnTo>
+                  <a:lnTo>
+                    <a:pt x="2760" y="1063"/>
+                  </a:lnTo>
+                  <a:lnTo>
+                    <a:pt x="2744" y="1043"/>
+                  </a:lnTo>
+                  <a:lnTo>
+                    <a:pt x="2741" y="1040"/>
+                  </a:lnTo>
+                  <a:lnTo>
+                    <a:pt x="2736" y="1035"/>
+                  </a:lnTo>
+                  <a:cubicBezTo>
+                    <a:pt x="2721" y="1020"/>
+                    <a:pt x="2713" y="1008"/>
+                    <a:pt x="2694" y="989"/>
+                  </a:cubicBezTo>
+                  <a:cubicBezTo>
+                    <a:pt x="2677" y="972"/>
+                    <a:pt x="2658" y="952"/>
+                    <a:pt x="2640" y="936"/>
+                  </a:cubicBezTo>
+                  <a:cubicBezTo>
+                    <a:pt x="2570" y="872"/>
+                    <a:pt x="2494" y="817"/>
+                    <a:pt x="2412" y="772"/>
+                  </a:cubicBezTo>
+                  <a:cubicBezTo>
+                    <a:pt x="2337" y="719"/>
+                    <a:pt x="2256" y="672"/>
+                    <a:pt x="2169" y="635"/>
+                  </a:cubicBezTo>
+                  <a:cubicBezTo>
+                    <a:pt x="2033" y="576"/>
+                    <a:pt x="1885" y="543"/>
+                    <a:pt x="1737" y="533"/>
+                  </a:cubicBezTo>
+                  <a:lnTo>
+                    <a:pt x="1681" y="531"/>
+                  </a:lnTo>
+                  <a:lnTo>
+                    <a:pt x="1636" y="529"/>
+                  </a:lnTo>
+                  <a:lnTo>
+                    <a:pt x="1545" y="528"/>
+                  </a:lnTo>
+                  <a:lnTo>
+                    <a:pt x="1364" y="528"/>
+                  </a:lnTo>
+                  <a:cubicBezTo>
+                    <a:pt x="1214" y="529"/>
+                    <a:pt x="1065" y="535"/>
+                    <a:pt x="916" y="545"/>
+                  </a:cubicBezTo>
+                  <a:cubicBezTo>
+                    <a:pt x="1033" y="431"/>
+                    <a:pt x="1145" y="311"/>
+                    <a:pt x="1270" y="205"/>
+                  </a:cubicBezTo>
+                  <a:cubicBezTo>
+                    <a:pt x="1284" y="195"/>
+                    <a:pt x="1270" y="143"/>
+                    <a:pt x="1253" y="113"/>
+                  </a:cubicBezTo>
+                  <a:cubicBezTo>
+                    <a:pt x="1220" y="56"/>
+                    <a:pt x="1165" y="31"/>
+                    <a:pt x="1113" y="24"/>
+                  </a:cubicBezTo>
+                  <a:cubicBezTo>
+                    <a:pt x="941" y="0"/>
+                    <a:pt x="806" y="48"/>
+                    <a:pt x="701" y="129"/>
+                  </a:cubicBezTo>
+                  <a:cubicBezTo>
+                    <a:pt x="497" y="285"/>
+                    <a:pt x="284" y="432"/>
+                    <a:pt x="105" y="617"/>
+                  </a:cubicBezTo>
+                  <a:lnTo>
+                    <a:pt x="94" y="628"/>
+                  </a:lnTo>
+                  <a:lnTo>
+                    <a:pt x="92" y="631"/>
+                  </a:lnTo>
+                  <a:cubicBezTo>
+                    <a:pt x="0" y="731"/>
+                    <a:pt x="5" y="887"/>
+                    <a:pt x="105" y="979"/>
+                  </a:cubicBezTo>
+                  <a:cubicBezTo>
+                    <a:pt x="150" y="1021"/>
+                    <a:pt x="198" y="1061"/>
+                    <a:pt x="248" y="1099"/>
+                  </a:cubicBezTo>
+                  <a:cubicBezTo>
+                    <a:pt x="273" y="1129"/>
+                    <a:pt x="296" y="1161"/>
+                    <a:pt x="322" y="1192"/>
+                  </a:cubicBezTo>
+                  <a:cubicBezTo>
+                    <a:pt x="485" y="1383"/>
+                    <a:pt x="660" y="1563"/>
+                    <a:pt x="876" y="1697"/>
+                  </a:cubicBezTo>
+                  <a:cubicBezTo>
+                    <a:pt x="937" y="1736"/>
+                    <a:pt x="1022" y="1733"/>
+                    <a:pt x="1102" y="1643"/>
+                  </a:cubicBezTo>
+                  <a:cubicBezTo>
+                    <a:pt x="1176" y="1560"/>
+                    <a:pt x="1197" y="1467"/>
+                    <a:pt x="1154" y="1407"/>
+                  </a:cubicBezTo>
+                  <a:cubicBezTo>
+                    <a:pt x="1077" y="1299"/>
+                    <a:pt x="1001" y="1188"/>
+                    <a:pt x="905" y="1099"/>
+                  </a:cubicBezTo>
+                  <a:cubicBezTo>
+                    <a:pt x="864" y="1060"/>
+                    <a:pt x="820" y="1021"/>
+                    <a:pt x="777" y="984"/>
+                  </a:cubicBezTo>
+                  <a:cubicBezTo>
+                    <a:pt x="986" y="1003"/>
+                    <a:pt x="1197" y="1020"/>
+                    <a:pt x="1408" y="1017"/>
+                  </a:cubicBezTo>
+                  <a:lnTo>
+                    <a:pt x="1706" y="1011"/>
+                  </a:lnTo>
+                  <a:cubicBezTo>
+                    <a:pt x="1789" y="1009"/>
+                    <a:pt x="1873" y="1017"/>
+                    <a:pt x="1953" y="1039"/>
+                  </a:cubicBezTo>
+                  <a:cubicBezTo>
+                    <a:pt x="2114" y="1077"/>
+                    <a:pt x="2272" y="1165"/>
+                    <a:pt x="2390" y="1284"/>
+                  </a:cubicBezTo>
+                  <a:lnTo>
+                    <a:pt x="2408" y="1315"/>
+                  </a:lnTo>
+                  <a:lnTo>
+                    <a:pt x="2412" y="1323"/>
+                  </a:lnTo>
+                  <a:lnTo>
+                    <a:pt x="2414" y="1327"/>
+                  </a:lnTo>
+                  <a:lnTo>
+                    <a:pt x="2416" y="1328"/>
+                  </a:lnTo>
+                  <a:cubicBezTo>
+                    <a:pt x="2425" y="1340"/>
+                    <a:pt x="2404" y="1313"/>
+                    <a:pt x="2406" y="1316"/>
+                  </a:cubicBezTo>
+                  <a:lnTo>
+                    <a:pt x="2406" y="1316"/>
+                  </a:lnTo>
+                  <a:lnTo>
+                    <a:pt x="2406" y="1317"/>
+                  </a:lnTo>
+                  <a:lnTo>
+                    <a:pt x="2414" y="1333"/>
+                  </a:lnTo>
+                  <a:lnTo>
+                    <a:pt x="2445" y="1396"/>
+                  </a:lnTo>
+                  <a:cubicBezTo>
+                    <a:pt x="2465" y="1437"/>
+                    <a:pt x="2486" y="1479"/>
+                    <a:pt x="2509" y="1520"/>
+                  </a:cubicBezTo>
+                  <a:cubicBezTo>
+                    <a:pt x="2553" y="1601"/>
+                    <a:pt x="2600" y="1681"/>
+                    <a:pt x="2648" y="1760"/>
+                  </a:cubicBezTo>
+                  <a:cubicBezTo>
+                    <a:pt x="2697" y="1839"/>
+                    <a:pt x="2745" y="1915"/>
+                    <a:pt x="2800" y="1993"/>
+                  </a:cubicBezTo>
+                  <a:cubicBezTo>
+                    <a:pt x="2852" y="2069"/>
+                    <a:pt x="2906" y="2144"/>
+                    <a:pt x="2960" y="2220"/>
+                  </a:cubicBezTo>
+                  <a:lnTo>
+                    <a:pt x="3040" y="2328"/>
+                  </a:lnTo>
+                  <a:cubicBezTo>
+                    <a:pt x="3073" y="2375"/>
+                    <a:pt x="3109" y="2419"/>
+                    <a:pt x="3148" y="2460"/>
+                  </a:cubicBezTo>
+                  <a:cubicBezTo>
+                    <a:pt x="3225" y="2544"/>
+                    <a:pt x="3313" y="2617"/>
+                    <a:pt x="3408" y="2680"/>
+                  </a:cubicBezTo>
+                  <a:lnTo>
+                    <a:pt x="3440" y="2700"/>
+                  </a:lnTo>
+                  <a:cubicBezTo>
+                    <a:pt x="3332" y="2779"/>
+                    <a:pt x="3236" y="2873"/>
+                    <a:pt x="3157" y="2979"/>
+                  </a:cubicBezTo>
+                  <a:cubicBezTo>
+                    <a:pt x="3141" y="2995"/>
+                    <a:pt x="3126" y="3012"/>
+                    <a:pt x="3110" y="3028"/>
+                  </a:cubicBezTo>
+                  <a:lnTo>
+                    <a:pt x="3110" y="3028"/>
+                  </a:lnTo>
+                  <a:cubicBezTo>
+                    <a:pt x="2921" y="3227"/>
+                    <a:pt x="2744" y="3436"/>
+                    <a:pt x="2572" y="3649"/>
+                  </a:cubicBezTo>
+                  <a:lnTo>
+                    <a:pt x="2444" y="3811"/>
+                  </a:lnTo>
+                  <a:lnTo>
+                    <a:pt x="2381" y="3892"/>
+                  </a:lnTo>
+                  <a:lnTo>
+                    <a:pt x="2352" y="3931"/>
+                  </a:lnTo>
+                  <a:lnTo>
+                    <a:pt x="2352" y="3931"/>
+                  </a:lnTo>
+                  <a:lnTo>
+                    <a:pt x="2345" y="3937"/>
+                  </a:lnTo>
+                  <a:lnTo>
+                    <a:pt x="2332" y="3952"/>
+                  </a:lnTo>
+                  <a:cubicBezTo>
+                    <a:pt x="2260" y="4029"/>
+                    <a:pt x="2174" y="4095"/>
+                    <a:pt x="2081" y="4143"/>
+                  </a:cubicBezTo>
+                  <a:cubicBezTo>
+                    <a:pt x="1988" y="4192"/>
+                    <a:pt x="1885" y="4223"/>
+                    <a:pt x="1781" y="4236"/>
+                  </a:cubicBezTo>
+                  <a:cubicBezTo>
+                    <a:pt x="1688" y="4247"/>
+                    <a:pt x="1532" y="4241"/>
+                    <a:pt x="1397" y="4244"/>
+                  </a:cubicBezTo>
+                  <a:cubicBezTo>
+                    <a:pt x="1241" y="4245"/>
+                    <a:pt x="1085" y="4244"/>
+                    <a:pt x="929" y="4243"/>
+                  </a:cubicBezTo>
+                  <a:cubicBezTo>
+                    <a:pt x="1041" y="4131"/>
+                    <a:pt x="1149" y="4015"/>
+                    <a:pt x="1270" y="3913"/>
+                  </a:cubicBezTo>
+                  <a:cubicBezTo>
+                    <a:pt x="1284" y="3903"/>
+                    <a:pt x="1270" y="3851"/>
+                    <a:pt x="1253" y="3821"/>
+                  </a:cubicBezTo>
+                  <a:cubicBezTo>
+                    <a:pt x="1220" y="3764"/>
+                    <a:pt x="1165" y="3739"/>
+                    <a:pt x="1113" y="3732"/>
+                  </a:cubicBezTo>
+                  <a:cubicBezTo>
+                    <a:pt x="941" y="3708"/>
+                    <a:pt x="806" y="3756"/>
+                    <a:pt x="701" y="3837"/>
+                  </a:cubicBezTo>
+                  <a:cubicBezTo>
+                    <a:pt x="497" y="3995"/>
+                    <a:pt x="284" y="4143"/>
+                    <a:pt x="105" y="4327"/>
+                  </a:cubicBezTo>
+                  <a:lnTo>
+                    <a:pt x="94" y="4337"/>
+                  </a:lnTo>
+                  <a:lnTo>
+                    <a:pt x="92" y="4340"/>
+                  </a:lnTo>
+                  <a:cubicBezTo>
+                    <a:pt x="0" y="4440"/>
+                    <a:pt x="5" y="4596"/>
+                    <a:pt x="105" y="4688"/>
+                  </a:cubicBezTo>
+                  <a:cubicBezTo>
+                    <a:pt x="150" y="4731"/>
+                    <a:pt x="198" y="4771"/>
+                    <a:pt x="248" y="4808"/>
+                  </a:cubicBezTo>
+                  <a:cubicBezTo>
+                    <a:pt x="273" y="4839"/>
+                    <a:pt x="296" y="4871"/>
+                    <a:pt x="322" y="4901"/>
+                  </a:cubicBezTo>
+                  <a:cubicBezTo>
+                    <a:pt x="485" y="5092"/>
+                    <a:pt x="660" y="5272"/>
+                    <a:pt x="876" y="5407"/>
+                  </a:cubicBezTo>
+                  <a:cubicBezTo>
+                    <a:pt x="937" y="5445"/>
+                    <a:pt x="1022" y="5443"/>
+                    <a:pt x="1102" y="5352"/>
+                  </a:cubicBezTo>
+                  <a:cubicBezTo>
+                    <a:pt x="1176" y="5269"/>
+                    <a:pt x="1197" y="5176"/>
+                    <a:pt x="1154" y="5116"/>
+                  </a:cubicBezTo>
+                  <a:cubicBezTo>
+                    <a:pt x="1077" y="5008"/>
+                    <a:pt x="1001" y="4897"/>
+                    <a:pt x="905" y="4808"/>
+                  </a:cubicBezTo>
+                  <a:cubicBezTo>
+                    <a:pt x="804" y="4713"/>
+                    <a:pt x="696" y="4625"/>
+                    <a:pt x="586" y="4537"/>
+                  </a:cubicBezTo>
+                  <a:cubicBezTo>
+                    <a:pt x="597" y="4529"/>
+                    <a:pt x="609" y="4523"/>
+                    <a:pt x="620" y="4515"/>
+                  </a:cubicBezTo>
+                  <a:cubicBezTo>
+                    <a:pt x="913" y="4625"/>
+                    <a:pt x="1256" y="4676"/>
+                    <a:pt x="1605" y="4691"/>
+                  </a:cubicBezTo>
+                  <a:lnTo>
+                    <a:pt x="1676" y="4693"/>
+                  </a:lnTo>
+                  <a:lnTo>
+                    <a:pt x="1753" y="4695"/>
+                  </a:lnTo>
+                  <a:cubicBezTo>
+                    <a:pt x="1782" y="4693"/>
+                    <a:pt x="1813" y="4692"/>
+                    <a:pt x="1841" y="4689"/>
+                  </a:cubicBezTo>
+                  <a:cubicBezTo>
+                    <a:pt x="1869" y="4687"/>
+                    <a:pt x="1896" y="4684"/>
+                    <a:pt x="1924" y="4680"/>
+                  </a:cubicBezTo>
+                  <a:cubicBezTo>
+                    <a:pt x="2033" y="4664"/>
+                    <a:pt x="2141" y="4635"/>
+                    <a:pt x="2245" y="4591"/>
+                  </a:cubicBezTo>
+                  <a:cubicBezTo>
+                    <a:pt x="2452" y="4504"/>
+                    <a:pt x="2637" y="4368"/>
+                    <a:pt x="2778" y="4184"/>
+                  </a:cubicBezTo>
+                  <a:cubicBezTo>
+                    <a:pt x="3012" y="3888"/>
+                    <a:pt x="3241" y="3588"/>
+                    <a:pt x="3461" y="3280"/>
+                  </a:cubicBezTo>
+                  <a:lnTo>
+                    <a:pt x="3462" y="3277"/>
+                  </a:lnTo>
+                  <a:lnTo>
+                    <a:pt x="3462" y="3276"/>
+                  </a:lnTo>
+                  <a:cubicBezTo>
+                    <a:pt x="3540" y="3163"/>
+                    <a:pt x="3644" y="3065"/>
+                    <a:pt x="3762" y="2992"/>
+                  </a:cubicBezTo>
+                  <a:cubicBezTo>
+                    <a:pt x="3846" y="2955"/>
+                    <a:pt x="3933" y="2929"/>
+                    <a:pt x="4022" y="2917"/>
+                  </a:cubicBezTo>
+                  <a:cubicBezTo>
+                    <a:pt x="4058" y="2912"/>
+                    <a:pt x="4093" y="2909"/>
+                    <a:pt x="4129" y="2908"/>
+                  </a:cubicBezTo>
+                  <a:lnTo>
+                    <a:pt x="4182" y="2908"/>
+                  </a:lnTo>
+                  <a:lnTo>
+                    <a:pt x="4252" y="2909"/>
+                  </a:lnTo>
+                  <a:lnTo>
+                    <a:pt x="4526" y="2915"/>
+                  </a:lnTo>
+                  <a:cubicBezTo>
+                    <a:pt x="4710" y="2917"/>
+                    <a:pt x="4893" y="2919"/>
+                    <a:pt x="5077" y="2917"/>
+                  </a:cubicBezTo>
+                  <a:cubicBezTo>
+                    <a:pt x="5444" y="2915"/>
+                    <a:pt x="5809" y="2903"/>
+                    <a:pt x="6174" y="2876"/>
+                  </a:cubicBezTo>
+                  <a:cubicBezTo>
+                    <a:pt x="6382" y="2860"/>
+                    <a:pt x="6554" y="2799"/>
+                    <a:pt x="6540" y="2679"/>
+                  </a:cubicBezTo>
+                  <a:cubicBezTo>
+                    <a:pt x="6525" y="2568"/>
+                    <a:pt x="6378" y="2487"/>
+                    <a:pt x="6165" y="2475"/>
+                  </a:cubicBezTo>
+                  <a:cubicBezTo>
+                    <a:pt x="5782" y="2453"/>
+                    <a:pt x="5397" y="2428"/>
+                    <a:pt x="5013" y="2432"/>
+                  </a:cubicBezTo>
+                  <a:close/>
+                </a:path>
+              </a:pathLst>
+            </a:custGeom>
+            <a:solidFill>
+              <a:schemeClr val="bg1">
+                <a:lumMod val="65000"/>
+              </a:schemeClr>
+            </a:solidFill>
+            <a:ln>
+              <a:noFill/>
+            </a:ln>
+          </p:spPr>
+        </p:sp>
+        <p:sp>
+          <p:nvSpPr>
+            <p:cNvPr id="2" name="右大括号 1">
+              <a:extLst>
+                <a:ext uri="{FF2B5EF4-FFF2-40B4-BE49-F238E27FC236}">
+                  <a16:creationId xmlns:a16="http://schemas.microsoft.com/office/drawing/2014/main" id="{14A5C833-2D83-4CA2-802D-38FB69458FB0}"/>
+                </a:ext>
+              </a:extLst>
+            </p:cNvPr>
+            <p:cNvSpPr/>
+            <p:nvPr/>
+          </p:nvSpPr>
+          <p:spPr>
+            <a:xfrm>
+              <a:off x="4705962" y="1927115"/>
+              <a:ext cx="376655" cy="1649011"/>
+            </a:xfrm>
+            <a:prstGeom prst="rightBrace">
+              <a:avLst>
+                <a:gd name="adj1" fmla="val 32846"/>
+                <a:gd name="adj2" fmla="val 50000"/>
+              </a:avLst>
+            </a:prstGeom>
+            <a:noFill/>
+            <a:ln w="57150">
+              <a:solidFill>
+                <a:schemeClr val="bg1">
+                  <a:lumMod val="65000"/>
+                </a:schemeClr>
+              </a:solidFill>
+            </a:ln>
+          </p:spPr>
+          <p:style>
+            <a:lnRef idx="1">
+              <a:schemeClr val="accent1"/>
+            </a:lnRef>
+            <a:fillRef idx="0">
+              <a:schemeClr val="accent1"/>
+            </a:fillRef>
+            <a:effectRef idx="0">
+              <a:schemeClr val="accent1"/>
+            </a:effectRef>
+            <a:fontRef idx="minor">
+              <a:schemeClr val="tx1"/>
+            </a:fontRef>
+          </p:style>
+          <p:txBody>
+            <a:bodyPr rtlCol="0" anchor="ctr"/>
+            <a:lstStyle/>
+            <a:p>
+              <a:pPr algn="ctr"/>
               <a:endParaRPr lang="zh-CN" altLang="en-US"/>
             </a:p>
           </p:txBody>
